--- a/PokemawnFinalPresentation.pptx
+++ b/PokemawnFinalPresentation.pptx
@@ -6,6 +6,7 @@
   </p:sldMasterIdLst>
   <p:sldIdLst>
     <p:sldId id="256" r:id="rId2"/>
+    <p:sldId id="257" r:id="rId3"/>
   </p:sldIdLst>
   <p:sldSz cx="12192000" cy="6858000"/>
   <p:notesSz cx="6858000" cy="9144000"/>
@@ -104,6 +105,11 @@
       </a:defRPr>
     </a:lvl9pPr>
   </p:defaultTextStyle>
+  <p:extLst>
+    <p:ext uri="{EFAFB233-063F-42B5-8137-9DF3F51BA10A}">
+      <p15:sldGuideLst xmlns:p15="http://schemas.microsoft.com/office/powerpoint/2012/main"/>
+    </p:ext>
+  </p:extLst>
 </p:presentation>
 </file>
 
@@ -337,7 +343,7 @@
             <a:fld id="{B61BEF0D-F0BB-DE4B-95CE-6DB70DBA9567}" type="datetimeFigureOut">
               <a:rPr lang="en-US" dirty="0"/>
               <a:pPr/>
-              <a:t>5/29/2019</a:t>
+              <a:t>6/2/2019</a:t>
             </a:fld>
             <a:endParaRPr lang="en-US" dirty="0"/>
           </a:p>
@@ -668,7 +674,7 @@
             <a:fld id="{B61BEF0D-F0BB-DE4B-95CE-6DB70DBA9567}" type="datetimeFigureOut">
               <a:rPr lang="en-US" dirty="0"/>
               <a:pPr/>
-              <a:t>5/29/2019</a:t>
+              <a:t>6/2/2019</a:t>
             </a:fld>
             <a:endParaRPr lang="en-US" dirty="0"/>
           </a:p>
@@ -943,7 +949,7 @@
             <a:fld id="{B61BEF0D-F0BB-DE4B-95CE-6DB70DBA9567}" type="datetimeFigureOut">
               <a:rPr lang="en-US" dirty="0"/>
               <a:pPr/>
-              <a:t>5/29/2019</a:t>
+              <a:t>6/2/2019</a:t>
             </a:fld>
             <a:endParaRPr lang="en-US" dirty="0"/>
           </a:p>
@@ -1508,7 +1514,7 @@
             <a:fld id="{B61BEF0D-F0BB-DE4B-95CE-6DB70DBA9567}" type="datetimeFigureOut">
               <a:rPr lang="en-US" dirty="0"/>
               <a:pPr/>
-              <a:t>5/29/2019</a:t>
+              <a:t>6/2/2019</a:t>
             </a:fld>
             <a:endParaRPr lang="en-US" dirty="0"/>
           </a:p>
@@ -1783,7 +1789,7 @@
             <a:fld id="{B61BEF0D-F0BB-DE4B-95CE-6DB70DBA9567}" type="datetimeFigureOut">
               <a:rPr lang="en-US" dirty="0"/>
               <a:pPr/>
-              <a:t>5/29/2019</a:t>
+              <a:t>6/2/2019</a:t>
             </a:fld>
             <a:endParaRPr lang="en-US" dirty="0"/>
           </a:p>
@@ -2342,7 +2348,7 @@
             <a:fld id="{B61BEF0D-F0BB-DE4B-95CE-6DB70DBA9567}" type="datetimeFigureOut">
               <a:rPr lang="en-US" dirty="0"/>
               <a:pPr/>
-              <a:t>5/29/2019</a:t>
+              <a:t>6/2/2019</a:t>
             </a:fld>
             <a:endParaRPr lang="en-US" dirty="0"/>
           </a:p>
@@ -2666,7 +2672,7 @@
             <a:fld id="{B61BEF0D-F0BB-DE4B-95CE-6DB70DBA9567}" type="datetimeFigureOut">
               <a:rPr lang="en-US" dirty="0"/>
               <a:pPr/>
-              <a:t>5/29/2019</a:t>
+              <a:t>6/2/2019</a:t>
             </a:fld>
             <a:endParaRPr lang="en-US" dirty="0"/>
           </a:p>
@@ -2868,7 +2874,7 @@
             <a:fld id="{B61BEF0D-F0BB-DE4B-95CE-6DB70DBA9567}" type="datetimeFigureOut">
               <a:rPr lang="en-US" dirty="0"/>
               <a:pPr/>
-              <a:t>5/29/2019</a:t>
+              <a:t>6/2/2019</a:t>
             </a:fld>
             <a:endParaRPr lang="en-US" dirty="0"/>
           </a:p>
@@ -3075,7 +3081,7 @@
             <a:fld id="{B61BEF0D-F0BB-DE4B-95CE-6DB70DBA9567}" type="datetimeFigureOut">
               <a:rPr lang="en-US" dirty="0"/>
               <a:pPr/>
-              <a:t>5/29/2019</a:t>
+              <a:t>6/2/2019</a:t>
             </a:fld>
             <a:endParaRPr lang="en-US" dirty="0"/>
           </a:p>
@@ -3272,7 +3278,7 @@
             <a:fld id="{B61BEF0D-F0BB-DE4B-95CE-6DB70DBA9567}" type="datetimeFigureOut">
               <a:rPr lang="en-US" dirty="0"/>
               <a:pPr/>
-              <a:t>5/29/2019</a:t>
+              <a:t>6/2/2019</a:t>
             </a:fld>
             <a:endParaRPr lang="en-US" dirty="0"/>
           </a:p>
@@ -3545,7 +3551,7 @@
             <a:fld id="{B61BEF0D-F0BB-DE4B-95CE-6DB70DBA9567}" type="datetimeFigureOut">
               <a:rPr lang="en-US" dirty="0"/>
               <a:pPr/>
-              <a:t>5/29/2019</a:t>
+              <a:t>6/2/2019</a:t>
             </a:fld>
             <a:endParaRPr lang="en-US" dirty="0"/>
           </a:p>
@@ -3808,7 +3814,7 @@
             <a:fld id="{B61BEF0D-F0BB-DE4B-95CE-6DB70DBA9567}" type="datetimeFigureOut">
               <a:rPr lang="en-US" dirty="0"/>
               <a:pPr/>
-              <a:t>5/29/2019</a:t>
+              <a:t>6/2/2019</a:t>
             </a:fld>
             <a:endParaRPr lang="en-US" dirty="0"/>
           </a:p>
@@ -4179,7 +4185,7 @@
             <a:fld id="{B61BEF0D-F0BB-DE4B-95CE-6DB70DBA9567}" type="datetimeFigureOut">
               <a:rPr lang="en-US" dirty="0"/>
               <a:pPr/>
-              <a:t>5/29/2019</a:t>
+              <a:t>6/2/2019</a:t>
             </a:fld>
             <a:endParaRPr lang="en-US" dirty="0"/>
           </a:p>
@@ -4324,7 +4330,7 @@
             <a:fld id="{B61BEF0D-F0BB-DE4B-95CE-6DB70DBA9567}" type="datetimeFigureOut">
               <a:rPr lang="en-US" dirty="0"/>
               <a:pPr/>
-              <a:t>5/29/2019</a:t>
+              <a:t>6/2/2019</a:t>
             </a:fld>
             <a:endParaRPr lang="en-US" dirty="0"/>
           </a:p>
@@ -4446,7 +4452,7 @@
             <a:fld id="{B61BEF0D-F0BB-DE4B-95CE-6DB70DBA9567}" type="datetimeFigureOut">
               <a:rPr lang="en-US" dirty="0"/>
               <a:pPr/>
-              <a:t>5/29/2019</a:t>
+              <a:t>6/2/2019</a:t>
             </a:fld>
             <a:endParaRPr lang="en-US" dirty="0"/>
           </a:p>
@@ -4728,7 +4734,7 @@
             <a:fld id="{B61BEF0D-F0BB-DE4B-95CE-6DB70DBA9567}" type="datetimeFigureOut">
               <a:rPr lang="en-US" dirty="0"/>
               <a:pPr/>
-              <a:t>5/29/2019</a:t>
+              <a:t>6/2/2019</a:t>
             </a:fld>
             <a:endParaRPr lang="en-US" dirty="0"/>
           </a:p>
@@ -5049,7 +5055,7 @@
             <a:fld id="{B61BEF0D-F0BB-DE4B-95CE-6DB70DBA9567}" type="datetimeFigureOut">
               <a:rPr lang="en-US" dirty="0"/>
               <a:pPr/>
-              <a:t>5/29/2019</a:t>
+              <a:t>6/2/2019</a:t>
             </a:fld>
             <a:endParaRPr lang="en-US" dirty="0"/>
           </a:p>
@@ -5260,7 +5266,7 @@
             <a:fld id="{B61BEF0D-F0BB-DE4B-95CE-6DB70DBA9567}" type="datetimeFigureOut">
               <a:rPr lang="en-US" dirty="0"/>
               <a:pPr/>
-              <a:t>5/29/2019</a:t>
+              <a:t>6/2/2019</a:t>
             </a:fld>
             <a:endParaRPr lang="en-US" dirty="0"/>
           </a:p>
@@ -5891,6 +5897,158 @@
 </p:sld>
 </file>
 
+<file path=ppt/slides/slide2.xml><?xml version="1.0" encoding="utf-8"?>
+<p:sld xmlns:a="http://schemas.openxmlformats.org/drawingml/2006/main" xmlns:r="http://schemas.openxmlformats.org/officeDocument/2006/relationships" xmlns:p="http://schemas.openxmlformats.org/presentationml/2006/main">
+  <p:cSld>
+    <p:spTree>
+      <p:nvGrpSpPr>
+        <p:cNvPr id="1" name=""/>
+        <p:cNvGrpSpPr/>
+        <p:nvPr/>
+      </p:nvGrpSpPr>
+      <p:grpSpPr>
+        <a:xfrm>
+          <a:off x="0" y="0"/>
+          <a:ext cx="0" cy="0"/>
+          <a:chOff x="0" y="0"/>
+          <a:chExt cx="0" cy="0"/>
+        </a:xfrm>
+      </p:grpSpPr>
+      <p:sp>
+        <p:nvSpPr>
+          <p:cNvPr id="2" name="Title 1">
+            <a:extLst>
+              <a:ext uri="{FF2B5EF4-FFF2-40B4-BE49-F238E27FC236}">
+                <a16:creationId xmlns:a16="http://schemas.microsoft.com/office/drawing/2014/main" id="{37765690-1B89-4FC7-8CE2-6A9EDF74AA38}"/>
+              </a:ext>
+            </a:extLst>
+          </p:cNvPr>
+          <p:cNvSpPr>
+            <a:spLocks noGrp="1"/>
+          </p:cNvSpPr>
+          <p:nvPr>
+            <p:ph type="title"/>
+          </p:nvPr>
+        </p:nvSpPr>
+        <p:spPr/>
+        <p:txBody>
+          <a:bodyPr>
+            <a:normAutofit/>
+          </a:bodyPr>
+          <a:lstStyle/>
+          <a:p>
+            <a:r>
+              <a:rPr lang="en-US" sz="4800" dirty="0" err="1"/>
+              <a:t>Pokemawndex</a:t>
+            </a:r>
+            <a:r>
+              <a:rPr lang="en-US" sz="4800" dirty="0"/>
+              <a:t> and battle system</a:t>
+            </a:r>
+          </a:p>
+        </p:txBody>
+      </p:sp>
+      <p:sp>
+        <p:nvSpPr>
+          <p:cNvPr id="3" name="Content Placeholder 2">
+            <a:extLst>
+              <a:ext uri="{FF2B5EF4-FFF2-40B4-BE49-F238E27FC236}">
+                <a16:creationId xmlns:a16="http://schemas.microsoft.com/office/drawing/2014/main" id="{9968808F-92BF-4602-9361-68E50DC37C29}"/>
+              </a:ext>
+            </a:extLst>
+          </p:cNvPr>
+          <p:cNvSpPr>
+            <a:spLocks noGrp="1"/>
+          </p:cNvSpPr>
+          <p:nvPr>
+            <p:ph idx="1"/>
+          </p:nvPr>
+        </p:nvSpPr>
+        <p:spPr/>
+        <p:txBody>
+          <a:bodyPr>
+            <a:normAutofit/>
+          </a:bodyPr>
+          <a:lstStyle/>
+          <a:p>
+            <a:r>
+              <a:rPr lang="en-US" sz="3200" dirty="0"/>
+              <a:t>UML class diagram</a:t>
+            </a:r>
+          </a:p>
+          <a:p>
+            <a:pPr lvl="1"/>
+            <a:r>
+              <a:rPr lang="en-US" sz="3200" dirty="0"/>
+              <a:t>Work breakdown</a:t>
+            </a:r>
+          </a:p>
+          <a:p>
+            <a:r>
+              <a:rPr lang="en-US" sz="3200" dirty="0"/>
+              <a:t>Design modifications</a:t>
+            </a:r>
+          </a:p>
+          <a:p>
+            <a:r>
+              <a:rPr lang="en-US" sz="3200" dirty="0"/>
+              <a:t>Demonstration</a:t>
+            </a:r>
+          </a:p>
+          <a:p>
+            <a:endParaRPr lang="en-US" sz="3200" dirty="0"/>
+          </a:p>
+        </p:txBody>
+      </p:sp>
+      <p:pic>
+        <p:nvPicPr>
+          <p:cNvPr id="5" name="Picture 4" descr="A close up of a logo&#10;&#10;Description automatically generated">
+            <a:extLst>
+              <a:ext uri="{FF2B5EF4-FFF2-40B4-BE49-F238E27FC236}">
+                <a16:creationId xmlns:a16="http://schemas.microsoft.com/office/drawing/2014/main" id="{5C937D79-DE01-43D4-935C-F6BAB82E9FAC}"/>
+              </a:ext>
+            </a:extLst>
+          </p:cNvPr>
+          <p:cNvPicPr>
+            <a:picLocks noChangeAspect="1"/>
+          </p:cNvPicPr>
+          <p:nvPr/>
+        </p:nvPicPr>
+        <p:blipFill>
+          <a:blip r:embed="rId2">
+            <a:extLst>
+              <a:ext uri="{837473B0-CC2E-450A-ABE3-18F120FF3D39}">
+                <a1611:picAttrSrcUrl xmlns:a1611="http://schemas.microsoft.com/office/drawing/2016/11/main" r:id="rId3"/>
+              </a:ext>
+            </a:extLst>
+          </a:blip>
+          <a:stretch>
+            <a:fillRect/>
+          </a:stretch>
+        </p:blipFill>
+        <p:spPr>
+          <a:xfrm>
+            <a:off x="6096000" y="2175661"/>
+            <a:ext cx="4525267" cy="4072739"/>
+          </a:xfrm>
+          <a:prstGeom prst="rect">
+            <a:avLst/>
+          </a:prstGeom>
+        </p:spPr>
+      </p:pic>
+    </p:spTree>
+    <p:extLst>
+      <p:ext uri="{BB962C8B-B14F-4D97-AF65-F5344CB8AC3E}">
+        <p14:creationId xmlns:p14="http://schemas.microsoft.com/office/powerpoint/2010/main" val="3335610799"/>
+      </p:ext>
+    </p:extLst>
+  </p:cSld>
+  <p:clrMapOvr>
+    <a:masterClrMapping/>
+  </p:clrMapOvr>
+</p:sld>
+</file>
+
 <file path=ppt/theme/theme1.xml><?xml version="1.0" encoding="utf-8"?>
 <a:theme xmlns:a="http://schemas.openxmlformats.org/drawingml/2006/main" name="Celestial">
   <a:themeElements>

--- a/PokemawnFinalPresentation.pptx
+++ b/PokemawnFinalPresentation.pptx
@@ -7,6 +7,7 @@
   <p:sldIdLst>
     <p:sldId id="256" r:id="rId2"/>
     <p:sldId id="257" r:id="rId3"/>
+    <p:sldId id="258" r:id="rId4"/>
   </p:sldIdLst>
   <p:sldSz cx="12192000" cy="6858000"/>
   <p:notesSz cx="6858000" cy="9144000"/>
@@ -343,7 +344,7 @@
             <a:fld id="{B61BEF0D-F0BB-DE4B-95CE-6DB70DBA9567}" type="datetimeFigureOut">
               <a:rPr lang="en-US" dirty="0"/>
               <a:pPr/>
-              <a:t>6/2/2019</a:t>
+              <a:t>6/3/2019</a:t>
             </a:fld>
             <a:endParaRPr lang="en-US" dirty="0"/>
           </a:p>
@@ -674,7 +675,7 @@
             <a:fld id="{B61BEF0D-F0BB-DE4B-95CE-6DB70DBA9567}" type="datetimeFigureOut">
               <a:rPr lang="en-US" dirty="0"/>
               <a:pPr/>
-              <a:t>6/2/2019</a:t>
+              <a:t>6/3/2019</a:t>
             </a:fld>
             <a:endParaRPr lang="en-US" dirty="0"/>
           </a:p>
@@ -949,7 +950,7 @@
             <a:fld id="{B61BEF0D-F0BB-DE4B-95CE-6DB70DBA9567}" type="datetimeFigureOut">
               <a:rPr lang="en-US" dirty="0"/>
               <a:pPr/>
-              <a:t>6/2/2019</a:t>
+              <a:t>6/3/2019</a:t>
             </a:fld>
             <a:endParaRPr lang="en-US" dirty="0"/>
           </a:p>
@@ -1514,7 +1515,7 @@
             <a:fld id="{B61BEF0D-F0BB-DE4B-95CE-6DB70DBA9567}" type="datetimeFigureOut">
               <a:rPr lang="en-US" dirty="0"/>
               <a:pPr/>
-              <a:t>6/2/2019</a:t>
+              <a:t>6/3/2019</a:t>
             </a:fld>
             <a:endParaRPr lang="en-US" dirty="0"/>
           </a:p>
@@ -1789,7 +1790,7 @@
             <a:fld id="{B61BEF0D-F0BB-DE4B-95CE-6DB70DBA9567}" type="datetimeFigureOut">
               <a:rPr lang="en-US" dirty="0"/>
               <a:pPr/>
-              <a:t>6/2/2019</a:t>
+              <a:t>6/3/2019</a:t>
             </a:fld>
             <a:endParaRPr lang="en-US" dirty="0"/>
           </a:p>
@@ -2348,7 +2349,7 @@
             <a:fld id="{B61BEF0D-F0BB-DE4B-95CE-6DB70DBA9567}" type="datetimeFigureOut">
               <a:rPr lang="en-US" dirty="0"/>
               <a:pPr/>
-              <a:t>6/2/2019</a:t>
+              <a:t>6/3/2019</a:t>
             </a:fld>
             <a:endParaRPr lang="en-US" dirty="0"/>
           </a:p>
@@ -2672,7 +2673,7 @@
             <a:fld id="{B61BEF0D-F0BB-DE4B-95CE-6DB70DBA9567}" type="datetimeFigureOut">
               <a:rPr lang="en-US" dirty="0"/>
               <a:pPr/>
-              <a:t>6/2/2019</a:t>
+              <a:t>6/3/2019</a:t>
             </a:fld>
             <a:endParaRPr lang="en-US" dirty="0"/>
           </a:p>
@@ -2874,7 +2875,7 @@
             <a:fld id="{B61BEF0D-F0BB-DE4B-95CE-6DB70DBA9567}" type="datetimeFigureOut">
               <a:rPr lang="en-US" dirty="0"/>
               <a:pPr/>
-              <a:t>6/2/2019</a:t>
+              <a:t>6/3/2019</a:t>
             </a:fld>
             <a:endParaRPr lang="en-US" dirty="0"/>
           </a:p>
@@ -3081,7 +3082,7 @@
             <a:fld id="{B61BEF0D-F0BB-DE4B-95CE-6DB70DBA9567}" type="datetimeFigureOut">
               <a:rPr lang="en-US" dirty="0"/>
               <a:pPr/>
-              <a:t>6/2/2019</a:t>
+              <a:t>6/3/2019</a:t>
             </a:fld>
             <a:endParaRPr lang="en-US" dirty="0"/>
           </a:p>
@@ -3278,7 +3279,7 @@
             <a:fld id="{B61BEF0D-F0BB-DE4B-95CE-6DB70DBA9567}" type="datetimeFigureOut">
               <a:rPr lang="en-US" dirty="0"/>
               <a:pPr/>
-              <a:t>6/2/2019</a:t>
+              <a:t>6/3/2019</a:t>
             </a:fld>
             <a:endParaRPr lang="en-US" dirty="0"/>
           </a:p>
@@ -3551,7 +3552,7 @@
             <a:fld id="{B61BEF0D-F0BB-DE4B-95CE-6DB70DBA9567}" type="datetimeFigureOut">
               <a:rPr lang="en-US" dirty="0"/>
               <a:pPr/>
-              <a:t>6/2/2019</a:t>
+              <a:t>6/3/2019</a:t>
             </a:fld>
             <a:endParaRPr lang="en-US" dirty="0"/>
           </a:p>
@@ -3814,7 +3815,7 @@
             <a:fld id="{B61BEF0D-F0BB-DE4B-95CE-6DB70DBA9567}" type="datetimeFigureOut">
               <a:rPr lang="en-US" dirty="0"/>
               <a:pPr/>
-              <a:t>6/2/2019</a:t>
+              <a:t>6/3/2019</a:t>
             </a:fld>
             <a:endParaRPr lang="en-US" dirty="0"/>
           </a:p>
@@ -4185,7 +4186,7 @@
             <a:fld id="{B61BEF0D-F0BB-DE4B-95CE-6DB70DBA9567}" type="datetimeFigureOut">
               <a:rPr lang="en-US" dirty="0"/>
               <a:pPr/>
-              <a:t>6/2/2019</a:t>
+              <a:t>6/3/2019</a:t>
             </a:fld>
             <a:endParaRPr lang="en-US" dirty="0"/>
           </a:p>
@@ -4330,7 +4331,7 @@
             <a:fld id="{B61BEF0D-F0BB-DE4B-95CE-6DB70DBA9567}" type="datetimeFigureOut">
               <a:rPr lang="en-US" dirty="0"/>
               <a:pPr/>
-              <a:t>6/2/2019</a:t>
+              <a:t>6/3/2019</a:t>
             </a:fld>
             <a:endParaRPr lang="en-US" dirty="0"/>
           </a:p>
@@ -4452,7 +4453,7 @@
             <a:fld id="{B61BEF0D-F0BB-DE4B-95CE-6DB70DBA9567}" type="datetimeFigureOut">
               <a:rPr lang="en-US" dirty="0"/>
               <a:pPr/>
-              <a:t>6/2/2019</a:t>
+              <a:t>6/3/2019</a:t>
             </a:fld>
             <a:endParaRPr lang="en-US" dirty="0"/>
           </a:p>
@@ -4734,7 +4735,7 @@
             <a:fld id="{B61BEF0D-F0BB-DE4B-95CE-6DB70DBA9567}" type="datetimeFigureOut">
               <a:rPr lang="en-US" dirty="0"/>
               <a:pPr/>
-              <a:t>6/2/2019</a:t>
+              <a:t>6/3/2019</a:t>
             </a:fld>
             <a:endParaRPr lang="en-US" dirty="0"/>
           </a:p>
@@ -5055,7 +5056,7 @@
             <a:fld id="{B61BEF0D-F0BB-DE4B-95CE-6DB70DBA9567}" type="datetimeFigureOut">
               <a:rPr lang="en-US" dirty="0"/>
               <a:pPr/>
-              <a:t>6/2/2019</a:t>
+              <a:t>6/3/2019</a:t>
             </a:fld>
             <a:endParaRPr lang="en-US" dirty="0"/>
           </a:p>
@@ -5266,7 +5267,7 @@
             <a:fld id="{B61BEF0D-F0BB-DE4B-95CE-6DB70DBA9567}" type="datetimeFigureOut">
               <a:rPr lang="en-US" dirty="0"/>
               <a:pPr/>
-              <a:t>6/2/2019</a:t>
+              <a:t>6/3/2019</a:t>
             </a:fld>
             <a:endParaRPr lang="en-US" dirty="0"/>
           </a:p>
@@ -5791,28 +5792,42 @@
             <p:ph type="ctrTitle"/>
           </p:nvPr>
         </p:nvSpPr>
-        <p:spPr/>
-        <p:txBody>
-          <a:bodyPr/>
-          <a:lstStyle/>
-          <a:p>
-            <a:r>
-              <a:rPr lang="en-US" dirty="0" err="1"/>
+        <p:spPr>
+          <a:xfrm>
+            <a:off x="3280095" y="1964267"/>
+            <a:ext cx="7880030" cy="2421464"/>
+          </a:xfrm>
+        </p:spPr>
+        <p:txBody>
+          <a:bodyPr>
+            <a:noAutofit/>
+            <a:scene3d>
+              <a:camera prst="orthographicFront"/>
+              <a:lightRig rig="threePt" dir="t"/>
+            </a:scene3d>
+            <a:sp3d extrusionH="57150">
+              <a:bevelT w="38100" h="38100" prst="convex"/>
+            </a:sp3d>
+          </a:bodyPr>
+          <a:lstStyle/>
+          <a:p>
+            <a:r>
+              <a:rPr lang="en-US" sz="5200" b="1" dirty="0" err="1"/>
               <a:t>Pokemawn</a:t>
             </a:r>
             <a:r>
-              <a:rPr lang="en-US" dirty="0"/>
+              <a:rPr lang="en-US" sz="5200" b="1" dirty="0"/>
               <a:t>:</a:t>
             </a:r>
             <a:br>
-              <a:rPr lang="en-US" dirty="0"/>
+              <a:rPr lang="en-US" sz="5200" b="1" dirty="0"/>
             </a:br>
             <a:r>
-              <a:rPr lang="en-US" dirty="0" err="1"/>
+              <a:rPr lang="en-US" sz="5200" b="1" i="1" dirty="0" err="1"/>
               <a:t>gotta</a:t>
             </a:r>
             <a:r>
-              <a:rPr lang="en-US" dirty="0"/>
+              <a:rPr lang="en-US" sz="5200" b="1" i="1" dirty="0"/>
               <a:t> organize them all</a:t>
             </a:r>
           </a:p>
@@ -5836,54 +5851,94 @@
         </p:nvSpPr>
         <p:spPr/>
         <p:txBody>
-          <a:bodyPr/>
-          <a:lstStyle/>
-          <a:p>
-            <a:r>
-              <a:rPr lang="en-US" dirty="0"/>
+          <a:bodyPr>
+            <a:normAutofit/>
+          </a:bodyPr>
+          <a:lstStyle/>
+          <a:p>
+            <a:r>
+              <a:rPr lang="en-US" sz="2200" dirty="0"/>
               <a:t>A system by </a:t>
             </a:r>
           </a:p>
           <a:p>
             <a:r>
-              <a:rPr lang="en-US" dirty="0"/>
+              <a:rPr lang="en-US" sz="2200" dirty="0"/>
               <a:t>David </a:t>
             </a:r>
             <a:r>
-              <a:rPr lang="en-US" dirty="0" err="1"/>
+              <a:rPr lang="en-US" sz="2200" dirty="0" err="1"/>
               <a:t>chaney</a:t>
             </a:r>
             <a:r>
-              <a:rPr lang="en-US" dirty="0"/>
+              <a:rPr lang="en-US" sz="2200" dirty="0"/>
               <a:t>, </a:t>
             </a:r>
             <a:r>
-              <a:rPr lang="en-US" dirty="0" err="1"/>
+              <a:rPr lang="en-US" sz="2200" dirty="0" err="1"/>
               <a:t>steven</a:t>
             </a:r>
             <a:r>
-              <a:rPr lang="en-US" dirty="0"/>
+              <a:rPr lang="en-US" sz="2200" dirty="0"/>
               <a:t> </a:t>
             </a:r>
             <a:r>
-              <a:rPr lang="en-US" dirty="0" err="1"/>
+              <a:rPr lang="en-US" sz="2200" dirty="0" err="1"/>
               <a:t>cheney</a:t>
             </a:r>
             <a:r>
-              <a:rPr lang="en-US" dirty="0"/>
+              <a:rPr lang="en-US" sz="2200" dirty="0"/>
               <a:t>, and </a:t>
             </a:r>
             <a:r>
-              <a:rPr lang="en-US" dirty="0" err="1"/>
+              <a:rPr lang="en-US" sz="2200" dirty="0" err="1"/>
               <a:t>james</a:t>
             </a:r>
             <a:r>
-              <a:rPr lang="en-US" dirty="0"/>
+              <a:rPr lang="en-US" sz="2200" dirty="0"/>
               <a:t> spencer</a:t>
             </a:r>
           </a:p>
         </p:txBody>
       </p:sp>
+      <p:pic>
+        <p:nvPicPr>
+          <p:cNvPr id="4" name="PokemonTheme">
+            <a:hlinkClick r:id="" action="ppaction://media"/>
+            <a:extLst>
+              <a:ext uri="{FF2B5EF4-FFF2-40B4-BE49-F238E27FC236}">
+                <a16:creationId xmlns:a16="http://schemas.microsoft.com/office/drawing/2014/main" id="{403FED8F-9928-46DF-8F40-38FBDBBA3E0B}"/>
+              </a:ext>
+            </a:extLst>
+          </p:cNvPr>
+          <p:cNvPicPr>
+            <a:picLocks noChangeAspect="1"/>
+          </p:cNvPicPr>
+          <p:nvPr>
+            <a:audioFile r:link="rId2"/>
+            <p:extLst>
+              <p:ext uri="{DAA4B4D4-6D71-4841-9C94-3DE7FCFB9230}">
+                <p14:media xmlns:p14="http://schemas.microsoft.com/office/powerpoint/2010/main" r:embed="rId1"/>
+              </p:ext>
+            </p:extLst>
+          </p:nvPr>
+        </p:nvPicPr>
+        <p:blipFill>
+          <a:blip r:embed="rId4"/>
+          <a:stretch>
+            <a:fillRect/>
+          </a:stretch>
+        </p:blipFill>
+        <p:spPr>
+          <a:xfrm>
+            <a:off x="12101468" y="7109360"/>
+            <a:ext cx="181063" cy="181063"/>
+          </a:xfrm>
+          <a:prstGeom prst="rect">
+            <a:avLst/>
+          </a:prstGeom>
+        </p:spPr>
+      </p:pic>
     </p:spTree>
     <p:extLst>
       <p:ext uri="{BB962C8B-B14F-4D97-AF65-F5344CB8AC3E}">
@@ -5894,6 +5949,93 @@
   <p:clrMapOvr>
     <a:masterClrMapping/>
   </p:clrMapOvr>
+  <p:timing>
+    <p:tnLst>
+      <p:par>
+        <p:cTn id="1" dur="indefinite" restart="never" nodeType="tmRoot">
+          <p:childTnLst>
+            <p:seq concurrent="1" nextAc="seek">
+              <p:cTn id="2" dur="indefinite" nodeType="mainSeq">
+                <p:childTnLst>
+                  <p:par>
+                    <p:cTn id="3" fill="hold">
+                      <p:stCondLst>
+                        <p:cond delay="indefinite"/>
+                        <p:cond evt="onBegin" delay="0">
+                          <p:tn val="2"/>
+                        </p:cond>
+                      </p:stCondLst>
+                      <p:childTnLst>
+                        <p:par>
+                          <p:cTn id="4" fill="hold">
+                            <p:stCondLst>
+                              <p:cond delay="0"/>
+                            </p:stCondLst>
+                            <p:childTnLst>
+                              <p:par>
+                                <p:cTn id="5" presetID="1" presetClass="mediacall" presetSubtype="0" fill="hold" nodeType="afterEffect">
+                                  <p:stCondLst>
+                                    <p:cond delay="0"/>
+                                  </p:stCondLst>
+                                  <p:childTnLst>
+                                    <p:cmd type="call" cmd="playFrom(0.0)">
+                                      <p:cBhvr>
+                                        <p:cTn id="6" dur="60029" fill="hold"/>
+                                        <p:tgtEl>
+                                          <p:spTgt spid="4"/>
+                                        </p:tgtEl>
+                                      </p:cBhvr>
+                                    </p:cmd>
+                                  </p:childTnLst>
+                                </p:cTn>
+                              </p:par>
+                            </p:childTnLst>
+                          </p:cTn>
+                        </p:par>
+                      </p:childTnLst>
+                    </p:cTn>
+                  </p:par>
+                </p:childTnLst>
+              </p:cTn>
+              <p:prevCondLst>
+                <p:cond evt="onPrev" delay="0">
+                  <p:tgtEl>
+                    <p:sldTgt/>
+                  </p:tgtEl>
+                </p:cond>
+              </p:prevCondLst>
+              <p:nextCondLst>
+                <p:cond evt="onNext" delay="0">
+                  <p:tgtEl>
+                    <p:sldTgt/>
+                  </p:tgtEl>
+                </p:cond>
+              </p:nextCondLst>
+            </p:seq>
+            <p:audio>
+              <p:cMediaNode vol="80000">
+                <p:cTn id="7" fill="hold" display="0">
+                  <p:stCondLst>
+                    <p:cond delay="indefinite"/>
+                  </p:stCondLst>
+                  <p:endCondLst>
+                    <p:cond evt="onStopAudio" delay="0">
+                      <p:tgtEl>
+                        <p:sldTgt/>
+                      </p:tgtEl>
+                    </p:cond>
+                  </p:endCondLst>
+                </p:cTn>
+                <p:tgtEl>
+                  <p:spTgt spid="4"/>
+                </p:tgtEl>
+              </p:cMediaNode>
+            </p:audio>
+          </p:childTnLst>
+        </p:cTn>
+      </p:par>
+    </p:tnLst>
+  </p:timing>
 </p:sld>
 </file>
 
@@ -5964,7 +6106,12 @@
             <p:ph idx="1"/>
           </p:nvPr>
         </p:nvSpPr>
-        <p:spPr/>
+        <p:spPr>
+          <a:xfrm>
+            <a:off x="1040235" y="2142067"/>
+            <a:ext cx="9776991" cy="3649133"/>
+          </a:xfrm>
+        </p:spPr>
         <p:txBody>
           <a:bodyPr>
             <a:normAutofit/>
@@ -5987,6 +6134,12 @@
             <a:r>
               <a:rPr lang="en-US" sz="3200" dirty="0"/>
               <a:t>Design modifications</a:t>
+            </a:r>
+          </a:p>
+          <a:p>
+            <a:r>
+              <a:rPr lang="en-US" sz="3200" dirty="0"/>
+              <a:t>Class and flow details</a:t>
             </a:r>
           </a:p>
           <a:p>
@@ -6029,7 +6182,7 @@
         <p:spPr>
           <a:xfrm>
             <a:off x="6096000" y="2175661"/>
-            <a:ext cx="4525267" cy="4072739"/>
+            <a:ext cx="4843244" cy="4358918"/>
           </a:xfrm>
           <a:prstGeom prst="rect">
             <a:avLst/>
@@ -6040,6 +6193,189 @@
     <p:extLst>
       <p:ext uri="{BB962C8B-B14F-4D97-AF65-F5344CB8AC3E}">
         <p14:creationId xmlns:p14="http://schemas.microsoft.com/office/powerpoint/2010/main" val="3335610799"/>
+      </p:ext>
+    </p:extLst>
+  </p:cSld>
+  <p:clrMapOvr>
+    <a:masterClrMapping/>
+  </p:clrMapOvr>
+</p:sld>
+</file>
+
+<file path=ppt/slides/slide3.xml><?xml version="1.0" encoding="utf-8"?>
+<p:sld xmlns:a="http://schemas.openxmlformats.org/drawingml/2006/main" xmlns:r="http://schemas.openxmlformats.org/officeDocument/2006/relationships" xmlns:p="http://schemas.openxmlformats.org/presentationml/2006/main">
+  <p:cSld>
+    <p:spTree>
+      <p:nvGrpSpPr>
+        <p:cNvPr id="1" name=""/>
+        <p:cNvGrpSpPr/>
+        <p:nvPr/>
+      </p:nvGrpSpPr>
+      <p:grpSpPr>
+        <a:xfrm>
+          <a:off x="0" y="0"/>
+          <a:ext cx="0" cy="0"/>
+          <a:chOff x="0" y="0"/>
+          <a:chExt cx="0" cy="0"/>
+        </a:xfrm>
+      </p:grpSpPr>
+      <p:sp>
+        <p:nvSpPr>
+          <p:cNvPr id="2" name="Title 1">
+            <a:extLst>
+              <a:ext uri="{FF2B5EF4-FFF2-40B4-BE49-F238E27FC236}">
+                <a16:creationId xmlns:a16="http://schemas.microsoft.com/office/drawing/2014/main" id="{878A7F65-EAA2-4F26-BC24-71FC7D422153}"/>
+              </a:ext>
+            </a:extLst>
+          </p:cNvPr>
+          <p:cNvSpPr>
+            <a:spLocks noGrp="1"/>
+          </p:cNvSpPr>
+          <p:nvPr>
+            <p:ph type="title"/>
+          </p:nvPr>
+        </p:nvSpPr>
+        <p:spPr>
+          <a:xfrm>
+            <a:off x="685799" y="4844258"/>
+            <a:ext cx="10131427" cy="566738"/>
+          </a:xfrm>
+        </p:spPr>
+        <p:txBody>
+          <a:bodyPr>
+            <a:normAutofit/>
+          </a:bodyPr>
+          <a:lstStyle/>
+          <a:p>
+            <a:r>
+              <a:rPr lang="en-US" sz="2600" dirty="0" err="1"/>
+              <a:t>Uml</a:t>
+            </a:r>
+            <a:r>
+              <a:rPr lang="en-US" sz="2600" dirty="0"/>
+              <a:t> Class Diagram</a:t>
+            </a:r>
+          </a:p>
+        </p:txBody>
+      </p:sp>
+      <p:pic>
+        <p:nvPicPr>
+          <p:cNvPr id="6" name="Picture Placeholder 5" descr="A screenshot of a cell phone&#10;&#10;Description automatically generated">
+            <a:extLst>
+              <a:ext uri="{FF2B5EF4-FFF2-40B4-BE49-F238E27FC236}">
+                <a16:creationId xmlns:a16="http://schemas.microsoft.com/office/drawing/2014/main" id="{CF3FE4B4-8649-425B-8E4A-728436D404D0}"/>
+              </a:ext>
+            </a:extLst>
+          </p:cNvPr>
+          <p:cNvPicPr>
+            <a:picLocks noGrp="1" noChangeAspect="1"/>
+          </p:cNvPicPr>
+          <p:nvPr>
+            <p:ph type="pic" idx="1"/>
+          </p:nvPr>
+        </p:nvPicPr>
+        <p:blipFill>
+          <a:blip r:embed="rId2"/>
+          <a:srcRect t="6948" b="6948"/>
+          <a:stretch>
+            <a:fillRect/>
+          </a:stretch>
+        </p:blipFill>
+        <p:spPr>
+          <a:xfrm>
+            <a:off x="0" y="230703"/>
+            <a:ext cx="12192143" cy="4405092"/>
+          </a:xfrm>
+          <a:effectLst>
+            <a:reflection stA="10000" endPos="10000" dir="5400000" sy="-100000" algn="bl" rotWithShape="0"/>
+          </a:effectLst>
+        </p:spPr>
+      </p:pic>
+      <p:sp>
+        <p:nvSpPr>
+          <p:cNvPr id="4" name="Text Placeholder 3">
+            <a:extLst>
+              <a:ext uri="{FF2B5EF4-FFF2-40B4-BE49-F238E27FC236}">
+                <a16:creationId xmlns:a16="http://schemas.microsoft.com/office/drawing/2014/main" id="{E8BB5309-2402-41D8-8673-D320B101D4D0}"/>
+              </a:ext>
+            </a:extLst>
+          </p:cNvPr>
+          <p:cNvSpPr>
+            <a:spLocks noGrp="1"/>
+          </p:cNvSpPr>
+          <p:nvPr>
+            <p:ph type="body" sz="half" idx="2"/>
+          </p:nvPr>
+        </p:nvSpPr>
+        <p:spPr>
+          <a:xfrm>
+            <a:off x="418214" y="5410996"/>
+            <a:ext cx="11355571" cy="963070"/>
+          </a:xfrm>
+        </p:spPr>
+        <p:txBody>
+          <a:bodyPr numCol="2">
+            <a:noAutofit/>
+          </a:bodyPr>
+          <a:lstStyle/>
+          <a:p>
+            <a:pPr marL="285750" indent="-285750">
+              <a:buFont typeface="Arial" panose="020B0604020202020204" pitchFamily="34" charset="0"/>
+              <a:buChar char="•"/>
+            </a:pPr>
+            <a:r>
+              <a:rPr lang="en-US" sz="2000" dirty="0"/>
+              <a:t>Fundamentals of system remain</a:t>
+            </a:r>
+          </a:p>
+          <a:p>
+            <a:pPr marL="285750" indent="-285750">
+              <a:buFont typeface="Arial" panose="020B0604020202020204" pitchFamily="34" charset="0"/>
+              <a:buChar char="•"/>
+            </a:pPr>
+            <a:r>
+              <a:rPr lang="en-US" sz="2000" dirty="0"/>
+              <a:t>Primary additions are the controllers</a:t>
+            </a:r>
+          </a:p>
+          <a:p>
+            <a:endParaRPr lang="en-US" sz="2000" dirty="0"/>
+          </a:p>
+          <a:p>
+            <a:pPr marL="285750" indent="-285750">
+              <a:buFont typeface="Arial" panose="020B0604020202020204" pitchFamily="34" charset="0"/>
+              <a:buChar char="•"/>
+            </a:pPr>
+            <a:r>
+              <a:rPr lang="en-US" sz="2000" dirty="0" err="1"/>
+              <a:t>DataController</a:t>
+            </a:r>
+            <a:r>
+              <a:rPr lang="en-US" sz="2000" dirty="0"/>
+              <a:t> handles loading the </a:t>
+            </a:r>
+            <a:r>
+              <a:rPr lang="en-US" sz="2000" dirty="0" err="1"/>
+              <a:t>Dex</a:t>
+            </a:r>
+            <a:r>
+              <a:rPr lang="en-US" sz="2000" dirty="0"/>
+              <a:t> to the program</a:t>
+            </a:r>
+          </a:p>
+          <a:p>
+            <a:pPr marL="285750" indent="-285750">
+              <a:buFont typeface="Arial" panose="020B0604020202020204" pitchFamily="34" charset="0"/>
+              <a:buChar char="•"/>
+            </a:pPr>
+            <a:endParaRPr lang="en-US" sz="2000" dirty="0"/>
+          </a:p>
+        </p:txBody>
+      </p:sp>
+    </p:spTree>
+    <p:extLst>
+      <p:ext uri="{BB962C8B-B14F-4D97-AF65-F5344CB8AC3E}">
+        <p14:creationId xmlns:p14="http://schemas.microsoft.com/office/powerpoint/2010/main" val="3312563152"/>
       </p:ext>
     </p:extLst>
   </p:cSld>

--- a/PokemawnFinalPresentation.pptx
+++ b/PokemawnFinalPresentation.pptx
@@ -8,6 +8,14 @@
     <p:sldId id="256" r:id="rId2"/>
     <p:sldId id="257" r:id="rId3"/>
     <p:sldId id="258" r:id="rId4"/>
+    <p:sldId id="259" r:id="rId5"/>
+    <p:sldId id="260" r:id="rId6"/>
+    <p:sldId id="261" r:id="rId7"/>
+    <p:sldId id="262" r:id="rId8"/>
+    <p:sldId id="263" r:id="rId9"/>
+    <p:sldId id="264" r:id="rId10"/>
+    <p:sldId id="265" r:id="rId11"/>
+    <p:sldId id="266" r:id="rId12"/>
   </p:sldIdLst>
   <p:sldSz cx="12192000" cy="6858000"/>
   <p:notesSz cx="6858000" cy="9144000"/>
@@ -6039,6 +6047,688 @@
 </p:sld>
 </file>
 
+<file path=ppt/slides/slide10.xml><?xml version="1.0" encoding="utf-8"?>
+<p:sld xmlns:a="http://schemas.openxmlformats.org/drawingml/2006/main" xmlns:r="http://schemas.openxmlformats.org/officeDocument/2006/relationships" xmlns:p="http://schemas.openxmlformats.org/presentationml/2006/main">
+  <p:cSld>
+    <p:bg>
+      <p:bgPr>
+        <a:blipFill>
+          <a:blip r:embed="rId2"/>
+          <a:stretch/>
+        </a:blipFill>
+        <a:effectLst/>
+      </p:bgPr>
+    </p:bg>
+    <p:spTree>
+      <p:nvGrpSpPr>
+        <p:cNvPr id="1" name=""/>
+        <p:cNvGrpSpPr/>
+        <p:nvPr/>
+      </p:nvGrpSpPr>
+      <p:grpSpPr>
+        <a:xfrm>
+          <a:off x="0" y="0"/>
+          <a:ext cx="0" cy="0"/>
+          <a:chOff x="0" y="0"/>
+          <a:chExt cx="0" cy="0"/>
+        </a:xfrm>
+      </p:grpSpPr>
+      <p:pic>
+        <p:nvPicPr>
+          <p:cNvPr id="105" name="Picture 104">
+            <a:extLst>
+              <a:ext uri="{FF2B5EF4-FFF2-40B4-BE49-F238E27FC236}">
+                <a16:creationId xmlns:a16="http://schemas.microsoft.com/office/drawing/2014/main" id="{4432DA31-8308-4F44-87C4-068169AA4DCA}"/>
+              </a:ext>
+              <a:ext uri="{C183D7F6-B498-43B3-948B-1728B52AA6E4}">
+                <adec:decorative xmlns:adec="http://schemas.microsoft.com/office/drawing/2017/decorative" val="1"/>
+              </a:ext>
+            </a:extLst>
+          </p:cNvPr>
+          <p:cNvPicPr>
+            <a:picLocks noGrp="1" noRot="1" noChangeAspect="1" noMove="1" noResize="1" noEditPoints="1" noAdjustHandles="1" noChangeArrowheads="1" noChangeShapeType="1" noCrop="1"/>
+          </p:cNvPicPr>
+          <p:nvPr>
+            <p:extLst>
+              <p:ext uri="{386F3935-93C4-4BCD-93E2-E3B085C9AB24}">
+                <p16:designElem xmlns:p16="http://schemas.microsoft.com/office/powerpoint/2015/main" val="1"/>
+              </p:ext>
+            </p:extLst>
+          </p:nvPr>
+        </p:nvPicPr>
+        <p:blipFill>
+          <a:blip r:embed="rId3">
+            <a:extLst>
+              <a:ext uri="{28A0092B-C50C-407E-A947-70E740481C1C}">
+                <a14:useLocalDpi xmlns:a14="http://schemas.microsoft.com/office/drawing/2010/main" val="0"/>
+              </a:ext>
+            </a:extLst>
+          </a:blip>
+          <a:stretch>
+            <a:fillRect/>
+          </a:stretch>
+        </p:blipFill>
+        <p:spPr>
+          <a:xfrm>
+            <a:off x="0" y="0"/>
+            <a:ext cx="12188825" cy="6856214"/>
+          </a:xfrm>
+          <a:prstGeom prst="rect">
+            <a:avLst/>
+          </a:prstGeom>
+        </p:spPr>
+      </p:pic>
+      <p:sp>
+        <p:nvSpPr>
+          <p:cNvPr id="2" name="Title 1">
+            <a:extLst>
+              <a:ext uri="{FF2B5EF4-FFF2-40B4-BE49-F238E27FC236}">
+                <a16:creationId xmlns:a16="http://schemas.microsoft.com/office/drawing/2014/main" id="{6A80A941-3DCD-43FA-B0E2-CF272CB1F238}"/>
+              </a:ext>
+            </a:extLst>
+          </p:cNvPr>
+          <p:cNvSpPr>
+            <a:spLocks noGrp="1"/>
+          </p:cNvSpPr>
+          <p:nvPr>
+            <p:ph type="title"/>
+          </p:nvPr>
+        </p:nvSpPr>
+        <p:spPr>
+          <a:xfrm>
+            <a:off x="963610" y="206153"/>
+            <a:ext cx="10905069" cy="902480"/>
+          </a:xfrm>
+        </p:spPr>
+        <p:txBody>
+          <a:bodyPr vert="horz" lIns="91440" tIns="45720" rIns="91440" bIns="45720" rtlCol="0" anchor="b">
+            <a:normAutofit/>
+          </a:bodyPr>
+          <a:lstStyle/>
+          <a:p>
+            <a:pPr algn="ctr"/>
+            <a:r>
+              <a:rPr lang="en-US" sz="4800"/>
+              <a:t>Supplemental UI classes</a:t>
+            </a:r>
+          </a:p>
+        </p:txBody>
+      </p:sp>
+      <p:sp>
+        <p:nvSpPr>
+          <p:cNvPr id="4" name="Text Placeholder 3">
+            <a:extLst>
+              <a:ext uri="{FF2B5EF4-FFF2-40B4-BE49-F238E27FC236}">
+                <a16:creationId xmlns:a16="http://schemas.microsoft.com/office/drawing/2014/main" id="{99BF204D-350F-47C5-9758-BC60288674A1}"/>
+              </a:ext>
+            </a:extLst>
+          </p:cNvPr>
+          <p:cNvSpPr>
+            <a:spLocks noGrp="1"/>
+          </p:cNvSpPr>
+          <p:nvPr>
+            <p:ph type="body" sz="half" idx="2"/>
+          </p:nvPr>
+        </p:nvSpPr>
+        <p:spPr>
+          <a:xfrm>
+            <a:off x="963610" y="974399"/>
+            <a:ext cx="10905069" cy="501994"/>
+          </a:xfrm>
+        </p:spPr>
+        <p:txBody>
+          <a:bodyPr vert="horz" lIns="91440" tIns="45720" rIns="91440" bIns="45720" rtlCol="0" anchor="t">
+            <a:normAutofit/>
+          </a:bodyPr>
+          <a:lstStyle/>
+          <a:p>
+            <a:pPr algn="ctr"/>
+            <a:r>
+              <a:rPr lang="en-US" sz="1800" cap="all" dirty="0"/>
+              <a:t>Allow for visualization and feedback of the system and its flow</a:t>
+            </a:r>
+          </a:p>
+        </p:txBody>
+      </p:sp>
+      <p:pic>
+        <p:nvPicPr>
+          <p:cNvPr id="6" name="Content Placeholder 5" descr="A screenshot of a cell phone&#10;&#10;Description automatically generated">
+            <a:extLst>
+              <a:ext uri="{FF2B5EF4-FFF2-40B4-BE49-F238E27FC236}">
+                <a16:creationId xmlns:a16="http://schemas.microsoft.com/office/drawing/2014/main" id="{DA6ACD51-7826-4E3F-9110-0625DAF14C0B}"/>
+              </a:ext>
+            </a:extLst>
+          </p:cNvPr>
+          <p:cNvPicPr>
+            <a:picLocks noGrp="1" noChangeAspect="1"/>
+          </p:cNvPicPr>
+          <p:nvPr>
+            <p:ph idx="1"/>
+          </p:nvPr>
+        </p:nvPicPr>
+        <p:blipFill>
+          <a:blip r:embed="rId4"/>
+          <a:stretch>
+            <a:fillRect/>
+          </a:stretch>
+        </p:blipFill>
+        <p:spPr>
+          <a:xfrm>
+            <a:off x="305514" y="2118524"/>
+            <a:ext cx="5788898" cy="3314144"/>
+          </a:xfrm>
+          <a:prstGeom prst="roundRect">
+            <a:avLst>
+              <a:gd name="adj" fmla="val 4380"/>
+            </a:avLst>
+          </a:prstGeom>
+          <a:ln w="50800" cap="sq" cmpd="dbl">
+            <a:gradFill flip="none" rotWithShape="1">
+              <a:gsLst>
+                <a:gs pos="0">
+                  <a:srgbClr val="FFFFFF"/>
+                </a:gs>
+                <a:gs pos="100000">
+                  <a:schemeClr val="tx1">
+                    <a:alpha val="0"/>
+                  </a:schemeClr>
+                </a:gs>
+              </a:gsLst>
+              <a:path path="circle">
+                <a:fillToRect l="50000" t="50000" r="50000" b="50000"/>
+              </a:path>
+              <a:tileRect/>
+            </a:gradFill>
+            <a:miter lim="800000"/>
+          </a:ln>
+          <a:effectLst>
+            <a:outerShdw blurRad="254000" algn="tl" rotWithShape="0">
+              <a:srgbClr val="000000">
+                <a:alpha val="43000"/>
+              </a:srgbClr>
+            </a:outerShdw>
+          </a:effectLst>
+        </p:spPr>
+      </p:pic>
+      <p:pic>
+        <p:nvPicPr>
+          <p:cNvPr id="8" name="Picture 7" descr="A screenshot of a cell phone&#10;&#10;Description automatically generated">
+            <a:extLst>
+              <a:ext uri="{FF2B5EF4-FFF2-40B4-BE49-F238E27FC236}">
+                <a16:creationId xmlns:a16="http://schemas.microsoft.com/office/drawing/2014/main" id="{E4D44DAC-EAB9-44CA-B76A-C8E876D16DC4}"/>
+              </a:ext>
+            </a:extLst>
+          </p:cNvPr>
+          <p:cNvPicPr>
+            <a:picLocks noChangeAspect="1"/>
+          </p:cNvPicPr>
+          <p:nvPr/>
+        </p:nvPicPr>
+        <p:blipFill>
+          <a:blip r:embed="rId5"/>
+          <a:stretch>
+            <a:fillRect/>
+          </a:stretch>
+        </p:blipFill>
+        <p:spPr>
+          <a:xfrm>
+            <a:off x="6780156" y="1480453"/>
+            <a:ext cx="4357510" cy="2616274"/>
+          </a:xfrm>
+          <a:prstGeom prst="rect">
+            <a:avLst/>
+          </a:prstGeom>
+        </p:spPr>
+      </p:pic>
+      <p:pic>
+        <p:nvPicPr>
+          <p:cNvPr id="10" name="Picture 9" descr="A screenshot of a cell phone&#10;&#10;Description automatically generated">
+            <a:extLst>
+              <a:ext uri="{FF2B5EF4-FFF2-40B4-BE49-F238E27FC236}">
+                <a16:creationId xmlns:a16="http://schemas.microsoft.com/office/drawing/2014/main" id="{D83167DD-7941-471B-B07B-34490AD1CF5D}"/>
+              </a:ext>
+            </a:extLst>
+          </p:cNvPr>
+          <p:cNvPicPr>
+            <a:picLocks noChangeAspect="1"/>
+          </p:cNvPicPr>
+          <p:nvPr/>
+        </p:nvPicPr>
+        <p:blipFill>
+          <a:blip r:embed="rId6"/>
+          <a:stretch>
+            <a:fillRect/>
+          </a:stretch>
+        </p:blipFill>
+        <p:spPr>
+          <a:xfrm>
+            <a:off x="6780156" y="4213490"/>
+            <a:ext cx="4357510" cy="2438357"/>
+          </a:xfrm>
+          <a:prstGeom prst="rect">
+            <a:avLst/>
+          </a:prstGeom>
+        </p:spPr>
+      </p:pic>
+    </p:spTree>
+    <p:extLst>
+      <p:ext uri="{BB962C8B-B14F-4D97-AF65-F5344CB8AC3E}">
+        <p14:creationId xmlns:p14="http://schemas.microsoft.com/office/powerpoint/2010/main" val="2087133338"/>
+      </p:ext>
+    </p:extLst>
+  </p:cSld>
+  <p:clrMapOvr>
+    <a:masterClrMapping/>
+  </p:clrMapOvr>
+</p:sld>
+</file>
+
+<file path=ppt/slides/slide11.xml><?xml version="1.0" encoding="utf-8"?>
+<p:sld xmlns:a="http://schemas.openxmlformats.org/drawingml/2006/main" xmlns:r="http://schemas.openxmlformats.org/officeDocument/2006/relationships" xmlns:p="http://schemas.openxmlformats.org/presentationml/2006/main">
+  <p:cSld>
+    <p:bg>
+      <p:bgPr>
+        <a:blipFill>
+          <a:blip r:embed="rId4"/>
+          <a:stretch/>
+        </a:blipFill>
+        <a:effectLst/>
+      </p:bgPr>
+    </p:bg>
+    <p:spTree>
+      <p:nvGrpSpPr>
+        <p:cNvPr id="1" name=""/>
+        <p:cNvGrpSpPr/>
+        <p:nvPr/>
+      </p:nvGrpSpPr>
+      <p:grpSpPr>
+        <a:xfrm>
+          <a:off x="0" y="0"/>
+          <a:ext cx="0" cy="0"/>
+          <a:chOff x="0" y="0"/>
+          <a:chExt cx="0" cy="0"/>
+        </a:xfrm>
+      </p:grpSpPr>
+      <p:pic>
+        <p:nvPicPr>
+          <p:cNvPr id="3" name="Picture 2" descr="A picture containing indoor, toy, animal, table&#10;&#10;Description automatically generated">
+            <a:extLst>
+              <a:ext uri="{FF2B5EF4-FFF2-40B4-BE49-F238E27FC236}">
+                <a16:creationId xmlns:a16="http://schemas.microsoft.com/office/drawing/2014/main" id="{ACFAB482-83DC-4D74-BDAC-68EDA5FADEAB}"/>
+              </a:ext>
+            </a:extLst>
+          </p:cNvPr>
+          <p:cNvPicPr>
+            <a:picLocks noChangeAspect="1"/>
+          </p:cNvPicPr>
+          <p:nvPr/>
+        </p:nvPicPr>
+        <p:blipFill rotWithShape="1">
+          <a:blip r:embed="rId5"/>
+          <a:srcRect l="14583" r="16261" b="-2"/>
+          <a:stretch/>
+        </p:blipFill>
+        <p:spPr>
+          <a:xfrm>
+            <a:off x="5036694" y="993422"/>
+            <a:ext cx="7155306" cy="5864578"/>
+          </a:xfrm>
+          <a:custGeom>
+            <a:avLst/>
+            <a:gdLst>
+              <a:gd name="connsiteX0" fmla="*/ 4280937 w 6766273"/>
+              <a:gd name="connsiteY0" fmla="*/ 0 h 5545722"/>
+              <a:gd name="connsiteX1" fmla="*/ 6674449 w 6766273"/>
+              <a:gd name="connsiteY1" fmla="*/ 731117 h 5545722"/>
+              <a:gd name="connsiteX2" fmla="*/ 6766273 w 6766273"/>
+              <a:gd name="connsiteY2" fmla="*/ 796414 h 5545722"/>
+              <a:gd name="connsiteX3" fmla="*/ 6766273 w 6766273"/>
+              <a:gd name="connsiteY3" fmla="*/ 5545722 h 5545722"/>
+              <a:gd name="connsiteX4" fmla="*/ 190124 w 6766273"/>
+              <a:gd name="connsiteY4" fmla="*/ 5545722 h 5545722"/>
+              <a:gd name="connsiteX5" fmla="*/ 134775 w 6766273"/>
+              <a:gd name="connsiteY5" fmla="*/ 5350810 h 5545722"/>
+              <a:gd name="connsiteX6" fmla="*/ 0 w 6766273"/>
+              <a:gd name="connsiteY6" fmla="*/ 4280937 h 5545722"/>
+              <a:gd name="connsiteX7" fmla="*/ 4280937 w 6766273"/>
+              <a:gd name="connsiteY7" fmla="*/ 0 h 5545722"/>
+            </a:gdLst>
+            <a:ahLst/>
+            <a:cxnLst>
+              <a:cxn ang="0">
+                <a:pos x="connsiteX0" y="connsiteY0"/>
+              </a:cxn>
+              <a:cxn ang="0">
+                <a:pos x="connsiteX1" y="connsiteY1"/>
+              </a:cxn>
+              <a:cxn ang="0">
+                <a:pos x="connsiteX2" y="connsiteY2"/>
+              </a:cxn>
+              <a:cxn ang="0">
+                <a:pos x="connsiteX3" y="connsiteY3"/>
+              </a:cxn>
+              <a:cxn ang="0">
+                <a:pos x="connsiteX4" y="connsiteY4"/>
+              </a:cxn>
+              <a:cxn ang="0">
+                <a:pos x="connsiteX5" y="connsiteY5"/>
+              </a:cxn>
+              <a:cxn ang="0">
+                <a:pos x="connsiteX6" y="connsiteY6"/>
+              </a:cxn>
+              <a:cxn ang="0">
+                <a:pos x="connsiteX7" y="connsiteY7"/>
+              </a:cxn>
+            </a:cxnLst>
+            <a:rect l="l" t="t" r="r" b="b"/>
+            <a:pathLst>
+              <a:path w="6766273" h="5545722">
+                <a:moveTo>
+                  <a:pt x="4280937" y="0"/>
+                </a:moveTo>
+                <a:cubicBezTo>
+                  <a:pt x="5167548" y="0"/>
+                  <a:pt x="5991207" y="269527"/>
+                  <a:pt x="6674449" y="731117"/>
+                </a:cubicBezTo>
+                <a:lnTo>
+                  <a:pt x="6766273" y="796414"/>
+                </a:lnTo>
+                <a:lnTo>
+                  <a:pt x="6766273" y="5545722"/>
+                </a:lnTo>
+                <a:lnTo>
+                  <a:pt x="190124" y="5545722"/>
+                </a:lnTo>
+                <a:lnTo>
+                  <a:pt x="134775" y="5350810"/>
+                </a:lnTo>
+                <a:cubicBezTo>
+                  <a:pt x="46793" y="5008850"/>
+                  <a:pt x="0" y="4650358"/>
+                  <a:pt x="0" y="4280937"/>
+                </a:cubicBezTo>
+                <a:cubicBezTo>
+                  <a:pt x="0" y="1916641"/>
+                  <a:pt x="1916641" y="0"/>
+                  <a:pt x="4280937" y="0"/>
+                </a:cubicBezTo>
+                <a:close/>
+              </a:path>
+            </a:pathLst>
+          </a:custGeom>
+          <a:ln w="50800" cmpd="dbl">
+            <a:gradFill flip="none" rotWithShape="1">
+              <a:gsLst>
+                <a:gs pos="0">
+                  <a:srgbClr val="FFFFFF"/>
+                </a:gs>
+                <a:gs pos="100000">
+                  <a:schemeClr val="tx1">
+                    <a:alpha val="0"/>
+                  </a:schemeClr>
+                </a:gs>
+              </a:gsLst>
+              <a:path path="circle">
+                <a:fillToRect l="100000" t="100000"/>
+              </a:path>
+              <a:tileRect r="-100000" b="-100000"/>
+            </a:gradFill>
+          </a:ln>
+        </p:spPr>
+      </p:pic>
+      <p:pic>
+        <p:nvPicPr>
+          <p:cNvPr id="5" name="Picture 4" descr="A close up of a sign&#10;&#10;Description automatically generated">
+            <a:extLst>
+              <a:ext uri="{FF2B5EF4-FFF2-40B4-BE49-F238E27FC236}">
+                <a16:creationId xmlns:a16="http://schemas.microsoft.com/office/drawing/2014/main" id="{8CCACDDF-B725-4F3E-94C9-A7F060A3DB56}"/>
+              </a:ext>
+            </a:extLst>
+          </p:cNvPr>
+          <p:cNvPicPr>
+            <a:picLocks noChangeAspect="1"/>
+          </p:cNvPicPr>
+          <p:nvPr/>
+        </p:nvPicPr>
+        <p:blipFill rotWithShape="1">
+          <a:blip r:embed="rId6"/>
+          <a:srcRect l="7816" r="8638" b="-3"/>
+          <a:stretch/>
+        </p:blipFill>
+        <p:spPr>
+          <a:xfrm>
+            <a:off x="173632" y="151053"/>
+            <a:ext cx="5109568" cy="4892833"/>
+          </a:xfrm>
+          <a:custGeom>
+            <a:avLst/>
+            <a:gdLst>
+              <a:gd name="connsiteX0" fmla="*/ 2261937 w 4523874"/>
+              <a:gd name="connsiteY0" fmla="*/ 0 h 4523874"/>
+              <a:gd name="connsiteX1" fmla="*/ 4523874 w 4523874"/>
+              <a:gd name="connsiteY1" fmla="*/ 2261937 h 4523874"/>
+              <a:gd name="connsiteX2" fmla="*/ 2261937 w 4523874"/>
+              <a:gd name="connsiteY2" fmla="*/ 4523874 h 4523874"/>
+              <a:gd name="connsiteX3" fmla="*/ 0 w 4523874"/>
+              <a:gd name="connsiteY3" fmla="*/ 2261937 h 4523874"/>
+              <a:gd name="connsiteX4" fmla="*/ 2261937 w 4523874"/>
+              <a:gd name="connsiteY4" fmla="*/ 0 h 4523874"/>
+            </a:gdLst>
+            <a:ahLst/>
+            <a:cxnLst>
+              <a:cxn ang="0">
+                <a:pos x="connsiteX0" y="connsiteY0"/>
+              </a:cxn>
+              <a:cxn ang="0">
+                <a:pos x="connsiteX1" y="connsiteY1"/>
+              </a:cxn>
+              <a:cxn ang="0">
+                <a:pos x="connsiteX2" y="connsiteY2"/>
+              </a:cxn>
+              <a:cxn ang="0">
+                <a:pos x="connsiteX3" y="connsiteY3"/>
+              </a:cxn>
+              <a:cxn ang="0">
+                <a:pos x="connsiteX4" y="connsiteY4"/>
+              </a:cxn>
+            </a:cxnLst>
+            <a:rect l="l" t="t" r="r" b="b"/>
+            <a:pathLst>
+              <a:path w="4523874" h="4523874">
+                <a:moveTo>
+                  <a:pt x="2261937" y="0"/>
+                </a:moveTo>
+                <a:cubicBezTo>
+                  <a:pt x="3511170" y="0"/>
+                  <a:pt x="4523874" y="1012704"/>
+                  <a:pt x="4523874" y="2261937"/>
+                </a:cubicBezTo>
+                <a:cubicBezTo>
+                  <a:pt x="4523874" y="3511170"/>
+                  <a:pt x="3511170" y="4523874"/>
+                  <a:pt x="2261937" y="4523874"/>
+                </a:cubicBezTo>
+                <a:cubicBezTo>
+                  <a:pt x="1012704" y="4523874"/>
+                  <a:pt x="0" y="3511170"/>
+                  <a:pt x="0" y="2261937"/>
+                </a:cubicBezTo>
+                <a:cubicBezTo>
+                  <a:pt x="0" y="1012704"/>
+                  <a:pt x="1012704" y="0"/>
+                  <a:pt x="2261937" y="0"/>
+                </a:cubicBezTo>
+                <a:close/>
+              </a:path>
+            </a:pathLst>
+          </a:custGeom>
+          <a:ln w="50800" cap="sq" cmpd="dbl">
+            <a:gradFill flip="none" rotWithShape="1">
+              <a:gsLst>
+                <a:gs pos="0">
+                  <a:srgbClr val="FFFFFF"/>
+                </a:gs>
+                <a:gs pos="100000">
+                  <a:srgbClr val="FFFFFF">
+                    <a:alpha val="0"/>
+                  </a:srgbClr>
+                </a:gs>
+              </a:gsLst>
+              <a:path path="circle">
+                <a:fillToRect r="100000" b="100000"/>
+              </a:path>
+              <a:tileRect l="-100000" t="-100000"/>
+            </a:gradFill>
+            <a:miter lim="800000"/>
+          </a:ln>
+          <a:effectLst>
+            <a:outerShdw blurRad="254000" dist="38100" algn="tl" rotWithShape="0">
+              <a:prstClr val="black">
+                <a:alpha val="43000"/>
+              </a:prstClr>
+            </a:outerShdw>
+          </a:effectLst>
+        </p:spPr>
+      </p:pic>
+      <p:pic>
+        <p:nvPicPr>
+          <p:cNvPr id="6" name="FFIXVictory">
+            <a:hlinkClick r:id="" action="ppaction://media"/>
+            <a:extLst>
+              <a:ext uri="{FF2B5EF4-FFF2-40B4-BE49-F238E27FC236}">
+                <a16:creationId xmlns:a16="http://schemas.microsoft.com/office/drawing/2014/main" id="{0C9CD719-0EE9-4C58-B44E-D959587856F8}"/>
+              </a:ext>
+            </a:extLst>
+          </p:cNvPr>
+          <p:cNvPicPr>
+            <a:picLocks noChangeAspect="1"/>
+          </p:cNvPicPr>
+          <p:nvPr>
+            <a:audioFile r:link="rId2"/>
+            <p:extLst>
+              <p:ext uri="{DAA4B4D4-6D71-4841-9C94-3DE7FCFB9230}">
+                <p14:media xmlns:p14="http://schemas.microsoft.com/office/powerpoint/2010/main" r:embed="rId1"/>
+              </p:ext>
+            </p:extLst>
+          </p:nvPr>
+        </p:nvPicPr>
+        <p:blipFill>
+          <a:blip r:embed="rId7"/>
+          <a:stretch>
+            <a:fillRect/>
+          </a:stretch>
+        </p:blipFill>
+        <p:spPr>
+          <a:xfrm>
+            <a:off x="5703711" y="7308080"/>
+            <a:ext cx="392289" cy="392289"/>
+          </a:xfrm>
+          <a:prstGeom prst="rect">
+            <a:avLst/>
+          </a:prstGeom>
+        </p:spPr>
+      </p:pic>
+    </p:spTree>
+    <p:extLst>
+      <p:ext uri="{BB962C8B-B14F-4D97-AF65-F5344CB8AC3E}">
+        <p14:creationId xmlns:p14="http://schemas.microsoft.com/office/powerpoint/2010/main" val="1568136166"/>
+      </p:ext>
+    </p:extLst>
+  </p:cSld>
+  <p:clrMapOvr>
+    <a:masterClrMapping/>
+  </p:clrMapOvr>
+  <p:timing>
+    <p:tnLst>
+      <p:par>
+        <p:cTn id="1" dur="indefinite" restart="never" nodeType="tmRoot">
+          <p:childTnLst>
+            <p:seq concurrent="1" nextAc="seek">
+              <p:cTn id="2" dur="indefinite" nodeType="mainSeq">
+                <p:childTnLst>
+                  <p:par>
+                    <p:cTn id="3" fill="hold">
+                      <p:stCondLst>
+                        <p:cond delay="indefinite"/>
+                        <p:cond evt="onBegin" delay="0">
+                          <p:tn val="2"/>
+                        </p:cond>
+                      </p:stCondLst>
+                      <p:childTnLst>
+                        <p:par>
+                          <p:cTn id="4" fill="hold">
+                            <p:stCondLst>
+                              <p:cond delay="0"/>
+                            </p:stCondLst>
+                            <p:childTnLst>
+                              <p:par>
+                                <p:cTn id="5" presetID="1" presetClass="mediacall" presetSubtype="0" fill="hold" nodeType="afterEffect">
+                                  <p:stCondLst>
+                                    <p:cond delay="0"/>
+                                  </p:stCondLst>
+                                  <p:childTnLst>
+                                    <p:cmd type="call" cmd="playFrom(0.0)">
+                                      <p:cBhvr>
+                                        <p:cTn id="6" dur="4336" fill="hold"/>
+                                        <p:tgtEl>
+                                          <p:spTgt spid="6"/>
+                                        </p:tgtEl>
+                                      </p:cBhvr>
+                                    </p:cmd>
+                                  </p:childTnLst>
+                                </p:cTn>
+                              </p:par>
+                            </p:childTnLst>
+                          </p:cTn>
+                        </p:par>
+                      </p:childTnLst>
+                    </p:cTn>
+                  </p:par>
+                </p:childTnLst>
+              </p:cTn>
+              <p:prevCondLst>
+                <p:cond evt="onPrev" delay="0">
+                  <p:tgtEl>
+                    <p:sldTgt/>
+                  </p:tgtEl>
+                </p:cond>
+              </p:prevCondLst>
+              <p:nextCondLst>
+                <p:cond evt="onNext" delay="0">
+                  <p:tgtEl>
+                    <p:sldTgt/>
+                  </p:tgtEl>
+                </p:cond>
+              </p:nextCondLst>
+            </p:seq>
+            <p:audio>
+              <p:cMediaNode vol="80000">
+                <p:cTn id="7" fill="hold" display="0">
+                  <p:stCondLst>
+                    <p:cond delay="indefinite"/>
+                  </p:stCondLst>
+                  <p:endCondLst>
+                    <p:cond evt="onStopAudio" delay="0">
+                      <p:tgtEl>
+                        <p:sldTgt/>
+                      </p:tgtEl>
+                    </p:cond>
+                  </p:endCondLst>
+                </p:cTn>
+                <p:tgtEl>
+                  <p:spTgt spid="6"/>
+                </p:tgtEl>
+              </p:cMediaNode>
+            </p:audio>
+          </p:childTnLst>
+        </p:cTn>
+      </p:par>
+    </p:tnLst>
+  </p:timing>
+</p:sld>
+</file>
+
 <file path=ppt/slides/slide2.xml><?xml version="1.0" encoding="utf-8"?>
 <p:sld xmlns:a="http://schemas.openxmlformats.org/drawingml/2006/main" xmlns:r="http://schemas.openxmlformats.org/officeDocument/2006/relationships" xmlns:p="http://schemas.openxmlformats.org/presentationml/2006/main">
   <p:cSld>
@@ -6237,8 +6927,8 @@
         </p:nvSpPr>
         <p:spPr>
           <a:xfrm>
-            <a:off x="685799" y="4844258"/>
-            <a:ext cx="10131427" cy="566738"/>
+            <a:off x="592492" y="4978400"/>
+            <a:ext cx="10809515" cy="566738"/>
           </a:xfrm>
         </p:spPr>
         <p:txBody>
@@ -6253,44 +6943,11 @@
             </a:r>
             <a:r>
               <a:rPr lang="en-US" sz="2600" dirty="0"/>
-              <a:t> Class Diagram</a:t>
-            </a:r>
-          </a:p>
-        </p:txBody>
-      </p:sp>
-      <p:pic>
-        <p:nvPicPr>
-          <p:cNvPr id="6" name="Picture Placeholder 5" descr="A screenshot of a cell phone&#10;&#10;Description automatically generated">
-            <a:extLst>
-              <a:ext uri="{FF2B5EF4-FFF2-40B4-BE49-F238E27FC236}">
-                <a16:creationId xmlns:a16="http://schemas.microsoft.com/office/drawing/2014/main" id="{CF3FE4B4-8649-425B-8E4A-728436D404D0}"/>
-              </a:ext>
-            </a:extLst>
-          </p:cNvPr>
-          <p:cNvPicPr>
-            <a:picLocks noGrp="1" noChangeAspect="1"/>
-          </p:cNvPicPr>
-          <p:nvPr>
-            <p:ph type="pic" idx="1"/>
-          </p:nvPr>
-        </p:nvPicPr>
-        <p:blipFill>
-          <a:blip r:embed="rId2"/>
-          <a:srcRect t="6948" b="6948"/>
-          <a:stretch>
-            <a:fillRect/>
-          </a:stretch>
-        </p:blipFill>
-        <p:spPr>
-          <a:xfrm>
-            <a:off x="0" y="230703"/>
-            <a:ext cx="12192143" cy="4405092"/>
-          </a:xfrm>
-          <a:effectLst>
-            <a:reflection stA="10000" endPos="10000" dir="5400000" sy="-100000" algn="bl" rotWithShape="0"/>
-          </a:effectLst>
-        </p:spPr>
-      </p:pic>
+              <a:t> Class Diagram and design modifications</a:t>
+            </a:r>
+          </a:p>
+        </p:txBody>
+      </p:sp>
       <p:sp>
         <p:nvSpPr>
           <p:cNvPr id="4" name="Text Placeholder 3">
@@ -6309,8 +6966,8 @@
         </p:nvSpPr>
         <p:spPr>
           <a:xfrm>
-            <a:off x="418214" y="5410996"/>
-            <a:ext cx="11355571" cy="963070"/>
+            <a:off x="352901" y="5569617"/>
+            <a:ext cx="11636936" cy="963070"/>
           </a:xfrm>
         </p:spPr>
         <p:txBody>
@@ -6336,31 +6993,6 @@
             <a:r>
               <a:rPr lang="en-US" sz="2000" dirty="0"/>
               <a:t>Primary additions are the controllers</a:t>
-            </a:r>
-          </a:p>
-          <a:p>
-            <a:endParaRPr lang="en-US" sz="2000" dirty="0"/>
-          </a:p>
-          <a:p>
-            <a:pPr marL="285750" indent="-285750">
-              <a:buFont typeface="Arial" panose="020B0604020202020204" pitchFamily="34" charset="0"/>
-              <a:buChar char="•"/>
-            </a:pPr>
-            <a:r>
-              <a:rPr lang="en-US" sz="2000" dirty="0" err="1"/>
-              <a:t>DataController</a:t>
-            </a:r>
-            <a:r>
-              <a:rPr lang="en-US" sz="2000" dirty="0"/>
-              <a:t> handles loading the </a:t>
-            </a:r>
-            <a:r>
-              <a:rPr lang="en-US" sz="2000" dirty="0" err="1"/>
-              <a:t>Dex</a:t>
-            </a:r>
-            <a:r>
-              <a:rPr lang="en-US" sz="2000" dirty="0"/>
-              <a:t> to the program</a:t>
             </a:r>
           </a:p>
           <a:p>
@@ -6370,12 +7002,1244 @@
             </a:pPr>
             <a:endParaRPr lang="en-US" sz="2000" dirty="0"/>
           </a:p>
-        </p:txBody>
-      </p:sp>
+          <a:p>
+            <a:pPr marL="285750" indent="-285750">
+              <a:buFont typeface="Arial" panose="020B0604020202020204" pitchFamily="34" charset="0"/>
+              <a:buChar char="•"/>
+            </a:pPr>
+            <a:r>
+              <a:rPr lang="en-US" sz="2000" dirty="0" err="1"/>
+              <a:t>DataController</a:t>
+            </a:r>
+            <a:r>
+              <a:rPr lang="en-US" sz="2000" dirty="0"/>
+              <a:t> handles loading the </a:t>
+            </a:r>
+            <a:r>
+              <a:rPr lang="en-US" sz="2000" dirty="0" err="1"/>
+              <a:t>Dex</a:t>
+            </a:r>
+            <a:r>
+              <a:rPr lang="en-US" sz="2000" dirty="0"/>
+              <a:t> to the program</a:t>
+            </a:r>
+          </a:p>
+          <a:p>
+            <a:pPr marL="285750" indent="-285750">
+              <a:buFont typeface="Arial" panose="020B0604020202020204" pitchFamily="34" charset="0"/>
+              <a:buChar char="•"/>
+            </a:pPr>
+            <a:endParaRPr lang="en-US" sz="2000" dirty="0"/>
+          </a:p>
+        </p:txBody>
+      </p:sp>
+      <p:pic>
+        <p:nvPicPr>
+          <p:cNvPr id="16" name="Picture 15">
+            <a:extLst>
+              <a:ext uri="{FF2B5EF4-FFF2-40B4-BE49-F238E27FC236}">
+                <a16:creationId xmlns:a16="http://schemas.microsoft.com/office/drawing/2014/main" id="{5F92B40B-A2A4-472D-B9FD-C7D662D19E9E}"/>
+              </a:ext>
+            </a:extLst>
+          </p:cNvPr>
+          <p:cNvPicPr>
+            <a:picLocks noChangeAspect="1"/>
+          </p:cNvPicPr>
+          <p:nvPr/>
+        </p:nvPicPr>
+        <p:blipFill>
+          <a:blip r:embed="rId2"/>
+          <a:srcRect/>
+          <a:stretch/>
+        </p:blipFill>
+        <p:spPr>
+          <a:xfrm>
+            <a:off x="-3174" y="0"/>
+            <a:ext cx="12195174" cy="5091374"/>
+          </a:xfrm>
+          <a:prstGeom prst="rect">
+            <a:avLst/>
+          </a:prstGeom>
+        </p:spPr>
+      </p:pic>
     </p:spTree>
     <p:extLst>
       <p:ext uri="{BB962C8B-B14F-4D97-AF65-F5344CB8AC3E}">
         <p14:creationId xmlns:p14="http://schemas.microsoft.com/office/powerpoint/2010/main" val="3312563152"/>
+      </p:ext>
+    </p:extLst>
+  </p:cSld>
+  <p:clrMapOvr>
+    <a:masterClrMapping/>
+  </p:clrMapOvr>
+</p:sld>
+</file>
+
+<file path=ppt/slides/slide4.xml><?xml version="1.0" encoding="utf-8"?>
+<p:sld xmlns:a="http://schemas.openxmlformats.org/drawingml/2006/main" xmlns:r="http://schemas.openxmlformats.org/officeDocument/2006/relationships" xmlns:p="http://schemas.openxmlformats.org/presentationml/2006/main">
+  <p:cSld>
+    <p:spTree>
+      <p:nvGrpSpPr>
+        <p:cNvPr id="1" name=""/>
+        <p:cNvGrpSpPr/>
+        <p:nvPr/>
+      </p:nvGrpSpPr>
+      <p:grpSpPr>
+        <a:xfrm>
+          <a:off x="0" y="0"/>
+          <a:ext cx="0" cy="0"/>
+          <a:chOff x="0" y="0"/>
+          <a:chExt cx="0" cy="0"/>
+        </a:xfrm>
+      </p:grpSpPr>
+      <p:sp>
+        <p:nvSpPr>
+          <p:cNvPr id="2" name="Title 1">
+            <a:extLst>
+              <a:ext uri="{FF2B5EF4-FFF2-40B4-BE49-F238E27FC236}">
+                <a16:creationId xmlns:a16="http://schemas.microsoft.com/office/drawing/2014/main" id="{34C87759-4783-4173-9897-6B82200A5D0C}"/>
+              </a:ext>
+            </a:extLst>
+          </p:cNvPr>
+          <p:cNvSpPr>
+            <a:spLocks noGrp="1"/>
+          </p:cNvSpPr>
+          <p:nvPr>
+            <p:ph type="title"/>
+          </p:nvPr>
+        </p:nvSpPr>
+        <p:spPr>
+          <a:xfrm>
+            <a:off x="3085404" y="345239"/>
+            <a:ext cx="10131425" cy="1456267"/>
+          </a:xfrm>
+        </p:spPr>
+        <p:txBody>
+          <a:bodyPr>
+            <a:normAutofit/>
+          </a:bodyPr>
+          <a:lstStyle/>
+          <a:p>
+            <a:r>
+              <a:rPr lang="en-US" sz="4800" dirty="0"/>
+              <a:t>Work breakdown</a:t>
+            </a:r>
+          </a:p>
+        </p:txBody>
+      </p:sp>
+      <p:sp>
+        <p:nvSpPr>
+          <p:cNvPr id="3" name="Text Placeholder 2">
+            <a:extLst>
+              <a:ext uri="{FF2B5EF4-FFF2-40B4-BE49-F238E27FC236}">
+                <a16:creationId xmlns:a16="http://schemas.microsoft.com/office/drawing/2014/main" id="{012A6F65-0C1C-48AF-A172-884073732B31}"/>
+              </a:ext>
+            </a:extLst>
+          </p:cNvPr>
+          <p:cNvSpPr>
+            <a:spLocks noGrp="1"/>
+          </p:cNvSpPr>
+          <p:nvPr>
+            <p:ph type="body" idx="1"/>
+          </p:nvPr>
+        </p:nvSpPr>
+        <p:spPr>
+          <a:xfrm>
+            <a:off x="121413" y="2098104"/>
+            <a:ext cx="1778481" cy="576262"/>
+          </a:xfrm>
+        </p:spPr>
+        <p:txBody>
+          <a:bodyPr/>
+          <a:lstStyle/>
+          <a:p>
+            <a:pPr algn="r"/>
+            <a:r>
+              <a:rPr lang="en-US" sz="3200" dirty="0"/>
+              <a:t>Member</a:t>
+            </a:r>
+          </a:p>
+        </p:txBody>
+      </p:sp>
+      <p:sp>
+        <p:nvSpPr>
+          <p:cNvPr id="4" name="Content Placeholder 3">
+            <a:extLst>
+              <a:ext uri="{FF2B5EF4-FFF2-40B4-BE49-F238E27FC236}">
+                <a16:creationId xmlns:a16="http://schemas.microsoft.com/office/drawing/2014/main" id="{03E296C7-B5AC-4BB6-9757-170739153447}"/>
+              </a:ext>
+            </a:extLst>
+          </p:cNvPr>
+          <p:cNvSpPr>
+            <a:spLocks noGrp="1"/>
+          </p:cNvSpPr>
+          <p:nvPr>
+            <p:ph sz="half" idx="2"/>
+          </p:nvPr>
+        </p:nvSpPr>
+        <p:spPr>
+          <a:xfrm>
+            <a:off x="107655" y="2750038"/>
+            <a:ext cx="1778481" cy="2920998"/>
+          </a:xfrm>
+        </p:spPr>
+        <p:txBody>
+          <a:bodyPr>
+            <a:normAutofit/>
+          </a:bodyPr>
+          <a:lstStyle/>
+          <a:p>
+            <a:pPr algn="r"/>
+            <a:r>
+              <a:rPr lang="en-US" sz="2400" dirty="0"/>
+              <a:t>James</a:t>
+            </a:r>
+          </a:p>
+          <a:p>
+            <a:pPr algn="r"/>
+            <a:r>
+              <a:rPr lang="en-US" sz="2400" dirty="0"/>
+              <a:t>David</a:t>
+            </a:r>
+          </a:p>
+          <a:p>
+            <a:pPr algn="r"/>
+            <a:r>
+              <a:rPr lang="en-US" sz="2400" dirty="0"/>
+              <a:t>Steven</a:t>
+            </a:r>
+          </a:p>
+        </p:txBody>
+      </p:sp>
+      <p:sp>
+        <p:nvSpPr>
+          <p:cNvPr id="5" name="Text Placeholder 4">
+            <a:extLst>
+              <a:ext uri="{FF2B5EF4-FFF2-40B4-BE49-F238E27FC236}">
+                <a16:creationId xmlns:a16="http://schemas.microsoft.com/office/drawing/2014/main" id="{3119B64A-2311-4B1E-9955-9A91619470B1}"/>
+              </a:ext>
+            </a:extLst>
+          </p:cNvPr>
+          <p:cNvSpPr>
+            <a:spLocks noGrp="1"/>
+          </p:cNvSpPr>
+          <p:nvPr>
+            <p:ph type="body" sz="quarter" idx="3"/>
+          </p:nvPr>
+        </p:nvSpPr>
+        <p:spPr>
+          <a:xfrm>
+            <a:off x="2299415" y="2106571"/>
+            <a:ext cx="4722813" cy="576262"/>
+          </a:xfrm>
+        </p:spPr>
+        <p:txBody>
+          <a:bodyPr/>
+          <a:lstStyle/>
+          <a:p>
+            <a:r>
+              <a:rPr lang="en-US" sz="3200" dirty="0"/>
+              <a:t>Responsibility</a:t>
+            </a:r>
+          </a:p>
+        </p:txBody>
+      </p:sp>
+      <p:sp>
+        <p:nvSpPr>
+          <p:cNvPr id="6" name="Content Placeholder 5">
+            <a:extLst>
+              <a:ext uri="{FF2B5EF4-FFF2-40B4-BE49-F238E27FC236}">
+                <a16:creationId xmlns:a16="http://schemas.microsoft.com/office/drawing/2014/main" id="{0607B81F-7E93-4B44-A467-FD8CB9348D09}"/>
+              </a:ext>
+            </a:extLst>
+          </p:cNvPr>
+          <p:cNvSpPr>
+            <a:spLocks noGrp="1"/>
+          </p:cNvSpPr>
+          <p:nvPr>
+            <p:ph sz="quarter" idx="4"/>
+          </p:nvPr>
+        </p:nvSpPr>
+        <p:spPr>
+          <a:xfrm>
+            <a:off x="2026895" y="2750038"/>
+            <a:ext cx="4995334" cy="2920998"/>
+          </a:xfrm>
+        </p:spPr>
+        <p:txBody>
+          <a:bodyPr>
+            <a:normAutofit/>
+          </a:bodyPr>
+          <a:lstStyle/>
+          <a:p>
+            <a:r>
+              <a:rPr lang="en-US" sz="2400" dirty="0" err="1"/>
+              <a:t>BattleCreature</a:t>
+            </a:r>
+            <a:r>
+              <a:rPr lang="en-US" sz="2400" dirty="0"/>
+              <a:t> class, </a:t>
+            </a:r>
+            <a:r>
+              <a:rPr lang="en-US" sz="2400" dirty="0" err="1"/>
+              <a:t>enums</a:t>
+            </a:r>
+            <a:r>
+              <a:rPr lang="en-US" sz="2400" dirty="0"/>
+              <a:t>, structs</a:t>
+            </a:r>
+          </a:p>
+          <a:p>
+            <a:r>
+              <a:rPr lang="en-US" sz="2400" dirty="0" err="1"/>
+              <a:t>Pokemawndex</a:t>
+            </a:r>
+            <a:endParaRPr lang="en-US" sz="2400" dirty="0"/>
+          </a:p>
+          <a:p>
+            <a:r>
+              <a:rPr lang="en-US" sz="2400" dirty="0" err="1"/>
+              <a:t>CreatureBattle</a:t>
+            </a:r>
+            <a:r>
+              <a:rPr lang="en-US" sz="2400" dirty="0"/>
+              <a:t> class, overall implementation and graphical UI</a:t>
+            </a:r>
+          </a:p>
+        </p:txBody>
+      </p:sp>
+      <p:pic>
+        <p:nvPicPr>
+          <p:cNvPr id="8" name="Picture 7">
+            <a:extLst>
+              <a:ext uri="{FF2B5EF4-FFF2-40B4-BE49-F238E27FC236}">
+                <a16:creationId xmlns:a16="http://schemas.microsoft.com/office/drawing/2014/main" id="{80635940-4208-420D-A818-6BE22CA015B2}"/>
+              </a:ext>
+            </a:extLst>
+          </p:cNvPr>
+          <p:cNvPicPr>
+            <a:picLocks noChangeAspect="1"/>
+          </p:cNvPicPr>
+          <p:nvPr/>
+        </p:nvPicPr>
+        <p:blipFill rotWithShape="1">
+          <a:blip r:embed="rId2">
+            <a:extLst>
+              <a:ext uri="{837473B0-CC2E-450A-ABE3-18F120FF3D39}">
+                <a1611:picAttrSrcUrl xmlns:a1611="http://schemas.microsoft.com/office/drawing/2016/11/main" r:id="rId3"/>
+              </a:ext>
+            </a:extLst>
+          </a:blip>
+          <a:srcRect t="-2" r="31" b="14523"/>
+          <a:stretch/>
+        </p:blipFill>
+        <p:spPr>
+          <a:xfrm>
+            <a:off x="7022228" y="2394702"/>
+            <a:ext cx="4798782" cy="2920998"/>
+          </a:xfrm>
+          <a:prstGeom prst="rect">
+            <a:avLst/>
+          </a:prstGeom>
+        </p:spPr>
+      </p:pic>
+    </p:spTree>
+    <p:extLst>
+      <p:ext uri="{BB962C8B-B14F-4D97-AF65-F5344CB8AC3E}">
+        <p14:creationId xmlns:p14="http://schemas.microsoft.com/office/powerpoint/2010/main" val="1236267349"/>
+      </p:ext>
+    </p:extLst>
+  </p:cSld>
+  <p:clrMapOvr>
+    <a:masterClrMapping/>
+  </p:clrMapOvr>
+</p:sld>
+</file>
+
+<file path=ppt/slides/slide5.xml><?xml version="1.0" encoding="utf-8"?>
+<p:sld xmlns:a="http://schemas.openxmlformats.org/drawingml/2006/main" xmlns:r="http://schemas.openxmlformats.org/officeDocument/2006/relationships" xmlns:p="http://schemas.openxmlformats.org/presentationml/2006/main">
+  <p:cSld>
+    <p:bg>
+      <p:bgPr>
+        <a:blipFill>
+          <a:blip r:embed="rId2"/>
+          <a:stretch/>
+        </a:blipFill>
+        <a:effectLst/>
+      </p:bgPr>
+    </p:bg>
+    <p:spTree>
+      <p:nvGrpSpPr>
+        <p:cNvPr id="1" name=""/>
+        <p:cNvGrpSpPr/>
+        <p:nvPr/>
+      </p:nvGrpSpPr>
+      <p:grpSpPr>
+        <a:xfrm>
+          <a:off x="0" y="0"/>
+          <a:ext cx="0" cy="0"/>
+          <a:chOff x="0" y="0"/>
+          <a:chExt cx="0" cy="0"/>
+        </a:xfrm>
+      </p:grpSpPr>
+      <p:pic>
+        <p:nvPicPr>
+          <p:cNvPr id="11" name="Picture 10">
+            <a:extLst>
+              <a:ext uri="{FF2B5EF4-FFF2-40B4-BE49-F238E27FC236}">
+                <a16:creationId xmlns:a16="http://schemas.microsoft.com/office/drawing/2014/main" id="{E99155B9-6320-4AB5-A815-8A2754562B94}"/>
+              </a:ext>
+              <a:ext uri="{C183D7F6-B498-43B3-948B-1728B52AA6E4}">
+                <adec:decorative xmlns:adec="http://schemas.microsoft.com/office/drawing/2017/decorative" val="1"/>
+              </a:ext>
+            </a:extLst>
+          </p:cNvPr>
+          <p:cNvPicPr>
+            <a:picLocks noGrp="1" noRot="1" noChangeAspect="1" noMove="1" noResize="1" noEditPoints="1" noAdjustHandles="1" noChangeArrowheads="1" noChangeShapeType="1" noCrop="1"/>
+          </p:cNvPicPr>
+          <p:nvPr>
+            <p:extLst>
+              <p:ext uri="{386F3935-93C4-4BCD-93E2-E3B085C9AB24}">
+                <p16:designElem xmlns:p16="http://schemas.microsoft.com/office/powerpoint/2015/main" val="1"/>
+              </p:ext>
+            </p:extLst>
+          </p:nvPr>
+        </p:nvPicPr>
+        <p:blipFill>
+          <a:blip r:embed="rId3">
+            <a:extLst>
+              <a:ext uri="{28A0092B-C50C-407E-A947-70E740481C1C}">
+                <a14:useLocalDpi xmlns:a14="http://schemas.microsoft.com/office/drawing/2010/main" val="0"/>
+              </a:ext>
+            </a:extLst>
+          </a:blip>
+          <a:stretch>
+            <a:fillRect/>
+          </a:stretch>
+        </p:blipFill>
+        <p:spPr>
+          <a:xfrm>
+            <a:off x="0" y="0"/>
+            <a:ext cx="12188825" cy="6856214"/>
+          </a:xfrm>
+          <a:prstGeom prst="rect">
+            <a:avLst/>
+          </a:prstGeom>
+        </p:spPr>
+      </p:pic>
+      <p:sp>
+        <p:nvSpPr>
+          <p:cNvPr id="2" name="Title 1">
+            <a:extLst>
+              <a:ext uri="{FF2B5EF4-FFF2-40B4-BE49-F238E27FC236}">
+                <a16:creationId xmlns:a16="http://schemas.microsoft.com/office/drawing/2014/main" id="{19FB813F-AC87-4D9B-AD59-47F953D156DB}"/>
+              </a:ext>
+            </a:extLst>
+          </p:cNvPr>
+          <p:cNvSpPr>
+            <a:spLocks noGrp="1"/>
+          </p:cNvSpPr>
+          <p:nvPr>
+            <p:ph type="title"/>
+          </p:nvPr>
+        </p:nvSpPr>
+        <p:spPr>
+          <a:xfrm>
+            <a:off x="7865806" y="643463"/>
+            <a:ext cx="3706762" cy="1608124"/>
+          </a:xfrm>
+        </p:spPr>
+        <p:txBody>
+          <a:bodyPr vert="horz" lIns="91440" tIns="45720" rIns="91440" bIns="45720" rtlCol="0" anchor="ctr">
+            <a:normAutofit/>
+          </a:bodyPr>
+          <a:lstStyle/>
+          <a:p>
+            <a:r>
+              <a:rPr lang="en-US" sz="3600"/>
+              <a:t>BattleCreature</a:t>
+            </a:r>
+          </a:p>
+        </p:txBody>
+      </p:sp>
+      <p:pic>
+        <p:nvPicPr>
+          <p:cNvPr id="6" name="Picture Placeholder 5" descr="A screenshot of a computer screen&#10;&#10;Description automatically generated">
+            <a:extLst>
+              <a:ext uri="{FF2B5EF4-FFF2-40B4-BE49-F238E27FC236}">
+                <a16:creationId xmlns:a16="http://schemas.microsoft.com/office/drawing/2014/main" id="{C53240CD-6CCD-477F-A975-2D2242406548}"/>
+              </a:ext>
+            </a:extLst>
+          </p:cNvPr>
+          <p:cNvPicPr>
+            <a:picLocks noGrp="1" noChangeAspect="1"/>
+          </p:cNvPicPr>
+          <p:nvPr>
+            <p:ph type="pic" idx="1"/>
+          </p:nvPr>
+        </p:nvPicPr>
+        <p:blipFill rotWithShape="1">
+          <a:blip r:embed="rId4"/>
+          <a:srcRect r="10242" b="1"/>
+          <a:stretch/>
+        </p:blipFill>
+        <p:spPr>
+          <a:xfrm>
+            <a:off x="20" y="975"/>
+            <a:ext cx="7552924" cy="6858000"/>
+          </a:xfrm>
+          <a:prstGeom prst="rect">
+            <a:avLst/>
+          </a:prstGeom>
+        </p:spPr>
+      </p:pic>
+      <p:sp>
+        <p:nvSpPr>
+          <p:cNvPr id="4" name="Text Placeholder 3">
+            <a:extLst>
+              <a:ext uri="{FF2B5EF4-FFF2-40B4-BE49-F238E27FC236}">
+                <a16:creationId xmlns:a16="http://schemas.microsoft.com/office/drawing/2014/main" id="{6D1CBCEC-7DFC-4D89-BD7D-33757FC17DFE}"/>
+              </a:ext>
+            </a:extLst>
+          </p:cNvPr>
+          <p:cNvSpPr>
+            <a:spLocks noGrp="1"/>
+          </p:cNvSpPr>
+          <p:nvPr>
+            <p:ph type="body" sz="half" idx="2"/>
+          </p:nvPr>
+        </p:nvSpPr>
+        <p:spPr>
+          <a:xfrm>
+            <a:off x="7865806" y="2251587"/>
+            <a:ext cx="3706762" cy="2783257"/>
+          </a:xfrm>
+        </p:spPr>
+        <p:txBody>
+          <a:bodyPr vert="horz" lIns="91440" tIns="45720" rIns="91440" bIns="45720" rtlCol="0" anchor="ctr">
+            <a:normAutofit/>
+          </a:bodyPr>
+          <a:lstStyle/>
+          <a:p>
+            <a:pPr marL="285750" indent="-285750">
+              <a:buFont typeface="Arial"/>
+              <a:buChar char="•"/>
+            </a:pPr>
+            <a:r>
+              <a:rPr lang="en-US" dirty="0"/>
+              <a:t>Carries variables expected for a “living” creature</a:t>
+            </a:r>
+          </a:p>
+          <a:p>
+            <a:pPr marL="285750" indent="-285750">
+              <a:buFont typeface="Arial"/>
+              <a:buChar char="•"/>
+            </a:pPr>
+            <a:r>
+              <a:rPr lang="en-US" dirty="0"/>
+              <a:t>Methods are used to determine how information passed in manipulates those variables</a:t>
+            </a:r>
+          </a:p>
+        </p:txBody>
+      </p:sp>
+    </p:spTree>
+    <p:extLst>
+      <p:ext uri="{BB962C8B-B14F-4D97-AF65-F5344CB8AC3E}">
+        <p14:creationId xmlns:p14="http://schemas.microsoft.com/office/powerpoint/2010/main" val="707742236"/>
+      </p:ext>
+    </p:extLst>
+  </p:cSld>
+  <p:clrMapOvr>
+    <a:masterClrMapping/>
+  </p:clrMapOvr>
+</p:sld>
+</file>
+
+<file path=ppt/slides/slide6.xml><?xml version="1.0" encoding="utf-8"?>
+<p:sld xmlns:a="http://schemas.openxmlformats.org/drawingml/2006/main" xmlns:r="http://schemas.openxmlformats.org/officeDocument/2006/relationships" xmlns:p="http://schemas.openxmlformats.org/presentationml/2006/main">
+  <p:cSld>
+    <p:bg>
+      <p:bgPr>
+        <a:blipFill>
+          <a:blip r:embed="rId2"/>
+          <a:stretch/>
+        </a:blipFill>
+        <a:effectLst/>
+      </p:bgPr>
+    </p:bg>
+    <p:spTree>
+      <p:nvGrpSpPr>
+        <p:cNvPr id="1" name=""/>
+        <p:cNvGrpSpPr/>
+        <p:nvPr/>
+      </p:nvGrpSpPr>
+      <p:grpSpPr>
+        <a:xfrm>
+          <a:off x="0" y="0"/>
+          <a:ext cx="0" cy="0"/>
+          <a:chOff x="0" y="0"/>
+          <a:chExt cx="0" cy="0"/>
+        </a:xfrm>
+      </p:grpSpPr>
+      <p:pic>
+        <p:nvPicPr>
+          <p:cNvPr id="24" name="Picture 21">
+            <a:extLst>
+              <a:ext uri="{FF2B5EF4-FFF2-40B4-BE49-F238E27FC236}">
+                <a16:creationId xmlns:a16="http://schemas.microsoft.com/office/drawing/2014/main" id="{E99155B9-6320-4AB5-A815-8A2754562B94}"/>
+              </a:ext>
+              <a:ext uri="{C183D7F6-B498-43B3-948B-1728B52AA6E4}">
+                <adec:decorative xmlns:adec="http://schemas.microsoft.com/office/drawing/2017/decorative" val="1"/>
+              </a:ext>
+            </a:extLst>
+          </p:cNvPr>
+          <p:cNvPicPr>
+            <a:picLocks noGrp="1" noRot="1" noChangeAspect="1" noMove="1" noResize="1" noEditPoints="1" noAdjustHandles="1" noChangeArrowheads="1" noChangeShapeType="1" noCrop="1"/>
+          </p:cNvPicPr>
+          <p:nvPr>
+            <p:extLst>
+              <p:ext uri="{386F3935-93C4-4BCD-93E2-E3B085C9AB24}">
+                <p16:designElem xmlns:p16="http://schemas.microsoft.com/office/powerpoint/2015/main" val="1"/>
+              </p:ext>
+            </p:extLst>
+          </p:nvPr>
+        </p:nvPicPr>
+        <p:blipFill>
+          <a:blip r:embed="rId3">
+            <a:extLst>
+              <a:ext uri="{28A0092B-C50C-407E-A947-70E740481C1C}">
+                <a14:useLocalDpi xmlns:a14="http://schemas.microsoft.com/office/drawing/2010/main" val="0"/>
+              </a:ext>
+            </a:extLst>
+          </a:blip>
+          <a:stretch>
+            <a:fillRect/>
+          </a:stretch>
+        </p:blipFill>
+        <p:spPr>
+          <a:xfrm>
+            <a:off x="0" y="0"/>
+            <a:ext cx="12188825" cy="6856214"/>
+          </a:xfrm>
+          <a:prstGeom prst="rect">
+            <a:avLst/>
+          </a:prstGeom>
+        </p:spPr>
+      </p:pic>
+      <p:sp>
+        <p:nvSpPr>
+          <p:cNvPr id="2" name="Title 1">
+            <a:extLst>
+              <a:ext uri="{FF2B5EF4-FFF2-40B4-BE49-F238E27FC236}">
+                <a16:creationId xmlns:a16="http://schemas.microsoft.com/office/drawing/2014/main" id="{1F5DB696-0A55-41FA-B2B7-E05E075C7BD3}"/>
+              </a:ext>
+            </a:extLst>
+          </p:cNvPr>
+          <p:cNvSpPr>
+            <a:spLocks noGrp="1"/>
+          </p:cNvSpPr>
+          <p:nvPr>
+            <p:ph type="title"/>
+          </p:nvPr>
+        </p:nvSpPr>
+        <p:spPr>
+          <a:xfrm>
+            <a:off x="7865805" y="643463"/>
+            <a:ext cx="3931083" cy="1608124"/>
+          </a:xfrm>
+        </p:spPr>
+        <p:txBody>
+          <a:bodyPr vert="horz" lIns="91440" tIns="45720" rIns="91440" bIns="45720" rtlCol="0" anchor="ctr">
+            <a:normAutofit/>
+          </a:bodyPr>
+          <a:lstStyle/>
+          <a:p>
+            <a:r>
+              <a:rPr lang="en-US" sz="4000" dirty="0" err="1"/>
+              <a:t>datacontroller</a:t>
+            </a:r>
+            <a:endParaRPr lang="en-US" sz="4000" dirty="0"/>
+          </a:p>
+        </p:txBody>
+      </p:sp>
+      <p:pic>
+        <p:nvPicPr>
+          <p:cNvPr id="12" name="Picture Placeholder 11" descr="A screenshot of a cell phone screen with text&#10;&#10;Description automatically generated">
+            <a:extLst>
+              <a:ext uri="{FF2B5EF4-FFF2-40B4-BE49-F238E27FC236}">
+                <a16:creationId xmlns:a16="http://schemas.microsoft.com/office/drawing/2014/main" id="{750D0570-0293-4270-B1E2-54E149D5BBB4}"/>
+              </a:ext>
+            </a:extLst>
+          </p:cNvPr>
+          <p:cNvPicPr>
+            <a:picLocks noGrp="1" noChangeAspect="1"/>
+          </p:cNvPicPr>
+          <p:nvPr>
+            <p:ph type="pic" idx="1"/>
+          </p:nvPr>
+        </p:nvPicPr>
+        <p:blipFill rotWithShape="1">
+          <a:blip r:embed="rId4"/>
+          <a:srcRect r="359"/>
+          <a:stretch/>
+        </p:blipFill>
+        <p:spPr>
+          <a:xfrm>
+            <a:off x="20" y="975"/>
+            <a:ext cx="7865786" cy="6858000"/>
+          </a:xfrm>
+          <a:prstGeom prst="rect">
+            <a:avLst/>
+          </a:prstGeom>
+        </p:spPr>
+      </p:pic>
+      <p:sp>
+        <p:nvSpPr>
+          <p:cNvPr id="4" name="Text Placeholder 3">
+            <a:extLst>
+              <a:ext uri="{FF2B5EF4-FFF2-40B4-BE49-F238E27FC236}">
+                <a16:creationId xmlns:a16="http://schemas.microsoft.com/office/drawing/2014/main" id="{F4C3AEFE-0C03-4134-820E-612C3964E8E3}"/>
+              </a:ext>
+            </a:extLst>
+          </p:cNvPr>
+          <p:cNvSpPr>
+            <a:spLocks noGrp="1"/>
+          </p:cNvSpPr>
+          <p:nvPr>
+            <p:ph type="body" sz="half" idx="2"/>
+          </p:nvPr>
+        </p:nvSpPr>
+        <p:spPr>
+          <a:xfrm>
+            <a:off x="7865806" y="2251587"/>
+            <a:ext cx="3706762" cy="3972232"/>
+          </a:xfrm>
+        </p:spPr>
+        <p:txBody>
+          <a:bodyPr vert="horz" lIns="91440" tIns="45720" rIns="91440" bIns="45720" rtlCol="0" anchor="ctr">
+            <a:normAutofit/>
+          </a:bodyPr>
+          <a:lstStyle/>
+          <a:p>
+            <a:pPr>
+              <a:buFont typeface="Arial"/>
+              <a:buChar char="•"/>
+            </a:pPr>
+            <a:r>
+              <a:rPr lang="en-US" sz="2200" dirty="0"/>
+              <a:t>Class to serialize data</a:t>
+            </a:r>
+          </a:p>
+          <a:p>
+            <a:pPr>
+              <a:buFont typeface="Arial"/>
+              <a:buChar char="•"/>
+            </a:pPr>
+            <a:r>
+              <a:rPr lang="en-US" sz="2200" dirty="0"/>
+              <a:t>Utilized as a means to load and save </a:t>
+            </a:r>
+            <a:r>
+              <a:rPr lang="en-US" sz="2200" dirty="0" err="1"/>
+              <a:t>Pokemawn</a:t>
+            </a:r>
+            <a:r>
+              <a:rPr lang="en-US" sz="2200" dirty="0"/>
+              <a:t> data and the </a:t>
+            </a:r>
+            <a:r>
+              <a:rPr lang="en-US" sz="2200" dirty="0" err="1"/>
+              <a:t>Dex</a:t>
+            </a:r>
+            <a:endParaRPr lang="en-US" sz="2200" dirty="0"/>
+          </a:p>
+          <a:p>
+            <a:pPr>
+              <a:buFont typeface="Arial"/>
+              <a:buChar char="•"/>
+            </a:pPr>
+            <a:r>
+              <a:rPr lang="en-US" sz="2200" dirty="0"/>
+              <a:t>Generic form allows for many object types to be saved</a:t>
+            </a:r>
+          </a:p>
+        </p:txBody>
+      </p:sp>
+    </p:spTree>
+    <p:extLst>
+      <p:ext uri="{BB962C8B-B14F-4D97-AF65-F5344CB8AC3E}">
+        <p14:creationId xmlns:p14="http://schemas.microsoft.com/office/powerpoint/2010/main" val="2502648813"/>
+      </p:ext>
+    </p:extLst>
+  </p:cSld>
+  <p:clrMapOvr>
+    <a:masterClrMapping/>
+  </p:clrMapOvr>
+</p:sld>
+</file>
+
+<file path=ppt/slides/slide7.xml><?xml version="1.0" encoding="utf-8"?>
+<p:sld xmlns:a="http://schemas.openxmlformats.org/drawingml/2006/main" xmlns:r="http://schemas.openxmlformats.org/officeDocument/2006/relationships" xmlns:p="http://schemas.openxmlformats.org/presentationml/2006/main">
+  <p:cSld>
+    <p:spTree>
+      <p:nvGrpSpPr>
+        <p:cNvPr id="1" name=""/>
+        <p:cNvGrpSpPr/>
+        <p:nvPr/>
+      </p:nvGrpSpPr>
+      <p:grpSpPr>
+        <a:xfrm>
+          <a:off x="0" y="0"/>
+          <a:ext cx="0" cy="0"/>
+          <a:chOff x="0" y="0"/>
+          <a:chExt cx="0" cy="0"/>
+        </a:xfrm>
+      </p:grpSpPr>
+      <p:sp>
+        <p:nvSpPr>
+          <p:cNvPr id="2" name="Title 1">
+            <a:extLst>
+              <a:ext uri="{FF2B5EF4-FFF2-40B4-BE49-F238E27FC236}">
+                <a16:creationId xmlns:a16="http://schemas.microsoft.com/office/drawing/2014/main" id="{4B66EFA1-8139-485D-9302-F72AEED78AB0}"/>
+              </a:ext>
+            </a:extLst>
+          </p:cNvPr>
+          <p:cNvSpPr>
+            <a:spLocks noGrp="1"/>
+          </p:cNvSpPr>
+          <p:nvPr>
+            <p:ph type="title"/>
+          </p:nvPr>
+        </p:nvSpPr>
+        <p:spPr>
+          <a:xfrm>
+            <a:off x="5483578" y="1246011"/>
+            <a:ext cx="6164653" cy="1371600"/>
+          </a:xfrm>
+        </p:spPr>
+        <p:txBody>
+          <a:bodyPr/>
+          <a:lstStyle/>
+          <a:p>
+            <a:r>
+              <a:rPr lang="en-US" dirty="0" err="1"/>
+              <a:t>Creaturebattle</a:t>
+            </a:r>
+            <a:endParaRPr lang="en-US" dirty="0"/>
+          </a:p>
+        </p:txBody>
+      </p:sp>
+      <p:sp>
+        <p:nvSpPr>
+          <p:cNvPr id="3" name="Picture Placeholder 2">
+            <a:extLst>
+              <a:ext uri="{FF2B5EF4-FFF2-40B4-BE49-F238E27FC236}">
+                <a16:creationId xmlns:a16="http://schemas.microsoft.com/office/drawing/2014/main" id="{B6464539-90B7-42C9-8F74-BBC18F8D08FC}"/>
+              </a:ext>
+            </a:extLst>
+          </p:cNvPr>
+          <p:cNvSpPr>
+            <a:spLocks noGrp="1"/>
+          </p:cNvSpPr>
+          <p:nvPr>
+            <p:ph type="pic" idx="1"/>
+          </p:nvPr>
+        </p:nvSpPr>
+        <p:spPr>
+          <a:xfrm>
+            <a:off x="685800" y="891822"/>
+            <a:ext cx="3280974" cy="4572000"/>
+          </a:xfrm>
+        </p:spPr>
+      </p:sp>
+      <p:sp>
+        <p:nvSpPr>
+          <p:cNvPr id="4" name="Text Placeholder 3">
+            <a:extLst>
+              <a:ext uri="{FF2B5EF4-FFF2-40B4-BE49-F238E27FC236}">
+                <a16:creationId xmlns:a16="http://schemas.microsoft.com/office/drawing/2014/main" id="{FC398FA0-F6A1-4675-BB28-042724C562DC}"/>
+              </a:ext>
+            </a:extLst>
+          </p:cNvPr>
+          <p:cNvSpPr>
+            <a:spLocks noGrp="1"/>
+          </p:cNvSpPr>
+          <p:nvPr>
+            <p:ph type="body" sz="half" idx="2"/>
+          </p:nvPr>
+        </p:nvSpPr>
+        <p:spPr>
+          <a:xfrm>
+            <a:off x="5483578" y="2617611"/>
+            <a:ext cx="6164653" cy="1828800"/>
+          </a:xfrm>
+        </p:spPr>
+        <p:txBody>
+          <a:bodyPr/>
+          <a:lstStyle/>
+          <a:p>
+            <a:endParaRPr lang="en-US" dirty="0"/>
+          </a:p>
+        </p:txBody>
+      </p:sp>
+    </p:spTree>
+    <p:extLst>
+      <p:ext uri="{BB962C8B-B14F-4D97-AF65-F5344CB8AC3E}">
+        <p14:creationId xmlns:p14="http://schemas.microsoft.com/office/powerpoint/2010/main" val="1315672013"/>
+      </p:ext>
+    </p:extLst>
+  </p:cSld>
+  <p:clrMapOvr>
+    <a:masterClrMapping/>
+  </p:clrMapOvr>
+</p:sld>
+</file>
+
+<file path=ppt/slides/slide8.xml><?xml version="1.0" encoding="utf-8"?>
+<p:sld xmlns:a="http://schemas.openxmlformats.org/drawingml/2006/main" xmlns:r="http://schemas.openxmlformats.org/officeDocument/2006/relationships" xmlns:p="http://schemas.openxmlformats.org/presentationml/2006/main">
+  <p:cSld>
+    <p:spTree>
+      <p:nvGrpSpPr>
+        <p:cNvPr id="1" name=""/>
+        <p:cNvGrpSpPr/>
+        <p:nvPr/>
+      </p:nvGrpSpPr>
+      <p:grpSpPr>
+        <a:xfrm>
+          <a:off x="0" y="0"/>
+          <a:ext cx="0" cy="0"/>
+          <a:chOff x="0" y="0"/>
+          <a:chExt cx="0" cy="0"/>
+        </a:xfrm>
+      </p:grpSpPr>
+      <p:sp>
+        <p:nvSpPr>
+          <p:cNvPr id="2" name="Title 1">
+            <a:extLst>
+              <a:ext uri="{FF2B5EF4-FFF2-40B4-BE49-F238E27FC236}">
+                <a16:creationId xmlns:a16="http://schemas.microsoft.com/office/drawing/2014/main" id="{23CFD05B-B58D-4C93-85F6-AB1499DFC0CC}"/>
+              </a:ext>
+            </a:extLst>
+          </p:cNvPr>
+          <p:cNvSpPr>
+            <a:spLocks noGrp="1"/>
+          </p:cNvSpPr>
+          <p:nvPr>
+            <p:ph type="title"/>
+          </p:nvPr>
+        </p:nvSpPr>
+        <p:spPr>
+          <a:xfrm>
+            <a:off x="5179932" y="2141377"/>
+            <a:ext cx="6164653" cy="1371600"/>
+          </a:xfrm>
+        </p:spPr>
+        <p:txBody>
+          <a:bodyPr/>
+          <a:lstStyle/>
+          <a:p>
+            <a:r>
+              <a:rPr lang="en-US" dirty="0" err="1"/>
+              <a:t>david</a:t>
+            </a:r>
+            <a:endParaRPr lang="en-US" dirty="0"/>
+          </a:p>
+        </p:txBody>
+      </p:sp>
+      <p:sp>
+        <p:nvSpPr>
+          <p:cNvPr id="3" name="Picture Placeholder 2">
+            <a:extLst>
+              <a:ext uri="{FF2B5EF4-FFF2-40B4-BE49-F238E27FC236}">
+                <a16:creationId xmlns:a16="http://schemas.microsoft.com/office/drawing/2014/main" id="{F2243997-0362-4B3F-B492-1CD15796838B}"/>
+              </a:ext>
+            </a:extLst>
+          </p:cNvPr>
+          <p:cNvSpPr>
+            <a:spLocks noGrp="1"/>
+          </p:cNvSpPr>
+          <p:nvPr>
+            <p:ph type="pic" idx="1"/>
+          </p:nvPr>
+        </p:nvSpPr>
+        <p:spPr>
+          <a:xfrm>
+            <a:off x="648769" y="1143000"/>
+            <a:ext cx="3280974" cy="4572000"/>
+          </a:xfrm>
+        </p:spPr>
+      </p:sp>
+      <p:sp>
+        <p:nvSpPr>
+          <p:cNvPr id="4" name="Text Placeholder 3">
+            <a:extLst>
+              <a:ext uri="{FF2B5EF4-FFF2-40B4-BE49-F238E27FC236}">
+                <a16:creationId xmlns:a16="http://schemas.microsoft.com/office/drawing/2014/main" id="{ECB9FC8E-E131-4B4B-BC29-51DAB85B6226}"/>
+              </a:ext>
+            </a:extLst>
+          </p:cNvPr>
+          <p:cNvSpPr>
+            <a:spLocks noGrp="1"/>
+          </p:cNvSpPr>
+          <p:nvPr>
+            <p:ph type="body" sz="half" idx="2"/>
+          </p:nvPr>
+        </p:nvSpPr>
+        <p:spPr>
+          <a:xfrm>
+            <a:off x="5179932" y="3512977"/>
+            <a:ext cx="6164653" cy="1828800"/>
+          </a:xfrm>
+        </p:spPr>
+        <p:txBody>
+          <a:bodyPr/>
+          <a:lstStyle/>
+          <a:p>
+            <a:endParaRPr lang="en-US"/>
+          </a:p>
+        </p:txBody>
+      </p:sp>
+    </p:spTree>
+    <p:extLst>
+      <p:ext uri="{BB962C8B-B14F-4D97-AF65-F5344CB8AC3E}">
+        <p14:creationId xmlns:p14="http://schemas.microsoft.com/office/powerpoint/2010/main" val="364295835"/>
+      </p:ext>
+    </p:extLst>
+  </p:cSld>
+  <p:clrMapOvr>
+    <a:masterClrMapping/>
+  </p:clrMapOvr>
+</p:sld>
+</file>
+
+<file path=ppt/slides/slide9.xml><?xml version="1.0" encoding="utf-8"?>
+<p:sld xmlns:a="http://schemas.openxmlformats.org/drawingml/2006/main" xmlns:r="http://schemas.openxmlformats.org/officeDocument/2006/relationships" xmlns:p="http://schemas.openxmlformats.org/presentationml/2006/main">
+  <p:cSld>
+    <p:bg>
+      <p:bgPr>
+        <a:blipFill>
+          <a:blip r:embed="rId2"/>
+          <a:stretch/>
+        </a:blipFill>
+        <a:effectLst/>
+      </p:bgPr>
+    </p:bg>
+    <p:spTree>
+      <p:nvGrpSpPr>
+        <p:cNvPr id="1" name=""/>
+        <p:cNvGrpSpPr/>
+        <p:nvPr/>
+      </p:nvGrpSpPr>
+      <p:grpSpPr>
+        <a:xfrm>
+          <a:off x="0" y="0"/>
+          <a:ext cx="0" cy="0"/>
+          <a:chOff x="0" y="0"/>
+          <a:chExt cx="0" cy="0"/>
+        </a:xfrm>
+      </p:grpSpPr>
+      <p:pic>
+        <p:nvPicPr>
+          <p:cNvPr id="11" name="Picture 10">
+            <a:extLst>
+              <a:ext uri="{FF2B5EF4-FFF2-40B4-BE49-F238E27FC236}">
+                <a16:creationId xmlns:a16="http://schemas.microsoft.com/office/drawing/2014/main" id="{E99155B9-6320-4AB5-A815-8A2754562B94}"/>
+              </a:ext>
+              <a:ext uri="{C183D7F6-B498-43B3-948B-1728B52AA6E4}">
+                <adec:decorative xmlns:adec="http://schemas.microsoft.com/office/drawing/2017/decorative" val="1"/>
+              </a:ext>
+            </a:extLst>
+          </p:cNvPr>
+          <p:cNvPicPr>
+            <a:picLocks noGrp="1" noRot="1" noChangeAspect="1" noMove="1" noResize="1" noEditPoints="1" noAdjustHandles="1" noChangeArrowheads="1" noChangeShapeType="1" noCrop="1"/>
+          </p:cNvPicPr>
+          <p:nvPr>
+            <p:extLst>
+              <p:ext uri="{386F3935-93C4-4BCD-93E2-E3B085C9AB24}">
+                <p16:designElem xmlns:p16="http://schemas.microsoft.com/office/powerpoint/2015/main" val="1"/>
+              </p:ext>
+            </p:extLst>
+          </p:nvPr>
+        </p:nvPicPr>
+        <p:blipFill>
+          <a:blip r:embed="rId3">
+            <a:extLst>
+              <a:ext uri="{28A0092B-C50C-407E-A947-70E740481C1C}">
+                <a14:useLocalDpi xmlns:a14="http://schemas.microsoft.com/office/drawing/2010/main" val="0"/>
+              </a:ext>
+            </a:extLst>
+          </a:blip>
+          <a:stretch>
+            <a:fillRect/>
+          </a:stretch>
+        </p:blipFill>
+        <p:spPr>
+          <a:xfrm>
+            <a:off x="0" y="0"/>
+            <a:ext cx="12188825" cy="6856214"/>
+          </a:xfrm>
+          <a:prstGeom prst="rect">
+            <a:avLst/>
+          </a:prstGeom>
+        </p:spPr>
+      </p:pic>
+      <p:sp>
+        <p:nvSpPr>
+          <p:cNvPr id="2" name="Title 1">
+            <a:extLst>
+              <a:ext uri="{FF2B5EF4-FFF2-40B4-BE49-F238E27FC236}">
+                <a16:creationId xmlns:a16="http://schemas.microsoft.com/office/drawing/2014/main" id="{D59DC9EC-C110-49A3-ADE0-21EFB2B7D242}"/>
+              </a:ext>
+            </a:extLst>
+          </p:cNvPr>
+          <p:cNvSpPr>
+            <a:spLocks noGrp="1"/>
+          </p:cNvSpPr>
+          <p:nvPr>
+            <p:ph type="title"/>
+          </p:nvPr>
+        </p:nvSpPr>
+        <p:spPr>
+          <a:xfrm>
+            <a:off x="685801" y="609600"/>
+            <a:ext cx="5219699" cy="1456267"/>
+          </a:xfrm>
+        </p:spPr>
+        <p:txBody>
+          <a:bodyPr vert="horz" lIns="91440" tIns="45720" rIns="91440" bIns="45720" rtlCol="0" anchor="ctr">
+            <a:normAutofit/>
+          </a:bodyPr>
+          <a:lstStyle/>
+          <a:p>
+            <a:r>
+              <a:rPr lang="en-US" sz="4200" dirty="0"/>
+              <a:t>Unit testing</a:t>
+            </a:r>
+          </a:p>
+        </p:txBody>
+      </p:sp>
+      <p:sp>
+        <p:nvSpPr>
+          <p:cNvPr id="4" name="Text Placeholder 3">
+            <a:extLst>
+              <a:ext uri="{FF2B5EF4-FFF2-40B4-BE49-F238E27FC236}">
+                <a16:creationId xmlns:a16="http://schemas.microsoft.com/office/drawing/2014/main" id="{3C423849-E06A-4845-BE4A-F1E4571EC9A0}"/>
+              </a:ext>
+            </a:extLst>
+          </p:cNvPr>
+          <p:cNvSpPr>
+            <a:spLocks noGrp="1"/>
+          </p:cNvSpPr>
+          <p:nvPr>
+            <p:ph type="body" sz="half" idx="2"/>
+          </p:nvPr>
+        </p:nvSpPr>
+        <p:spPr>
+          <a:xfrm>
+            <a:off x="685801" y="2142067"/>
+            <a:ext cx="5219699" cy="3649133"/>
+          </a:xfrm>
+        </p:spPr>
+        <p:txBody>
+          <a:bodyPr vert="horz" lIns="91440" tIns="45720" rIns="91440" bIns="45720" rtlCol="0" anchor="ctr">
+            <a:normAutofit/>
+          </a:bodyPr>
+          <a:lstStyle/>
+          <a:p>
+            <a:pPr>
+              <a:buFont typeface="Arial"/>
+              <a:buChar char="•"/>
+            </a:pPr>
+            <a:r>
+              <a:rPr lang="en-US" sz="2200" dirty="0"/>
+              <a:t>Unity Test Runner allows a framework for isolating class functions and calling them with a wide variety of cases</a:t>
+            </a:r>
+          </a:p>
+          <a:p>
+            <a:pPr>
+              <a:buFont typeface="Arial"/>
+              <a:buChar char="•"/>
+            </a:pPr>
+            <a:r>
+              <a:rPr lang="en-US" sz="2200" dirty="0"/>
+              <a:t>Gives an obvious visual cue to what is working and what isn’t</a:t>
+            </a:r>
+          </a:p>
+          <a:p>
+            <a:pPr lvl="1">
+              <a:buFont typeface="Arial"/>
+              <a:buChar char="•"/>
+            </a:pPr>
+            <a:r>
+              <a:rPr lang="en-US" sz="1600" dirty="0"/>
+              <a:t>If a test does not pass, gives an indication of why it is not passing</a:t>
+            </a:r>
+          </a:p>
+        </p:txBody>
+      </p:sp>
+      <p:pic>
+        <p:nvPicPr>
+          <p:cNvPr id="6" name="Picture Placeholder 5" descr="A screenshot of a social media post&#10;&#10;Description automatically generated">
+            <a:extLst>
+              <a:ext uri="{FF2B5EF4-FFF2-40B4-BE49-F238E27FC236}">
+                <a16:creationId xmlns:a16="http://schemas.microsoft.com/office/drawing/2014/main" id="{D62AC079-2B00-4656-AC6B-ECFFA6F4F8E4}"/>
+              </a:ext>
+            </a:extLst>
+          </p:cNvPr>
+          <p:cNvPicPr>
+            <a:picLocks noGrp="1" noChangeAspect="1"/>
+          </p:cNvPicPr>
+          <p:nvPr>
+            <p:ph type="pic" idx="1"/>
+          </p:nvPr>
+        </p:nvPicPr>
+        <p:blipFill rotWithShape="1">
+          <a:blip r:embed="rId4"/>
+          <a:srcRect r="6111"/>
+          <a:stretch/>
+        </p:blipFill>
+        <p:spPr>
+          <a:xfrm>
+            <a:off x="6094412" y="609600"/>
+            <a:ext cx="5942362" cy="5727836"/>
+          </a:xfrm>
+          <a:prstGeom prst="roundRect">
+            <a:avLst>
+              <a:gd name="adj" fmla="val 4380"/>
+            </a:avLst>
+          </a:prstGeom>
+          <a:ln w="50800" cap="sq" cmpd="dbl">
+            <a:gradFill flip="none" rotWithShape="1">
+              <a:gsLst>
+                <a:gs pos="0">
+                  <a:srgbClr val="FFFFFF"/>
+                </a:gs>
+                <a:gs pos="100000">
+                  <a:schemeClr val="tx1">
+                    <a:alpha val="0"/>
+                  </a:schemeClr>
+                </a:gs>
+              </a:gsLst>
+              <a:path path="circle">
+                <a:fillToRect l="50000" t="50000" r="50000" b="50000"/>
+              </a:path>
+              <a:tileRect/>
+            </a:gradFill>
+            <a:miter lim="800000"/>
+          </a:ln>
+          <a:effectLst>
+            <a:outerShdw blurRad="254000" algn="tl" rotWithShape="0">
+              <a:srgbClr val="000000">
+                <a:alpha val="43000"/>
+              </a:srgbClr>
+            </a:outerShdw>
+          </a:effectLst>
+        </p:spPr>
+      </p:pic>
+    </p:spTree>
+    <p:extLst>
+      <p:ext uri="{BB962C8B-B14F-4D97-AF65-F5344CB8AC3E}">
+        <p14:creationId xmlns:p14="http://schemas.microsoft.com/office/powerpoint/2010/main" val="798476642"/>
       </p:ext>
     </p:extLst>
   </p:cSld>

--- a/PokemawnFinalPresentation.pptx
+++ b/PokemawnFinalPresentation.pptx
@@ -7,15 +7,16 @@
   <p:sldIdLst>
     <p:sldId id="256" r:id="rId2"/>
     <p:sldId id="257" r:id="rId3"/>
-    <p:sldId id="258" r:id="rId4"/>
-    <p:sldId id="259" r:id="rId5"/>
-    <p:sldId id="260" r:id="rId6"/>
-    <p:sldId id="261" r:id="rId7"/>
-    <p:sldId id="262" r:id="rId8"/>
-    <p:sldId id="263" r:id="rId9"/>
-    <p:sldId id="264" r:id="rId10"/>
-    <p:sldId id="265" r:id="rId11"/>
-    <p:sldId id="266" r:id="rId12"/>
+    <p:sldId id="267" r:id="rId4"/>
+    <p:sldId id="258" r:id="rId5"/>
+    <p:sldId id="259" r:id="rId6"/>
+    <p:sldId id="260" r:id="rId7"/>
+    <p:sldId id="261" r:id="rId8"/>
+    <p:sldId id="268" r:id="rId9"/>
+    <p:sldId id="263" r:id="rId10"/>
+    <p:sldId id="264" r:id="rId11"/>
+    <p:sldId id="265" r:id="rId12"/>
+    <p:sldId id="266" r:id="rId13"/>
   </p:sldIdLst>
   <p:sldSz cx="12192000" cy="6858000"/>
   <p:notesSz cx="6858000" cy="9144000"/>
@@ -6075,10 +6076,10 @@
       </p:grpSpPr>
       <p:pic>
         <p:nvPicPr>
-          <p:cNvPr id="105" name="Picture 104">
+          <p:cNvPr id="11" name="Picture 10">
             <a:extLst>
               <a:ext uri="{FF2B5EF4-FFF2-40B4-BE49-F238E27FC236}">
-                <a16:creationId xmlns:a16="http://schemas.microsoft.com/office/drawing/2014/main" id="{4432DA31-8308-4F44-87C4-068169AA4DCA}"/>
+                <a16:creationId xmlns:a16="http://schemas.microsoft.com/office/drawing/2014/main" id="{E99155B9-6320-4AB5-A815-8A2754562B94}"/>
               </a:ext>
               <a:ext uri="{C183D7F6-B498-43B3-948B-1728B52AA6E4}">
                 <adec:decorative xmlns:adec="http://schemas.microsoft.com/office/drawing/2017/decorative" val="1"/>
@@ -6123,7 +6124,7 @@
           <p:cNvPr id="2" name="Title 1">
             <a:extLst>
               <a:ext uri="{FF2B5EF4-FFF2-40B4-BE49-F238E27FC236}">
-                <a16:creationId xmlns:a16="http://schemas.microsoft.com/office/drawing/2014/main" id="{6A80A941-3DCD-43FA-B0E2-CF272CB1F238}"/>
+                <a16:creationId xmlns:a16="http://schemas.microsoft.com/office/drawing/2014/main" id="{D59DC9EC-C110-49A3-ADE0-21EFB2B7D242}"/>
               </a:ext>
             </a:extLst>
           </p:cNvPr>
@@ -6136,20 +6137,19 @@
         </p:nvSpPr>
         <p:spPr>
           <a:xfrm>
-            <a:off x="963610" y="206153"/>
-            <a:ext cx="10905069" cy="902480"/>
-          </a:xfrm>
-        </p:spPr>
-        <p:txBody>
-          <a:bodyPr vert="horz" lIns="91440" tIns="45720" rIns="91440" bIns="45720" rtlCol="0" anchor="b">
+            <a:off x="685801" y="609600"/>
+            <a:ext cx="5219699" cy="1456267"/>
+          </a:xfrm>
+        </p:spPr>
+        <p:txBody>
+          <a:bodyPr vert="horz" lIns="91440" tIns="45720" rIns="91440" bIns="45720" rtlCol="0" anchor="ctr">
             <a:normAutofit/>
           </a:bodyPr>
           <a:lstStyle/>
           <a:p>
-            <a:pPr algn="ctr"/>
-            <a:r>
-              <a:rPr lang="en-US" sz="4800"/>
-              <a:t>Supplemental UI classes</a:t>
+            <a:r>
+              <a:rPr lang="en-US" sz="4200" dirty="0"/>
+              <a:t>Unit testing</a:t>
             </a:r>
           </a:p>
         </p:txBody>
@@ -6159,7 +6159,7 @@
           <p:cNvPr id="4" name="Text Placeholder 3">
             <a:extLst>
               <a:ext uri="{FF2B5EF4-FFF2-40B4-BE49-F238E27FC236}">
-                <a16:creationId xmlns:a16="http://schemas.microsoft.com/office/drawing/2014/main" id="{99BF204D-350F-47C5-9758-BC60288674A1}"/>
+                <a16:creationId xmlns:a16="http://schemas.microsoft.com/office/drawing/2014/main" id="{3C423849-E06A-4845-BE4A-F1E4571EC9A0}"/>
               </a:ext>
             </a:extLst>
           </p:cNvPr>
@@ -6172,30 +6172,53 @@
         </p:nvSpPr>
         <p:spPr>
           <a:xfrm>
-            <a:off x="963610" y="974399"/>
-            <a:ext cx="10905069" cy="501994"/>
-          </a:xfrm>
-        </p:spPr>
-        <p:txBody>
-          <a:bodyPr vert="horz" lIns="91440" tIns="45720" rIns="91440" bIns="45720" rtlCol="0" anchor="t">
+            <a:off x="685801" y="2142067"/>
+            <a:ext cx="5219699" cy="3649133"/>
+          </a:xfrm>
+        </p:spPr>
+        <p:txBody>
+          <a:bodyPr vert="horz" lIns="91440" tIns="45720" rIns="91440" bIns="45720" rtlCol="0" anchor="ctr">
             <a:normAutofit/>
           </a:bodyPr>
           <a:lstStyle/>
           <a:p>
-            <a:pPr algn="ctr"/>
-            <a:r>
-              <a:rPr lang="en-US" sz="1800" cap="all" dirty="0"/>
-              <a:t>Allow for visualization and feedback of the system and its flow</a:t>
+            <a:pPr>
+              <a:buFont typeface="Arial"/>
+              <a:buChar char="•"/>
+            </a:pPr>
+            <a:r>
+              <a:rPr lang="en-US" sz="2200" dirty="0"/>
+              <a:t>Unity Test Runner allows a framework for isolating class functions and calling them with a wide variety of cases</a:t>
+            </a:r>
+          </a:p>
+          <a:p>
+            <a:pPr>
+              <a:buFont typeface="Arial"/>
+              <a:buChar char="•"/>
+            </a:pPr>
+            <a:r>
+              <a:rPr lang="en-US" sz="2200" dirty="0"/>
+              <a:t>Gives an obvious visual cue to what is working and what isn’t</a:t>
+            </a:r>
+          </a:p>
+          <a:p>
+            <a:pPr lvl="1">
+              <a:buFont typeface="Arial"/>
+              <a:buChar char="•"/>
+            </a:pPr>
+            <a:r>
+              <a:rPr lang="en-US" sz="1600" dirty="0"/>
+              <a:t>If a test does not pass, gives an indication of why it is not passing</a:t>
             </a:r>
           </a:p>
         </p:txBody>
       </p:sp>
       <p:pic>
         <p:nvPicPr>
-          <p:cNvPr id="6" name="Content Placeholder 5" descr="A screenshot of a cell phone&#10;&#10;Description automatically generated">
+          <p:cNvPr id="6" name="Picture Placeholder 5" descr="A screenshot of a social media post&#10;&#10;Description automatically generated">
             <a:extLst>
               <a:ext uri="{FF2B5EF4-FFF2-40B4-BE49-F238E27FC236}">
-                <a16:creationId xmlns:a16="http://schemas.microsoft.com/office/drawing/2014/main" id="{DA6ACD51-7826-4E3F-9110-0625DAF14C0B}"/>
+                <a16:creationId xmlns:a16="http://schemas.microsoft.com/office/drawing/2014/main" id="{D62AC079-2B00-4656-AC6B-ECFFA6F4F8E4}"/>
               </a:ext>
             </a:extLst>
           </p:cNvPr>
@@ -6203,19 +6226,18 @@
             <a:picLocks noGrp="1" noChangeAspect="1"/>
           </p:cNvPicPr>
           <p:nvPr>
-            <p:ph idx="1"/>
+            <p:ph type="pic" idx="1"/>
           </p:nvPr>
         </p:nvPicPr>
-        <p:blipFill>
+        <p:blipFill rotWithShape="1">
           <a:blip r:embed="rId4"/>
-          <a:stretch>
-            <a:fillRect/>
-          </a:stretch>
+          <a:srcRect r="6111"/>
+          <a:stretch/>
         </p:blipFill>
         <p:spPr>
           <a:xfrm>
-            <a:off x="305514" y="2118524"/>
-            <a:ext cx="5788898" cy="3314144"/>
+            <a:off x="6094412" y="609600"/>
+            <a:ext cx="5942362" cy="5727836"/>
           </a:xfrm>
           <a:prstGeom prst="roundRect">
             <a:avLst>
@@ -6250,6 +6272,222 @@
           </a:effectLst>
         </p:spPr>
       </p:pic>
+    </p:spTree>
+    <p:extLst>
+      <p:ext uri="{BB962C8B-B14F-4D97-AF65-F5344CB8AC3E}">
+        <p14:creationId xmlns:p14="http://schemas.microsoft.com/office/powerpoint/2010/main" val="798476642"/>
+      </p:ext>
+    </p:extLst>
+  </p:cSld>
+  <p:clrMapOvr>
+    <a:masterClrMapping/>
+  </p:clrMapOvr>
+</p:sld>
+</file>
+
+<file path=ppt/slides/slide11.xml><?xml version="1.0" encoding="utf-8"?>
+<p:sld xmlns:a="http://schemas.openxmlformats.org/drawingml/2006/main" xmlns:r="http://schemas.openxmlformats.org/officeDocument/2006/relationships" xmlns:p="http://schemas.openxmlformats.org/presentationml/2006/main">
+  <p:cSld>
+    <p:bg>
+      <p:bgPr>
+        <a:blipFill>
+          <a:blip r:embed="rId2"/>
+          <a:stretch/>
+        </a:blipFill>
+        <a:effectLst/>
+      </p:bgPr>
+    </p:bg>
+    <p:spTree>
+      <p:nvGrpSpPr>
+        <p:cNvPr id="1" name=""/>
+        <p:cNvGrpSpPr/>
+        <p:nvPr/>
+      </p:nvGrpSpPr>
+      <p:grpSpPr>
+        <a:xfrm>
+          <a:off x="0" y="0"/>
+          <a:ext cx="0" cy="0"/>
+          <a:chOff x="0" y="0"/>
+          <a:chExt cx="0" cy="0"/>
+        </a:xfrm>
+      </p:grpSpPr>
+      <p:pic>
+        <p:nvPicPr>
+          <p:cNvPr id="105" name="Picture 104">
+            <a:extLst>
+              <a:ext uri="{FF2B5EF4-FFF2-40B4-BE49-F238E27FC236}">
+                <a16:creationId xmlns:a16="http://schemas.microsoft.com/office/drawing/2014/main" id="{4432DA31-8308-4F44-87C4-068169AA4DCA}"/>
+              </a:ext>
+              <a:ext uri="{C183D7F6-B498-43B3-948B-1728B52AA6E4}">
+                <adec:decorative xmlns:adec="http://schemas.microsoft.com/office/drawing/2017/decorative" val="1"/>
+              </a:ext>
+            </a:extLst>
+          </p:cNvPr>
+          <p:cNvPicPr>
+            <a:picLocks noGrp="1" noRot="1" noChangeAspect="1" noMove="1" noResize="1" noEditPoints="1" noAdjustHandles="1" noChangeArrowheads="1" noChangeShapeType="1" noCrop="1"/>
+          </p:cNvPicPr>
+          <p:nvPr>
+            <p:extLst>
+              <p:ext uri="{386F3935-93C4-4BCD-93E2-E3B085C9AB24}">
+                <p16:designElem xmlns:p16="http://schemas.microsoft.com/office/powerpoint/2015/main" val="1"/>
+              </p:ext>
+            </p:extLst>
+          </p:nvPr>
+        </p:nvPicPr>
+        <p:blipFill>
+          <a:blip r:embed="rId3">
+            <a:extLst>
+              <a:ext uri="{28A0092B-C50C-407E-A947-70E740481C1C}">
+                <a14:useLocalDpi xmlns:a14="http://schemas.microsoft.com/office/drawing/2010/main" val="0"/>
+              </a:ext>
+            </a:extLst>
+          </a:blip>
+          <a:stretch>
+            <a:fillRect/>
+          </a:stretch>
+        </p:blipFill>
+        <p:spPr>
+          <a:xfrm>
+            <a:off x="0" y="0"/>
+            <a:ext cx="12188825" cy="6856214"/>
+          </a:xfrm>
+          <a:prstGeom prst="rect">
+            <a:avLst/>
+          </a:prstGeom>
+        </p:spPr>
+      </p:pic>
+      <p:sp>
+        <p:nvSpPr>
+          <p:cNvPr id="2" name="Title 1">
+            <a:extLst>
+              <a:ext uri="{FF2B5EF4-FFF2-40B4-BE49-F238E27FC236}">
+                <a16:creationId xmlns:a16="http://schemas.microsoft.com/office/drawing/2014/main" id="{6A80A941-3DCD-43FA-B0E2-CF272CB1F238}"/>
+              </a:ext>
+            </a:extLst>
+          </p:cNvPr>
+          <p:cNvSpPr>
+            <a:spLocks noGrp="1"/>
+          </p:cNvSpPr>
+          <p:nvPr>
+            <p:ph type="title"/>
+          </p:nvPr>
+        </p:nvSpPr>
+        <p:spPr>
+          <a:xfrm>
+            <a:off x="963610" y="206153"/>
+            <a:ext cx="10905069" cy="902480"/>
+          </a:xfrm>
+        </p:spPr>
+        <p:txBody>
+          <a:bodyPr vert="horz" lIns="91440" tIns="45720" rIns="91440" bIns="45720" rtlCol="0" anchor="b">
+            <a:normAutofit/>
+          </a:bodyPr>
+          <a:lstStyle/>
+          <a:p>
+            <a:pPr algn="ctr"/>
+            <a:r>
+              <a:rPr lang="en-US" sz="4800"/>
+              <a:t>Supplemental UI classes</a:t>
+            </a:r>
+          </a:p>
+        </p:txBody>
+      </p:sp>
+      <p:sp>
+        <p:nvSpPr>
+          <p:cNvPr id="4" name="Text Placeholder 3">
+            <a:extLst>
+              <a:ext uri="{FF2B5EF4-FFF2-40B4-BE49-F238E27FC236}">
+                <a16:creationId xmlns:a16="http://schemas.microsoft.com/office/drawing/2014/main" id="{99BF204D-350F-47C5-9758-BC60288674A1}"/>
+              </a:ext>
+            </a:extLst>
+          </p:cNvPr>
+          <p:cNvSpPr>
+            <a:spLocks noGrp="1"/>
+          </p:cNvSpPr>
+          <p:nvPr>
+            <p:ph type="body" sz="half" idx="2"/>
+          </p:nvPr>
+        </p:nvSpPr>
+        <p:spPr>
+          <a:xfrm>
+            <a:off x="963610" y="974399"/>
+            <a:ext cx="10905069" cy="501994"/>
+          </a:xfrm>
+        </p:spPr>
+        <p:txBody>
+          <a:bodyPr vert="horz" lIns="91440" tIns="45720" rIns="91440" bIns="45720" rtlCol="0" anchor="t">
+            <a:normAutofit/>
+          </a:bodyPr>
+          <a:lstStyle/>
+          <a:p>
+            <a:pPr algn="ctr"/>
+            <a:r>
+              <a:rPr lang="en-US" sz="1800" cap="all" dirty="0"/>
+              <a:t>Allow for visualization and feedback of the system and its flow</a:t>
+            </a:r>
+          </a:p>
+        </p:txBody>
+      </p:sp>
+      <p:pic>
+        <p:nvPicPr>
+          <p:cNvPr id="6" name="Content Placeholder 5" descr="A screenshot of a cell phone&#10;&#10;Description automatically generated">
+            <a:extLst>
+              <a:ext uri="{FF2B5EF4-FFF2-40B4-BE49-F238E27FC236}">
+                <a16:creationId xmlns:a16="http://schemas.microsoft.com/office/drawing/2014/main" id="{DA6ACD51-7826-4E3F-9110-0625DAF14C0B}"/>
+              </a:ext>
+            </a:extLst>
+          </p:cNvPr>
+          <p:cNvPicPr>
+            <a:picLocks noGrp="1" noChangeAspect="1"/>
+          </p:cNvPicPr>
+          <p:nvPr>
+            <p:ph idx="1"/>
+          </p:nvPr>
+        </p:nvPicPr>
+        <p:blipFill>
+          <a:blip r:embed="rId4"/>
+          <a:stretch>
+            <a:fillRect/>
+          </a:stretch>
+        </p:blipFill>
+        <p:spPr>
+          <a:xfrm>
+            <a:off x="305514" y="2118524"/>
+            <a:ext cx="5788898" cy="3314144"/>
+          </a:xfrm>
+          <a:prstGeom prst="roundRect">
+            <a:avLst>
+              <a:gd name="adj" fmla="val 4380"/>
+            </a:avLst>
+          </a:prstGeom>
+          <a:ln w="50800" cap="sq" cmpd="dbl">
+            <a:gradFill flip="none" rotWithShape="1">
+              <a:gsLst>
+                <a:gs pos="0">
+                  <a:srgbClr val="FFFFFF"/>
+                </a:gs>
+                <a:gs pos="100000">
+                  <a:schemeClr val="tx1">
+                    <a:alpha val="0"/>
+                  </a:schemeClr>
+                </a:gs>
+              </a:gsLst>
+              <a:path path="circle">
+                <a:fillToRect l="50000" t="50000" r="50000" b="50000"/>
+              </a:path>
+              <a:tileRect/>
+            </a:gradFill>
+            <a:miter lim="800000"/>
+          </a:ln>
+          <a:effectLst>
+            <a:outerShdw blurRad="254000" algn="tl" rotWithShape="0">
+              <a:srgbClr val="000000">
+                <a:alpha val="43000"/>
+              </a:srgbClr>
+            </a:outerShdw>
+          </a:effectLst>
+        </p:spPr>
+      </p:pic>
       <p:pic>
         <p:nvPicPr>
           <p:cNvPr id="8" name="Picture 7" descr="A screenshot of a cell phone&#10;&#10;Description automatically generated">
@@ -6323,7 +6561,7 @@
 </p:sld>
 </file>
 
-<file path=ppt/slides/slide11.xml><?xml version="1.0" encoding="utf-8"?>
+<file path=ppt/slides/slide12.xml><?xml version="1.0" encoding="utf-8"?>
 <p:sld xmlns:a="http://schemas.openxmlformats.org/drawingml/2006/main" xmlns:r="http://schemas.openxmlformats.org/officeDocument/2006/relationships" xmlns:p="http://schemas.openxmlformats.org/presentationml/2006/main">
   <p:cSld>
     <p:bg>
@@ -6895,6 +7133,15 @@
 <file path=ppt/slides/slide3.xml><?xml version="1.0" encoding="utf-8"?>
 <p:sld xmlns:a="http://schemas.openxmlformats.org/drawingml/2006/main" xmlns:r="http://schemas.openxmlformats.org/officeDocument/2006/relationships" xmlns:p="http://schemas.openxmlformats.org/presentationml/2006/main">
   <p:cSld>
+    <p:bg>
+      <p:bgPr>
+        <a:blipFill>
+          <a:blip r:embed="rId2"/>
+          <a:stretch/>
+        </a:blipFill>
+        <a:effectLst/>
+      </p:bgPr>
+    </p:bg>
     <p:spTree>
       <p:nvGrpSpPr>
         <p:cNvPr id="1" name=""/>
@@ -6909,12 +7156,57 @@
           <a:chExt cx="0" cy="0"/>
         </a:xfrm>
       </p:grpSpPr>
+      <p:pic>
+        <p:nvPicPr>
+          <p:cNvPr id="23" name="Picture 22">
+            <a:extLst>
+              <a:ext uri="{FF2B5EF4-FFF2-40B4-BE49-F238E27FC236}">
+                <a16:creationId xmlns:a16="http://schemas.microsoft.com/office/drawing/2014/main" id="{444CD034-B35E-41A8-B9F9-058152A0FF1D}"/>
+              </a:ext>
+              <a:ext uri="{C183D7F6-B498-43B3-948B-1728B52AA6E4}">
+                <adec:decorative xmlns:adec="http://schemas.microsoft.com/office/drawing/2017/decorative" val="1"/>
+              </a:ext>
+            </a:extLst>
+          </p:cNvPr>
+          <p:cNvPicPr>
+            <a:picLocks noGrp="1" noRot="1" noChangeAspect="1" noMove="1" noResize="1" noEditPoints="1" noAdjustHandles="1" noChangeArrowheads="1" noChangeShapeType="1" noCrop="1"/>
+          </p:cNvPicPr>
+          <p:nvPr>
+            <p:extLst>
+              <p:ext uri="{386F3935-93C4-4BCD-93E2-E3B085C9AB24}">
+                <p16:designElem xmlns:p16="http://schemas.microsoft.com/office/powerpoint/2015/main" val="1"/>
+              </p:ext>
+            </p:extLst>
+          </p:nvPr>
+        </p:nvPicPr>
+        <p:blipFill>
+          <a:blip r:embed="rId3">
+            <a:extLst>
+              <a:ext uri="{28A0092B-C50C-407E-A947-70E740481C1C}">
+                <a14:useLocalDpi xmlns:a14="http://schemas.microsoft.com/office/drawing/2010/main" val="0"/>
+              </a:ext>
+            </a:extLst>
+          </a:blip>
+          <a:stretch>
+            <a:fillRect/>
+          </a:stretch>
+        </p:blipFill>
+        <p:spPr>
+          <a:xfrm>
+            <a:off x="0" y="0"/>
+            <a:ext cx="12188825" cy="6856214"/>
+          </a:xfrm>
+          <a:prstGeom prst="rect">
+            <a:avLst/>
+          </a:prstGeom>
+        </p:spPr>
+      </p:pic>
       <p:sp>
         <p:nvSpPr>
           <p:cNvPr id="2" name="Title 1">
             <a:extLst>
               <a:ext uri="{FF2B5EF4-FFF2-40B4-BE49-F238E27FC236}">
-                <a16:creationId xmlns:a16="http://schemas.microsoft.com/office/drawing/2014/main" id="{878A7F65-EAA2-4F26-BC24-71FC7D422153}"/>
+                <a16:creationId xmlns:a16="http://schemas.microsoft.com/office/drawing/2014/main" id="{80DC0698-ABCF-4ABA-A324-F617588E002C}"/>
               </a:ext>
             </a:extLst>
           </p:cNvPr>
@@ -6927,33 +7219,29 @@
         </p:nvSpPr>
         <p:spPr>
           <a:xfrm>
-            <a:off x="592492" y="4978400"/>
-            <a:ext cx="10809515" cy="566738"/>
-          </a:xfrm>
-        </p:spPr>
-        <p:txBody>
-          <a:bodyPr>
+            <a:off x="650846" y="1030288"/>
+            <a:ext cx="4812897" cy="1035579"/>
+          </a:xfrm>
+        </p:spPr>
+        <p:txBody>
+          <a:bodyPr vert="horz" lIns="91440" tIns="45720" rIns="91440" bIns="45720" rtlCol="0" anchor="ctr">
             <a:normAutofit/>
           </a:bodyPr>
           <a:lstStyle/>
           <a:p>
             <a:r>
-              <a:rPr lang="en-US" sz="2600" dirty="0" err="1"/>
-              <a:t>Uml</a:t>
-            </a:r>
-            <a:r>
-              <a:rPr lang="en-US" sz="2600" dirty="0"/>
-              <a:t> Class Diagram and design modifications</a:t>
-            </a:r>
-          </a:p>
-        </p:txBody>
-      </p:sp>
-      <p:sp>
-        <p:nvSpPr>
-          <p:cNvPr id="4" name="Text Placeholder 3">
+              <a:rPr lang="en-US" sz="4200" dirty="0"/>
+              <a:t>System overview</a:t>
+            </a:r>
+          </a:p>
+        </p:txBody>
+      </p:sp>
+      <p:sp>
+        <p:nvSpPr>
+          <p:cNvPr id="3" name="Content Placeholder 2">
             <a:extLst>
               <a:ext uri="{FF2B5EF4-FFF2-40B4-BE49-F238E27FC236}">
-                <a16:creationId xmlns:a16="http://schemas.microsoft.com/office/drawing/2014/main" id="{E8BB5309-2402-41D8-8673-D320B101D4D0}"/>
+                <a16:creationId xmlns:a16="http://schemas.microsoft.com/office/drawing/2014/main" id="{6DAEEE23-DD6D-4BCF-B6EB-08971BD56A16}"/>
               </a:ext>
             </a:extLst>
           </p:cNvPr>
@@ -6961,84 +7249,171 @@
             <a:spLocks noGrp="1"/>
           </p:cNvSpPr>
           <p:nvPr>
-            <p:ph type="body" sz="half" idx="2"/>
-          </p:nvPr>
-        </p:nvSpPr>
-        <p:spPr>
-          <a:xfrm>
-            <a:off x="352901" y="5569617"/>
-            <a:ext cx="11636936" cy="963070"/>
-          </a:xfrm>
-        </p:spPr>
-        <p:txBody>
-          <a:bodyPr numCol="2">
-            <a:noAutofit/>
+            <p:ph sz="half" idx="1"/>
+          </p:nvPr>
+        </p:nvSpPr>
+        <p:spPr>
+          <a:xfrm>
+            <a:off x="650846" y="2142067"/>
+            <a:ext cx="4812897" cy="3649133"/>
+          </a:xfrm>
+        </p:spPr>
+        <p:txBody>
+          <a:bodyPr vert="horz" lIns="91440" tIns="45720" rIns="91440" bIns="45720" rtlCol="0" anchor="ctr">
+            <a:normAutofit/>
           </a:bodyPr>
           <a:lstStyle/>
           <a:p>
-            <a:pPr marL="285750" indent="-285750">
-              <a:buFont typeface="Arial" panose="020B0604020202020204" pitchFamily="34" charset="0"/>
-              <a:buChar char="•"/>
+            <a:pPr marL="0" indent="0">
+              <a:buNone/>
             </a:pPr>
             <a:r>
+              <a:rPr lang="en-US" sz="3000" dirty="0"/>
+              <a:t>Three Primary Components</a:t>
+            </a:r>
+          </a:p>
+          <a:p>
+            <a:r>
+              <a:rPr lang="en-US" sz="2200" dirty="0"/>
+              <a:t>Creature class</a:t>
+            </a:r>
+          </a:p>
+          <a:p>
+            <a:pPr lvl="1"/>
+            <a:r>
               <a:rPr lang="en-US" sz="2000" dirty="0"/>
-              <a:t>Fundamentals of system remain</a:t>
-            </a:r>
-          </a:p>
-          <a:p>
-            <a:pPr marL="285750" indent="-285750">
-              <a:buFont typeface="Arial" panose="020B0604020202020204" pitchFamily="34" charset="0"/>
-              <a:buChar char="•"/>
-            </a:pPr>
+              <a:t>The primary actors in the system</a:t>
+            </a:r>
+          </a:p>
+          <a:p>
+            <a:r>
+              <a:rPr lang="en-US" sz="2200" dirty="0"/>
+              <a:t>Battle Class</a:t>
+            </a:r>
+          </a:p>
+          <a:p>
+            <a:pPr lvl="1"/>
             <a:r>
               <a:rPr lang="en-US" sz="2000" dirty="0"/>
-              <a:t>Primary additions are the controllers</a:t>
-            </a:r>
-          </a:p>
-          <a:p>
-            <a:pPr marL="285750" indent="-285750">
-              <a:buFont typeface="Arial" panose="020B0604020202020204" pitchFamily="34" charset="0"/>
-              <a:buChar char="•"/>
-            </a:pPr>
-            <a:endParaRPr lang="en-US" sz="2000" dirty="0"/>
-          </a:p>
-          <a:p>
-            <a:pPr marL="285750" indent="-285750">
-              <a:buFont typeface="Arial" panose="020B0604020202020204" pitchFamily="34" charset="0"/>
-              <a:buChar char="•"/>
-            </a:pPr>
-            <a:r>
-              <a:rPr lang="en-US" sz="2000" dirty="0" err="1"/>
-              <a:t>DataController</a:t>
-            </a:r>
+              <a:t>Determines how they interact</a:t>
+            </a:r>
+          </a:p>
+          <a:p>
+            <a:r>
+              <a:rPr lang="en-US" sz="2200" dirty="0" err="1"/>
+              <a:t>Dex</a:t>
+            </a:r>
+            <a:r>
+              <a:rPr lang="en-US" sz="2200" dirty="0"/>
+              <a:t> class</a:t>
+            </a:r>
+          </a:p>
+          <a:p>
+            <a:pPr lvl="1"/>
             <a:r>
               <a:rPr lang="en-US" sz="2000" dirty="0"/>
-              <a:t> handles loading the </a:t>
-            </a:r>
-            <a:r>
-              <a:rPr lang="en-US" sz="2000" dirty="0" err="1"/>
-              <a:t>Dex</a:t>
-            </a:r>
-            <a:r>
-              <a:rPr lang="en-US" sz="2000" dirty="0"/>
-              <a:t> to the program</a:t>
-            </a:r>
-          </a:p>
-          <a:p>
-            <a:pPr marL="285750" indent="-285750">
-              <a:buFont typeface="Arial" panose="020B0604020202020204" pitchFamily="34" charset="0"/>
-              <a:buChar char="•"/>
-            </a:pPr>
-            <a:endParaRPr lang="en-US" sz="2000" dirty="0"/>
+              <a:t>Determines how they are organized</a:t>
+            </a:r>
+          </a:p>
+          <a:p>
+            <a:endParaRPr lang="en-US" dirty="0"/>
+          </a:p>
+        </p:txBody>
+      </p:sp>
+      <p:sp>
+        <p:nvSpPr>
+          <p:cNvPr id="25" name="Rounded Rectangle 24">
+            <a:extLst>
+              <a:ext uri="{FF2B5EF4-FFF2-40B4-BE49-F238E27FC236}">
+                <a16:creationId xmlns:a16="http://schemas.microsoft.com/office/drawing/2014/main" id="{075F36BE-6B40-4A32-A0C8-5045CC8D6BE4}"/>
+              </a:ext>
+              <a:ext uri="{C183D7F6-B498-43B3-948B-1728B52AA6E4}">
+                <adec:decorative xmlns:adec="http://schemas.microsoft.com/office/drawing/2017/decorative" val="1"/>
+              </a:ext>
+            </a:extLst>
+          </p:cNvPr>
+          <p:cNvSpPr>
+            <a:spLocks noGrp="1" noRot="1" noChangeAspect="1" noMove="1" noResize="1" noEditPoints="1" noAdjustHandles="1" noChangeArrowheads="1" noChangeShapeType="1" noTextEdit="1"/>
+          </p:cNvSpPr>
+          <p:nvPr>
+            <p:extLst>
+              <p:ext uri="{386F3935-93C4-4BCD-93E2-E3B085C9AB24}">
+                <p16:designElem xmlns:p16="http://schemas.microsoft.com/office/powerpoint/2015/main" val="1"/>
+              </p:ext>
+            </p:extLst>
+          </p:nvPr>
+        </p:nvSpPr>
+        <p:spPr>
+          <a:xfrm>
+            <a:off x="6094576" y="620116"/>
+            <a:ext cx="2627580" cy="2711655"/>
+          </a:xfrm>
+          <a:prstGeom prst="roundRect">
+            <a:avLst>
+              <a:gd name="adj" fmla="val 7505"/>
+            </a:avLst>
+          </a:prstGeom>
+          <a:solidFill>
+            <a:schemeClr val="tx1"/>
+          </a:solidFill>
+          <a:ln w="50800" cap="sq" cmpd="dbl">
+            <a:gradFill flip="none" rotWithShape="1">
+              <a:gsLst>
+                <a:gs pos="0">
+                  <a:srgbClr val="FFFFFF"/>
+                </a:gs>
+                <a:gs pos="100000">
+                  <a:schemeClr val="tx1">
+                    <a:alpha val="0"/>
+                  </a:schemeClr>
+                </a:gs>
+              </a:gsLst>
+              <a:path path="circle">
+                <a:fillToRect l="50000" t="50000" r="50000" b="50000"/>
+              </a:path>
+              <a:tileRect/>
+            </a:gradFill>
+            <a:miter lim="800000"/>
+          </a:ln>
+          <a:effectLst>
+            <a:outerShdw blurRad="254000" algn="tl" rotWithShape="0">
+              <a:srgbClr val="000000">
+                <a:alpha val="43000"/>
+              </a:srgbClr>
+            </a:outerShdw>
+          </a:effectLst>
+        </p:spPr>
+        <p:style>
+          <a:lnRef idx="2">
+            <a:schemeClr val="accent1">
+              <a:shade val="50000"/>
+            </a:schemeClr>
+          </a:lnRef>
+          <a:fillRef idx="1">
+            <a:schemeClr val="accent1"/>
+          </a:fillRef>
+          <a:effectRef idx="0">
+            <a:schemeClr val="accent1"/>
+          </a:effectRef>
+          <a:fontRef idx="minor">
+            <a:schemeClr val="lt1"/>
+          </a:fontRef>
+        </p:style>
+        <p:txBody>
+          <a:bodyPr rtlCol="0" anchor="ctr"/>
+          <a:lstStyle/>
+          <a:p>
+            <a:pPr algn="ctr"/>
+            <a:endParaRPr lang="en-US"/>
           </a:p>
         </p:txBody>
       </p:sp>
       <p:pic>
         <p:nvPicPr>
-          <p:cNvPr id="16" name="Picture 15">
+          <p:cNvPr id="9" name="Picture 8">
             <a:extLst>
               <a:ext uri="{FF2B5EF4-FFF2-40B4-BE49-F238E27FC236}">
-                <a16:creationId xmlns:a16="http://schemas.microsoft.com/office/drawing/2014/main" id="{5F92B40B-A2A4-472D-B9FD-C7D662D19E9E}"/>
+                <a16:creationId xmlns:a16="http://schemas.microsoft.com/office/drawing/2014/main" id="{A1720C6B-F60B-4C0B-A78C-3A524D843741}"/>
               </a:ext>
             </a:extLst>
           </p:cNvPr>
@@ -7048,24 +7423,431 @@
           <p:nvPr/>
         </p:nvPicPr>
         <p:blipFill>
-          <a:blip r:embed="rId2"/>
-          <a:srcRect/>
-          <a:stretch/>
+          <a:blip r:embed="rId4">
+            <a:extLst>
+              <a:ext uri="{837473B0-CC2E-450A-ABE3-18F120FF3D39}">
+                <a1611:picAttrSrcUrl xmlns:a1611="http://schemas.microsoft.com/office/drawing/2016/11/main" r:id="rId5"/>
+              </a:ext>
+            </a:extLst>
+          </a:blip>
+          <a:stretch>
+            <a:fillRect/>
+          </a:stretch>
         </p:blipFill>
         <p:spPr>
           <a:xfrm>
-            <a:off x="-3174" y="0"/>
-            <a:ext cx="12195174" cy="5091374"/>
-          </a:xfrm>
-          <a:prstGeom prst="rect">
-            <a:avLst/>
+            <a:off x="6208876" y="786542"/>
+            <a:ext cx="2398979" cy="2380986"/>
+          </a:xfrm>
+          <a:prstGeom prst="roundRect">
+            <a:avLst>
+              <a:gd name="adj" fmla="val 5453"/>
+            </a:avLst>
           </a:prstGeom>
+          <a:ln w="50800" cap="sq" cmpd="dbl">
+            <a:noFill/>
+            <a:miter lim="800000"/>
+          </a:ln>
+          <a:effectLst/>
+        </p:spPr>
+      </p:pic>
+      <p:sp>
+        <p:nvSpPr>
+          <p:cNvPr id="27" name="Rounded Rectangle 26">
+            <a:extLst>
+              <a:ext uri="{FF2B5EF4-FFF2-40B4-BE49-F238E27FC236}">
+                <a16:creationId xmlns:a16="http://schemas.microsoft.com/office/drawing/2014/main" id="{3CC3BE97-EFB6-4609-B44A-E912DC9C2E61}"/>
+              </a:ext>
+              <a:ext uri="{C183D7F6-B498-43B3-948B-1728B52AA6E4}">
+                <adec:decorative xmlns:adec="http://schemas.microsoft.com/office/drawing/2017/decorative" val="1"/>
+              </a:ext>
+            </a:extLst>
+          </p:cNvPr>
+          <p:cNvSpPr>
+            <a:spLocks noGrp="1" noRot="1" noChangeAspect="1" noMove="1" noResize="1" noEditPoints="1" noAdjustHandles="1" noChangeArrowheads="1" noChangeShapeType="1" noTextEdit="1"/>
+          </p:cNvSpPr>
+          <p:nvPr>
+            <p:extLst>
+              <p:ext uri="{386F3935-93C4-4BCD-93E2-E3B085C9AB24}">
+                <p16:designElem xmlns:p16="http://schemas.microsoft.com/office/powerpoint/2015/main" val="1"/>
+              </p:ext>
+            </p:extLst>
+          </p:nvPr>
+        </p:nvSpPr>
+        <p:spPr>
+          <a:xfrm>
+            <a:off x="8905509" y="620116"/>
+            <a:ext cx="2627580" cy="2711655"/>
+          </a:xfrm>
+          <a:prstGeom prst="roundRect">
+            <a:avLst>
+              <a:gd name="adj" fmla="val 7505"/>
+            </a:avLst>
+          </a:prstGeom>
+          <a:solidFill>
+            <a:schemeClr val="tx1"/>
+          </a:solidFill>
+          <a:ln w="50800" cap="sq" cmpd="dbl">
+            <a:gradFill flip="none" rotWithShape="1">
+              <a:gsLst>
+                <a:gs pos="0">
+                  <a:srgbClr val="FFFFFF"/>
+                </a:gs>
+                <a:gs pos="100000">
+                  <a:schemeClr val="tx1">
+                    <a:alpha val="0"/>
+                  </a:schemeClr>
+                </a:gs>
+              </a:gsLst>
+              <a:path path="circle">
+                <a:fillToRect l="50000" t="50000" r="50000" b="50000"/>
+              </a:path>
+              <a:tileRect/>
+            </a:gradFill>
+            <a:miter lim="800000"/>
+          </a:ln>
+          <a:effectLst>
+            <a:outerShdw blurRad="254000" algn="tl" rotWithShape="0">
+              <a:srgbClr val="000000">
+                <a:alpha val="43000"/>
+              </a:srgbClr>
+            </a:outerShdw>
+          </a:effectLst>
+        </p:spPr>
+        <p:style>
+          <a:lnRef idx="2">
+            <a:schemeClr val="accent1">
+              <a:shade val="50000"/>
+            </a:schemeClr>
+          </a:lnRef>
+          <a:fillRef idx="1">
+            <a:schemeClr val="accent1"/>
+          </a:fillRef>
+          <a:effectRef idx="0">
+            <a:schemeClr val="accent1"/>
+          </a:effectRef>
+          <a:fontRef idx="minor">
+            <a:schemeClr val="lt1"/>
+          </a:fontRef>
+        </p:style>
+        <p:txBody>
+          <a:bodyPr rtlCol="0" anchor="ctr"/>
+          <a:lstStyle/>
+          <a:p>
+            <a:pPr algn="ctr"/>
+            <a:endParaRPr lang="en-US"/>
+          </a:p>
+        </p:txBody>
+      </p:sp>
+      <p:pic>
+        <p:nvPicPr>
+          <p:cNvPr id="18" name="Picture 17" descr="A picture containing boxing, sport&#10;&#10;Description automatically generated">
+            <a:extLst>
+              <a:ext uri="{FF2B5EF4-FFF2-40B4-BE49-F238E27FC236}">
+                <a16:creationId xmlns:a16="http://schemas.microsoft.com/office/drawing/2014/main" id="{D19B0E84-F777-434A-BD3E-E7514C722B7B}"/>
+              </a:ext>
+            </a:extLst>
+          </p:cNvPr>
+          <p:cNvPicPr>
+            <a:picLocks noChangeAspect="1"/>
+          </p:cNvPicPr>
+          <p:nvPr/>
+        </p:nvPicPr>
+        <p:blipFill>
+          <a:blip r:embed="rId6">
+            <a:extLst>
+              <a:ext uri="{837473B0-CC2E-450A-ABE3-18F120FF3D39}">
+                <a1611:picAttrSrcUrl xmlns:a1611="http://schemas.microsoft.com/office/drawing/2016/11/main" r:id="rId7"/>
+              </a:ext>
+            </a:extLst>
+          </a:blip>
+          <a:stretch>
+            <a:fillRect/>
+          </a:stretch>
+        </p:blipFill>
+        <p:spPr>
+          <a:xfrm>
+            <a:off x="9019809" y="1158336"/>
+            <a:ext cx="2398979" cy="1637398"/>
+          </a:xfrm>
+          <a:prstGeom prst="roundRect">
+            <a:avLst>
+              <a:gd name="adj" fmla="val 5453"/>
+            </a:avLst>
+          </a:prstGeom>
+          <a:ln w="50800" cap="sq" cmpd="dbl">
+            <a:noFill/>
+            <a:miter lim="800000"/>
+          </a:ln>
+          <a:effectLst/>
+        </p:spPr>
+      </p:pic>
+      <p:sp>
+        <p:nvSpPr>
+          <p:cNvPr id="29" name="Rounded Rectangle 20">
+            <a:extLst>
+              <a:ext uri="{FF2B5EF4-FFF2-40B4-BE49-F238E27FC236}">
+                <a16:creationId xmlns:a16="http://schemas.microsoft.com/office/drawing/2014/main" id="{54B3A36E-7A60-41B8-8CA8-D78446EA7F4E}"/>
+              </a:ext>
+              <a:ext uri="{C183D7F6-B498-43B3-948B-1728B52AA6E4}">
+                <adec:decorative xmlns:adec="http://schemas.microsoft.com/office/drawing/2017/decorative" val="1"/>
+              </a:ext>
+            </a:extLst>
+          </p:cNvPr>
+          <p:cNvSpPr>
+            <a:spLocks noGrp="1" noRot="1" noChangeAspect="1" noMove="1" noResize="1" noEditPoints="1" noAdjustHandles="1" noChangeArrowheads="1" noChangeShapeType="1" noTextEdit="1"/>
+          </p:cNvSpPr>
+          <p:nvPr>
+            <p:extLst>
+              <p:ext uri="{386F3935-93C4-4BCD-93E2-E3B085C9AB24}">
+                <p16:designElem xmlns:p16="http://schemas.microsoft.com/office/powerpoint/2015/main" val="1"/>
+              </p:ext>
+            </p:extLst>
+          </p:nvPr>
+        </p:nvSpPr>
+        <p:spPr>
+          <a:xfrm>
+            <a:off x="6094576" y="3515716"/>
+            <a:ext cx="2627580" cy="2711655"/>
+          </a:xfrm>
+          <a:prstGeom prst="roundRect">
+            <a:avLst>
+              <a:gd name="adj" fmla="val 7505"/>
+            </a:avLst>
+          </a:prstGeom>
+          <a:solidFill>
+            <a:schemeClr val="tx1"/>
+          </a:solidFill>
+          <a:ln w="50800" cap="sq" cmpd="dbl">
+            <a:gradFill flip="none" rotWithShape="1">
+              <a:gsLst>
+                <a:gs pos="0">
+                  <a:srgbClr val="FFFFFF"/>
+                </a:gs>
+                <a:gs pos="100000">
+                  <a:schemeClr val="tx1">
+                    <a:alpha val="0"/>
+                  </a:schemeClr>
+                </a:gs>
+              </a:gsLst>
+              <a:path path="circle">
+                <a:fillToRect l="50000" t="50000" r="50000" b="50000"/>
+              </a:path>
+              <a:tileRect/>
+            </a:gradFill>
+            <a:miter lim="800000"/>
+          </a:ln>
+          <a:effectLst>
+            <a:outerShdw blurRad="254000" algn="tl" rotWithShape="0">
+              <a:srgbClr val="000000">
+                <a:alpha val="43000"/>
+              </a:srgbClr>
+            </a:outerShdw>
+          </a:effectLst>
+        </p:spPr>
+        <p:style>
+          <a:lnRef idx="2">
+            <a:schemeClr val="accent1">
+              <a:shade val="50000"/>
+            </a:schemeClr>
+          </a:lnRef>
+          <a:fillRef idx="1">
+            <a:schemeClr val="accent1"/>
+          </a:fillRef>
+          <a:effectRef idx="0">
+            <a:schemeClr val="accent1"/>
+          </a:effectRef>
+          <a:fontRef idx="minor">
+            <a:schemeClr val="lt1"/>
+          </a:fontRef>
+        </p:style>
+        <p:txBody>
+          <a:bodyPr rtlCol="0" anchor="ctr"/>
+          <a:lstStyle/>
+          <a:p>
+            <a:pPr algn="ctr"/>
+            <a:endParaRPr lang="en-US"/>
+          </a:p>
+        </p:txBody>
+      </p:sp>
+      <p:pic>
+        <p:nvPicPr>
+          <p:cNvPr id="15" name="Picture 14" descr="A picture containing boxing, sport, red&#10;&#10;Description automatically generated">
+            <a:extLst>
+              <a:ext uri="{FF2B5EF4-FFF2-40B4-BE49-F238E27FC236}">
+                <a16:creationId xmlns:a16="http://schemas.microsoft.com/office/drawing/2014/main" id="{EF346F92-BEA4-4A7A-A433-F63C898B8C14}"/>
+              </a:ext>
+            </a:extLst>
+          </p:cNvPr>
+          <p:cNvPicPr>
+            <a:picLocks noChangeAspect="1"/>
+          </p:cNvPicPr>
+          <p:nvPr/>
+        </p:nvPicPr>
+        <p:blipFill>
+          <a:blip r:embed="rId8">
+            <a:extLst>
+              <a:ext uri="{837473B0-CC2E-450A-ABE3-18F120FF3D39}">
+                <a1611:picAttrSrcUrl xmlns:a1611="http://schemas.microsoft.com/office/drawing/2016/11/main" r:id="rId9"/>
+              </a:ext>
+            </a:extLst>
+          </a:blip>
+          <a:stretch>
+            <a:fillRect/>
+          </a:stretch>
+        </p:blipFill>
+        <p:spPr>
+          <a:xfrm>
+            <a:off x="6208876" y="4075036"/>
+            <a:ext cx="2398979" cy="1840572"/>
+          </a:xfrm>
+          <a:prstGeom prst="roundRect">
+            <a:avLst>
+              <a:gd name="adj" fmla="val 5453"/>
+            </a:avLst>
+          </a:prstGeom>
+          <a:ln w="50800" cap="sq" cmpd="dbl">
+            <a:noFill/>
+            <a:miter lim="800000"/>
+          </a:ln>
+          <a:effectLst/>
+        </p:spPr>
+      </p:pic>
+      <p:sp>
+        <p:nvSpPr>
+          <p:cNvPr id="31" name="Rounded Rectangle 22">
+            <a:extLst>
+              <a:ext uri="{FF2B5EF4-FFF2-40B4-BE49-F238E27FC236}">
+                <a16:creationId xmlns:a16="http://schemas.microsoft.com/office/drawing/2014/main" id="{38A5D8E4-17BE-440B-935D-D1BC0000DEF3}"/>
+              </a:ext>
+              <a:ext uri="{C183D7F6-B498-43B3-948B-1728B52AA6E4}">
+                <adec:decorative xmlns:adec="http://schemas.microsoft.com/office/drawing/2017/decorative" val="1"/>
+              </a:ext>
+            </a:extLst>
+          </p:cNvPr>
+          <p:cNvSpPr>
+            <a:spLocks noGrp="1" noRot="1" noChangeAspect="1" noMove="1" noResize="1" noEditPoints="1" noAdjustHandles="1" noChangeArrowheads="1" noChangeShapeType="1" noTextEdit="1"/>
+          </p:cNvSpPr>
+          <p:nvPr>
+            <p:extLst>
+              <p:ext uri="{386F3935-93C4-4BCD-93E2-E3B085C9AB24}">
+                <p16:designElem xmlns:p16="http://schemas.microsoft.com/office/powerpoint/2015/main" val="1"/>
+              </p:ext>
+            </p:extLst>
+          </p:nvPr>
+        </p:nvSpPr>
+        <p:spPr>
+          <a:xfrm>
+            <a:off x="8905509" y="3515716"/>
+            <a:ext cx="2627580" cy="2711655"/>
+          </a:xfrm>
+          <a:prstGeom prst="roundRect">
+            <a:avLst>
+              <a:gd name="adj" fmla="val 7505"/>
+            </a:avLst>
+          </a:prstGeom>
+          <a:solidFill>
+            <a:schemeClr val="tx1"/>
+          </a:solidFill>
+          <a:ln w="50800" cap="sq" cmpd="dbl">
+            <a:gradFill flip="none" rotWithShape="1">
+              <a:gsLst>
+                <a:gs pos="0">
+                  <a:srgbClr val="FFFFFF"/>
+                </a:gs>
+                <a:gs pos="100000">
+                  <a:schemeClr val="tx1">
+                    <a:alpha val="0"/>
+                  </a:schemeClr>
+                </a:gs>
+              </a:gsLst>
+              <a:path path="circle">
+                <a:fillToRect l="50000" t="50000" r="50000" b="50000"/>
+              </a:path>
+              <a:tileRect/>
+            </a:gradFill>
+            <a:miter lim="800000"/>
+          </a:ln>
+          <a:effectLst>
+            <a:outerShdw blurRad="254000" algn="tl" rotWithShape="0">
+              <a:srgbClr val="000000">
+                <a:alpha val="43000"/>
+              </a:srgbClr>
+            </a:outerShdw>
+          </a:effectLst>
+        </p:spPr>
+        <p:style>
+          <a:lnRef idx="2">
+            <a:schemeClr val="accent1">
+              <a:shade val="50000"/>
+            </a:schemeClr>
+          </a:lnRef>
+          <a:fillRef idx="1">
+            <a:schemeClr val="accent1"/>
+          </a:fillRef>
+          <a:effectRef idx="0">
+            <a:schemeClr val="accent1"/>
+          </a:effectRef>
+          <a:fontRef idx="minor">
+            <a:schemeClr val="lt1"/>
+          </a:fontRef>
+        </p:style>
+        <p:txBody>
+          <a:bodyPr rtlCol="0" anchor="ctr"/>
+          <a:lstStyle/>
+          <a:p>
+            <a:pPr algn="ctr"/>
+            <a:endParaRPr lang="en-US"/>
+          </a:p>
+        </p:txBody>
+      </p:sp>
+      <p:pic>
+        <p:nvPicPr>
+          <p:cNvPr id="6" name="Picture 5" descr="A picture containing cake, indoor, table&#10;&#10;Description automatically generated">
+            <a:extLst>
+              <a:ext uri="{FF2B5EF4-FFF2-40B4-BE49-F238E27FC236}">
+                <a16:creationId xmlns:a16="http://schemas.microsoft.com/office/drawing/2014/main" id="{2BF31977-536F-429C-A0FC-8E34A69662D7}"/>
+              </a:ext>
+            </a:extLst>
+          </p:cNvPr>
+          <p:cNvPicPr>
+            <a:picLocks noChangeAspect="1"/>
+          </p:cNvPicPr>
+          <p:nvPr/>
+        </p:nvPicPr>
+        <p:blipFill>
+          <a:blip r:embed="rId10">
+            <a:extLst>
+              <a:ext uri="{837473B0-CC2E-450A-ABE3-18F120FF3D39}">
+                <a1611:picAttrSrcUrl xmlns:a1611="http://schemas.microsoft.com/office/drawing/2016/11/main" r:id="rId11"/>
+              </a:ext>
+            </a:extLst>
+          </a:blip>
+          <a:stretch>
+            <a:fillRect/>
+          </a:stretch>
+        </p:blipFill>
+        <p:spPr>
+          <a:xfrm>
+            <a:off x="8905509" y="4330669"/>
+            <a:ext cx="2562519" cy="1329306"/>
+          </a:xfrm>
+          <a:prstGeom prst="roundRect">
+            <a:avLst>
+              <a:gd name="adj" fmla="val 5453"/>
+            </a:avLst>
+          </a:prstGeom>
+          <a:ln w="50800" cap="sq" cmpd="dbl">
+            <a:noFill/>
+            <a:miter lim="800000"/>
+          </a:ln>
+          <a:effectLst/>
         </p:spPr>
       </p:pic>
     </p:spTree>
     <p:extLst>
       <p:ext uri="{BB962C8B-B14F-4D97-AF65-F5344CB8AC3E}">
-        <p14:creationId xmlns:p14="http://schemas.microsoft.com/office/powerpoint/2010/main" val="3312563152"/>
+        <p14:creationId xmlns:p14="http://schemas.microsoft.com/office/powerpoint/2010/main" val="969164510"/>
       </p:ext>
     </p:extLst>
   </p:cSld>
@@ -7097,6 +7879,189 @@
           <p:cNvPr id="2" name="Title 1">
             <a:extLst>
               <a:ext uri="{FF2B5EF4-FFF2-40B4-BE49-F238E27FC236}">
+                <a16:creationId xmlns:a16="http://schemas.microsoft.com/office/drawing/2014/main" id="{878A7F65-EAA2-4F26-BC24-71FC7D422153}"/>
+              </a:ext>
+            </a:extLst>
+          </p:cNvPr>
+          <p:cNvSpPr>
+            <a:spLocks noGrp="1"/>
+          </p:cNvSpPr>
+          <p:nvPr>
+            <p:ph type="title"/>
+          </p:nvPr>
+        </p:nvSpPr>
+        <p:spPr>
+          <a:xfrm>
+            <a:off x="592492" y="4978400"/>
+            <a:ext cx="10809515" cy="566738"/>
+          </a:xfrm>
+        </p:spPr>
+        <p:txBody>
+          <a:bodyPr>
+            <a:normAutofit/>
+          </a:bodyPr>
+          <a:lstStyle/>
+          <a:p>
+            <a:r>
+              <a:rPr lang="en-US" sz="2600" dirty="0" err="1"/>
+              <a:t>Uml</a:t>
+            </a:r>
+            <a:r>
+              <a:rPr lang="en-US" sz="2600" dirty="0"/>
+              <a:t> Class Diagram and design modifications</a:t>
+            </a:r>
+          </a:p>
+        </p:txBody>
+      </p:sp>
+      <p:sp>
+        <p:nvSpPr>
+          <p:cNvPr id="4" name="Text Placeholder 3">
+            <a:extLst>
+              <a:ext uri="{FF2B5EF4-FFF2-40B4-BE49-F238E27FC236}">
+                <a16:creationId xmlns:a16="http://schemas.microsoft.com/office/drawing/2014/main" id="{E8BB5309-2402-41D8-8673-D320B101D4D0}"/>
+              </a:ext>
+            </a:extLst>
+          </p:cNvPr>
+          <p:cNvSpPr>
+            <a:spLocks noGrp="1"/>
+          </p:cNvSpPr>
+          <p:nvPr>
+            <p:ph type="body" sz="half" idx="2"/>
+          </p:nvPr>
+        </p:nvSpPr>
+        <p:spPr>
+          <a:xfrm>
+            <a:off x="352901" y="5569617"/>
+            <a:ext cx="11636936" cy="963070"/>
+          </a:xfrm>
+        </p:spPr>
+        <p:txBody>
+          <a:bodyPr numCol="2">
+            <a:noAutofit/>
+          </a:bodyPr>
+          <a:lstStyle/>
+          <a:p>
+            <a:pPr marL="285750" indent="-285750">
+              <a:buFont typeface="Arial" panose="020B0604020202020204" pitchFamily="34" charset="0"/>
+              <a:buChar char="•"/>
+            </a:pPr>
+            <a:r>
+              <a:rPr lang="en-US" sz="2000" dirty="0"/>
+              <a:t>Fundamentals of system remain</a:t>
+            </a:r>
+          </a:p>
+          <a:p>
+            <a:pPr marL="285750" indent="-285750">
+              <a:buFont typeface="Arial" panose="020B0604020202020204" pitchFamily="34" charset="0"/>
+              <a:buChar char="•"/>
+            </a:pPr>
+            <a:r>
+              <a:rPr lang="en-US" sz="2000" dirty="0"/>
+              <a:t>Primary additions are the controllers</a:t>
+            </a:r>
+          </a:p>
+          <a:p>
+            <a:pPr marL="285750" indent="-285750">
+              <a:buFont typeface="Arial" panose="020B0604020202020204" pitchFamily="34" charset="0"/>
+              <a:buChar char="•"/>
+            </a:pPr>
+            <a:endParaRPr lang="en-US" sz="2000" dirty="0"/>
+          </a:p>
+          <a:p>
+            <a:pPr marL="285750" indent="-285750">
+              <a:buFont typeface="Arial" panose="020B0604020202020204" pitchFamily="34" charset="0"/>
+              <a:buChar char="•"/>
+            </a:pPr>
+            <a:r>
+              <a:rPr lang="en-US" sz="2000" dirty="0" err="1"/>
+              <a:t>DataController</a:t>
+            </a:r>
+            <a:r>
+              <a:rPr lang="en-US" sz="2000" dirty="0"/>
+              <a:t> handles loading the </a:t>
+            </a:r>
+            <a:r>
+              <a:rPr lang="en-US" sz="2000" dirty="0" err="1"/>
+              <a:t>Dex</a:t>
+            </a:r>
+            <a:r>
+              <a:rPr lang="en-US" sz="2000" dirty="0"/>
+              <a:t> to the program</a:t>
+            </a:r>
+          </a:p>
+          <a:p>
+            <a:pPr marL="285750" indent="-285750">
+              <a:buFont typeface="Arial" panose="020B0604020202020204" pitchFamily="34" charset="0"/>
+              <a:buChar char="•"/>
+            </a:pPr>
+            <a:endParaRPr lang="en-US" sz="2000" dirty="0"/>
+          </a:p>
+        </p:txBody>
+      </p:sp>
+      <p:pic>
+        <p:nvPicPr>
+          <p:cNvPr id="16" name="Picture 15">
+            <a:extLst>
+              <a:ext uri="{FF2B5EF4-FFF2-40B4-BE49-F238E27FC236}">
+                <a16:creationId xmlns:a16="http://schemas.microsoft.com/office/drawing/2014/main" id="{5F92B40B-A2A4-472D-B9FD-C7D662D19E9E}"/>
+              </a:ext>
+            </a:extLst>
+          </p:cNvPr>
+          <p:cNvPicPr>
+            <a:picLocks noChangeAspect="1"/>
+          </p:cNvPicPr>
+          <p:nvPr/>
+        </p:nvPicPr>
+        <p:blipFill>
+          <a:blip r:embed="rId2"/>
+          <a:srcRect/>
+          <a:stretch/>
+        </p:blipFill>
+        <p:spPr>
+          <a:xfrm>
+            <a:off x="-3174" y="0"/>
+            <a:ext cx="12195174" cy="5091374"/>
+          </a:xfrm>
+          <a:prstGeom prst="rect">
+            <a:avLst/>
+          </a:prstGeom>
+        </p:spPr>
+      </p:pic>
+    </p:spTree>
+    <p:extLst>
+      <p:ext uri="{BB962C8B-B14F-4D97-AF65-F5344CB8AC3E}">
+        <p14:creationId xmlns:p14="http://schemas.microsoft.com/office/powerpoint/2010/main" val="3312563152"/>
+      </p:ext>
+    </p:extLst>
+  </p:cSld>
+  <p:clrMapOvr>
+    <a:masterClrMapping/>
+  </p:clrMapOvr>
+</p:sld>
+</file>
+
+<file path=ppt/slides/slide5.xml><?xml version="1.0" encoding="utf-8"?>
+<p:sld xmlns:a="http://schemas.openxmlformats.org/drawingml/2006/main" xmlns:r="http://schemas.openxmlformats.org/officeDocument/2006/relationships" xmlns:p="http://schemas.openxmlformats.org/presentationml/2006/main">
+  <p:cSld>
+    <p:spTree>
+      <p:nvGrpSpPr>
+        <p:cNvPr id="1" name=""/>
+        <p:cNvGrpSpPr/>
+        <p:nvPr/>
+      </p:nvGrpSpPr>
+      <p:grpSpPr>
+        <a:xfrm>
+          <a:off x="0" y="0"/>
+          <a:ext cx="0" cy="0"/>
+          <a:chOff x="0" y="0"/>
+          <a:chExt cx="0" cy="0"/>
+        </a:xfrm>
+      </p:grpSpPr>
+      <p:sp>
+        <p:nvSpPr>
+          <p:cNvPr id="2" name="Title 1">
+            <a:extLst>
+              <a:ext uri="{FF2B5EF4-FFF2-40B4-BE49-F238E27FC236}">
                 <a16:creationId xmlns:a16="http://schemas.microsoft.com/office/drawing/2014/main" id="{34C87759-4783-4173-9897-6B82200A5D0C}"/>
               </a:ext>
             </a:extLst>
@@ -7294,7 +8259,10 @@
               <a:rPr lang="en-US" sz="2400" dirty="0" err="1"/>
               <a:t>Pokemawndex</a:t>
             </a:r>
-            <a:endParaRPr lang="en-US" sz="2400" dirty="0"/>
+            <a:r>
+              <a:rPr lang="en-US" sz="2400" dirty="0"/>
+              <a:t>, index UI</a:t>
+            </a:r>
           </a:p>
           <a:p>
             <a:r>
@@ -7356,7 +8324,7 @@
 </p:sld>
 </file>
 
-<file path=ppt/slides/slide5.xml><?xml version="1.0" encoding="utf-8"?>
+<file path=ppt/slides/slide6.xml><?xml version="1.0" encoding="utf-8"?>
 <p:sld xmlns:a="http://schemas.openxmlformats.org/drawingml/2006/main" xmlns:r="http://schemas.openxmlformats.org/officeDocument/2006/relationships" xmlns:p="http://schemas.openxmlformats.org/presentationml/2006/main">
   <p:cSld>
     <p:bg>
@@ -7555,7 +8523,7 @@
 </p:sld>
 </file>
 
-<file path=ppt/slides/slide6.xml><?xml version="1.0" encoding="utf-8"?>
+<file path=ppt/slides/slide7.xml><?xml version="1.0" encoding="utf-8"?>
 <p:sld xmlns:a="http://schemas.openxmlformats.org/drawingml/2006/main" xmlns:r="http://schemas.openxmlformats.org/officeDocument/2006/relationships" xmlns:p="http://schemas.openxmlformats.org/presentationml/2006/main">
   <p:cSld>
     <p:bg>
@@ -7778,123 +8746,6 @@
 </p:sld>
 </file>
 
-<file path=ppt/slides/slide7.xml><?xml version="1.0" encoding="utf-8"?>
-<p:sld xmlns:a="http://schemas.openxmlformats.org/drawingml/2006/main" xmlns:r="http://schemas.openxmlformats.org/officeDocument/2006/relationships" xmlns:p="http://schemas.openxmlformats.org/presentationml/2006/main">
-  <p:cSld>
-    <p:spTree>
-      <p:nvGrpSpPr>
-        <p:cNvPr id="1" name=""/>
-        <p:cNvGrpSpPr/>
-        <p:nvPr/>
-      </p:nvGrpSpPr>
-      <p:grpSpPr>
-        <a:xfrm>
-          <a:off x="0" y="0"/>
-          <a:ext cx="0" cy="0"/>
-          <a:chOff x="0" y="0"/>
-          <a:chExt cx="0" cy="0"/>
-        </a:xfrm>
-      </p:grpSpPr>
-      <p:sp>
-        <p:nvSpPr>
-          <p:cNvPr id="2" name="Title 1">
-            <a:extLst>
-              <a:ext uri="{FF2B5EF4-FFF2-40B4-BE49-F238E27FC236}">
-                <a16:creationId xmlns:a16="http://schemas.microsoft.com/office/drawing/2014/main" id="{4B66EFA1-8139-485D-9302-F72AEED78AB0}"/>
-              </a:ext>
-            </a:extLst>
-          </p:cNvPr>
-          <p:cNvSpPr>
-            <a:spLocks noGrp="1"/>
-          </p:cNvSpPr>
-          <p:nvPr>
-            <p:ph type="title"/>
-          </p:nvPr>
-        </p:nvSpPr>
-        <p:spPr>
-          <a:xfrm>
-            <a:off x="5483578" y="1246011"/>
-            <a:ext cx="6164653" cy="1371600"/>
-          </a:xfrm>
-        </p:spPr>
-        <p:txBody>
-          <a:bodyPr/>
-          <a:lstStyle/>
-          <a:p>
-            <a:r>
-              <a:rPr lang="en-US" dirty="0" err="1"/>
-              <a:t>Creaturebattle</a:t>
-            </a:r>
-            <a:endParaRPr lang="en-US" dirty="0"/>
-          </a:p>
-        </p:txBody>
-      </p:sp>
-      <p:sp>
-        <p:nvSpPr>
-          <p:cNvPr id="3" name="Picture Placeholder 2">
-            <a:extLst>
-              <a:ext uri="{FF2B5EF4-FFF2-40B4-BE49-F238E27FC236}">
-                <a16:creationId xmlns:a16="http://schemas.microsoft.com/office/drawing/2014/main" id="{B6464539-90B7-42C9-8F74-BBC18F8D08FC}"/>
-              </a:ext>
-            </a:extLst>
-          </p:cNvPr>
-          <p:cNvSpPr>
-            <a:spLocks noGrp="1"/>
-          </p:cNvSpPr>
-          <p:nvPr>
-            <p:ph type="pic" idx="1"/>
-          </p:nvPr>
-        </p:nvSpPr>
-        <p:spPr>
-          <a:xfrm>
-            <a:off x="685800" y="891822"/>
-            <a:ext cx="3280974" cy="4572000"/>
-          </a:xfrm>
-        </p:spPr>
-      </p:sp>
-      <p:sp>
-        <p:nvSpPr>
-          <p:cNvPr id="4" name="Text Placeholder 3">
-            <a:extLst>
-              <a:ext uri="{FF2B5EF4-FFF2-40B4-BE49-F238E27FC236}">
-                <a16:creationId xmlns:a16="http://schemas.microsoft.com/office/drawing/2014/main" id="{FC398FA0-F6A1-4675-BB28-042724C562DC}"/>
-              </a:ext>
-            </a:extLst>
-          </p:cNvPr>
-          <p:cNvSpPr>
-            <a:spLocks noGrp="1"/>
-          </p:cNvSpPr>
-          <p:nvPr>
-            <p:ph type="body" sz="half" idx="2"/>
-          </p:nvPr>
-        </p:nvSpPr>
-        <p:spPr>
-          <a:xfrm>
-            <a:off x="5483578" y="2617611"/>
-            <a:ext cx="6164653" cy="1828800"/>
-          </a:xfrm>
-        </p:spPr>
-        <p:txBody>
-          <a:bodyPr/>
-          <a:lstStyle/>
-          <a:p>
-            <a:endParaRPr lang="en-US" dirty="0"/>
-          </a:p>
-        </p:txBody>
-      </p:sp>
-    </p:spTree>
-    <p:extLst>
-      <p:ext uri="{BB962C8B-B14F-4D97-AF65-F5344CB8AC3E}">
-        <p14:creationId xmlns:p14="http://schemas.microsoft.com/office/powerpoint/2010/main" val="1315672013"/>
-      </p:ext>
-    </p:extLst>
-  </p:cSld>
-  <p:clrMapOvr>
-    <a:masterClrMapping/>
-  </p:clrMapOvr>
-</p:sld>
-</file>
-
 <file path=ppt/slides/slide8.xml><?xml version="1.0" encoding="utf-8"?>
 <p:sld xmlns:a="http://schemas.openxmlformats.org/drawingml/2006/main" xmlns:r="http://schemas.openxmlformats.org/officeDocument/2006/relationships" xmlns:p="http://schemas.openxmlformats.org/presentationml/2006/main">
   <p:cSld>
@@ -7917,7 +8768,7 @@
           <p:cNvPr id="2" name="Title 1">
             <a:extLst>
               <a:ext uri="{FF2B5EF4-FFF2-40B4-BE49-F238E27FC236}">
-                <a16:creationId xmlns:a16="http://schemas.microsoft.com/office/drawing/2014/main" id="{23CFD05B-B58D-4C93-85F6-AB1499DFC0CC}"/>
+                <a16:creationId xmlns:a16="http://schemas.microsoft.com/office/drawing/2014/main" id="{04FF33E5-0319-4F63-B29B-D981525CD7A5}"/>
               </a:ext>
             </a:extLst>
           </p:cNvPr>
@@ -7930,79 +8781,225 @@
         </p:nvSpPr>
         <p:spPr>
           <a:xfrm>
-            <a:off x="5179932" y="2141377"/>
-            <a:ext cx="6164653" cy="1371600"/>
-          </a:xfrm>
-        </p:spPr>
-        <p:txBody>
-          <a:bodyPr/>
+            <a:off x="657810" y="544287"/>
+            <a:ext cx="10131425" cy="435428"/>
+          </a:xfrm>
+        </p:spPr>
+        <p:txBody>
+          <a:bodyPr>
+            <a:normAutofit fontScale="90000"/>
+          </a:bodyPr>
           <a:lstStyle/>
           <a:p>
             <a:r>
               <a:rPr lang="en-US" dirty="0" err="1"/>
-              <a:t>david</a:t>
-            </a:r>
+              <a:t>CreatureBattle</a:t>
+            </a:r>
+            <a:br>
+              <a:rPr lang="en-US" dirty="0"/>
+            </a:br>
             <a:endParaRPr lang="en-US" dirty="0"/>
           </a:p>
         </p:txBody>
       </p:sp>
-      <p:sp>
-        <p:nvSpPr>
-          <p:cNvPr id="3" name="Picture Placeholder 2">
+      <p:pic>
+        <p:nvPicPr>
+          <p:cNvPr id="6" name="Content Placeholder 5" descr="A screenshot of a cell phone&#10;&#10;Description automatically generated">
             <a:extLst>
               <a:ext uri="{FF2B5EF4-FFF2-40B4-BE49-F238E27FC236}">
-                <a16:creationId xmlns:a16="http://schemas.microsoft.com/office/drawing/2014/main" id="{F2243997-0362-4B3F-B492-1CD15796838B}"/>
+                <a16:creationId xmlns:a16="http://schemas.microsoft.com/office/drawing/2014/main" id="{707BACE7-164C-4C59-98E3-1E85E52A7E8F}"/>
               </a:ext>
             </a:extLst>
           </p:cNvPr>
-          <p:cNvSpPr>
-            <a:spLocks noGrp="1"/>
-          </p:cNvSpPr>
-          <p:nvPr>
-            <p:ph type="pic" idx="1"/>
-          </p:nvPr>
-        </p:nvSpPr>
-        <p:spPr>
-          <a:xfrm>
-            <a:off x="648769" y="1143000"/>
-            <a:ext cx="3280974" cy="4572000"/>
-          </a:xfrm>
-        </p:spPr>
-      </p:sp>
-      <p:sp>
-        <p:nvSpPr>
-          <p:cNvPr id="4" name="Text Placeholder 3">
+          <p:cNvPicPr>
+            <a:picLocks noGrp="1" noChangeAspect="1"/>
+          </p:cNvPicPr>
+          <p:nvPr>
+            <p:ph sz="half" idx="1"/>
+          </p:nvPr>
+        </p:nvPicPr>
+        <p:blipFill>
+          <a:blip r:embed="rId2"/>
+          <a:stretch>
+            <a:fillRect/>
+          </a:stretch>
+        </p:blipFill>
+        <p:spPr>
+          <a:xfrm>
+            <a:off x="1222374" y="1548881"/>
+            <a:ext cx="3269084" cy="5039598"/>
+          </a:xfrm>
+        </p:spPr>
+      </p:pic>
+      <p:pic>
+        <p:nvPicPr>
+          <p:cNvPr id="8" name="Content Placeholder 7" descr="A screenshot of a cell phone&#10;&#10;Description automatically generated">
             <a:extLst>
               <a:ext uri="{FF2B5EF4-FFF2-40B4-BE49-F238E27FC236}">
-                <a16:creationId xmlns:a16="http://schemas.microsoft.com/office/drawing/2014/main" id="{ECB9FC8E-E131-4B4B-BC29-51DAB85B6226}"/>
+                <a16:creationId xmlns:a16="http://schemas.microsoft.com/office/drawing/2014/main" id="{B9719B70-7E7C-4B01-AACC-6B33D4320B67}"/>
               </a:ext>
             </a:extLst>
           </p:cNvPr>
-          <p:cNvSpPr>
-            <a:spLocks noGrp="1"/>
-          </p:cNvSpPr>
-          <p:nvPr>
-            <p:ph type="body" sz="half" idx="2"/>
-          </p:nvPr>
-        </p:nvSpPr>
-        <p:spPr>
-          <a:xfrm>
-            <a:off x="5179932" y="3512977"/>
-            <a:ext cx="6164653" cy="1828800"/>
-          </a:xfrm>
-        </p:spPr>
-        <p:txBody>
-          <a:bodyPr/>
-          <a:lstStyle/>
-          <a:p>
-            <a:endParaRPr lang="en-US"/>
+          <p:cNvPicPr>
+            <a:picLocks noGrp="1" noChangeAspect="1"/>
+          </p:cNvPicPr>
+          <p:nvPr>
+            <p:ph sz="half" idx="2"/>
+          </p:nvPr>
+        </p:nvPicPr>
+        <p:blipFill>
+          <a:blip r:embed="rId3"/>
+          <a:stretch>
+            <a:fillRect/>
+          </a:stretch>
+        </p:blipFill>
+        <p:spPr>
+          <a:xfrm>
+            <a:off x="5191943" y="1549719"/>
+            <a:ext cx="6161856" cy="5038760"/>
+          </a:xfrm>
+        </p:spPr>
+      </p:pic>
+      <p:sp>
+        <p:nvSpPr>
+          <p:cNvPr id="10" name="Title 1">
+            <a:extLst>
+              <a:ext uri="{FF2B5EF4-FFF2-40B4-BE49-F238E27FC236}">
+                <a16:creationId xmlns:a16="http://schemas.microsoft.com/office/drawing/2014/main" id="{1C2CEA94-2BC8-4845-896F-18B3E2735A2D}"/>
+              </a:ext>
+            </a:extLst>
+          </p:cNvPr>
+          <p:cNvSpPr txBox="1">
+            <a:spLocks/>
+          </p:cNvSpPr>
+          <p:nvPr/>
+        </p:nvSpPr>
+        <p:spPr>
+          <a:xfrm>
+            <a:off x="838201" y="762000"/>
+            <a:ext cx="10131425" cy="786881"/>
+          </a:xfrm>
+          <a:prstGeom prst="rect">
+            <a:avLst/>
+          </a:prstGeom>
+          <a:effectLst/>
+        </p:spPr>
+        <p:txBody>
+          <a:bodyPr vert="horz" lIns="91440" tIns="45720" rIns="91440" bIns="45720" numCol="2" rtlCol="0" anchor="ctr">
+            <a:normAutofit/>
+          </a:bodyPr>
+          <a:lstStyle>
+            <a:lvl1pPr algn="l" defTabSz="457200" rtl="0" eaLnBrk="1" latinLnBrk="0" hangingPunct="1">
+              <a:spcBef>
+                <a:spcPct val="0"/>
+              </a:spcBef>
+              <a:buNone/>
+              <a:defRPr sz="3600" kern="1200" cap="all">
+                <a:ln w="3175" cmpd="sng">
+                  <a:noFill/>
+                </a:ln>
+                <a:solidFill>
+                  <a:schemeClr val="tx1"/>
+                </a:solidFill>
+                <a:effectLst/>
+                <a:latin typeface="+mj-lt"/>
+                <a:ea typeface="+mj-ea"/>
+                <a:cs typeface="+mj-cs"/>
+              </a:defRPr>
+            </a:lvl1pPr>
+            <a:lvl2pPr eaLnBrk="1" hangingPunct="1">
+              <a:defRPr>
+                <a:solidFill>
+                  <a:schemeClr val="tx2"/>
+                </a:solidFill>
+              </a:defRPr>
+            </a:lvl2pPr>
+            <a:lvl3pPr eaLnBrk="1" hangingPunct="1">
+              <a:defRPr>
+                <a:solidFill>
+                  <a:schemeClr val="tx2"/>
+                </a:solidFill>
+              </a:defRPr>
+            </a:lvl3pPr>
+            <a:lvl4pPr eaLnBrk="1" hangingPunct="1">
+              <a:defRPr>
+                <a:solidFill>
+                  <a:schemeClr val="tx2"/>
+                </a:solidFill>
+              </a:defRPr>
+            </a:lvl4pPr>
+            <a:lvl5pPr eaLnBrk="1" hangingPunct="1">
+              <a:defRPr>
+                <a:solidFill>
+                  <a:schemeClr val="tx2"/>
+                </a:solidFill>
+              </a:defRPr>
+            </a:lvl5pPr>
+            <a:lvl6pPr eaLnBrk="1" hangingPunct="1">
+              <a:defRPr>
+                <a:solidFill>
+                  <a:schemeClr val="tx2"/>
+                </a:solidFill>
+              </a:defRPr>
+            </a:lvl6pPr>
+            <a:lvl7pPr eaLnBrk="1" hangingPunct="1">
+              <a:defRPr>
+                <a:solidFill>
+                  <a:schemeClr val="tx2"/>
+                </a:solidFill>
+              </a:defRPr>
+            </a:lvl7pPr>
+            <a:lvl8pPr eaLnBrk="1" hangingPunct="1">
+              <a:defRPr>
+                <a:solidFill>
+                  <a:schemeClr val="tx2"/>
+                </a:solidFill>
+              </a:defRPr>
+            </a:lvl8pPr>
+            <a:lvl9pPr eaLnBrk="1" hangingPunct="1">
+              <a:defRPr>
+                <a:solidFill>
+                  <a:schemeClr val="tx2"/>
+                </a:solidFill>
+              </a:defRPr>
+            </a:lvl9pPr>
+          </a:lstStyle>
+          <a:p>
+            <a:pPr marL="571500" indent="-571500">
+              <a:buFont typeface="Arial" panose="020B0604020202020204" pitchFamily="34" charset="0"/>
+              <a:buChar char="•"/>
+            </a:pPr>
+            <a:r>
+              <a:rPr lang="en-US" sz="2000" dirty="0"/>
+              <a:t>Runs the battle</a:t>
+            </a:r>
+          </a:p>
+          <a:p>
+            <a:pPr marL="571500" indent="-571500">
+              <a:buFont typeface="Arial" panose="020B0604020202020204" pitchFamily="34" charset="0"/>
+              <a:buChar char="•"/>
+            </a:pPr>
+            <a:r>
+              <a:rPr lang="en-US" sz="2000" dirty="0"/>
+              <a:t>Determines battle order</a:t>
+            </a:r>
+          </a:p>
+          <a:p>
+            <a:pPr marL="571500" indent="-571500">
+              <a:buFont typeface="Arial" panose="020B0604020202020204" pitchFamily="34" charset="0"/>
+              <a:buChar char="•"/>
+            </a:pPr>
+            <a:r>
+              <a:rPr lang="en-US" sz="2000" dirty="0"/>
+              <a:t>Provides results of attacks</a:t>
+            </a:r>
           </a:p>
         </p:txBody>
       </p:sp>
     </p:spTree>
     <p:extLst>
       <p:ext uri="{BB962C8B-B14F-4D97-AF65-F5344CB8AC3E}">
-        <p14:creationId xmlns:p14="http://schemas.microsoft.com/office/powerpoint/2010/main" val="364295835"/>
+        <p14:creationId xmlns:p14="http://schemas.microsoft.com/office/powerpoint/2010/main" val="477601114"/>
       </p:ext>
     </p:extLst>
   </p:cSld>
@@ -8015,15 +9012,6 @@
 <file path=ppt/slides/slide9.xml><?xml version="1.0" encoding="utf-8"?>
 <p:sld xmlns:a="http://schemas.openxmlformats.org/drawingml/2006/main" xmlns:r="http://schemas.openxmlformats.org/officeDocument/2006/relationships" xmlns:p="http://schemas.openxmlformats.org/presentationml/2006/main">
   <p:cSld>
-    <p:bg>
-      <p:bgPr>
-        <a:blipFill>
-          <a:blip r:embed="rId2"/>
-          <a:stretch/>
-        </a:blipFill>
-        <a:effectLst/>
-      </p:bgPr>
-    </p:bg>
     <p:spTree>
       <p:nvGrpSpPr>
         <p:cNvPr id="1" name=""/>
@@ -8038,60 +9026,15 @@
           <a:chExt cx="0" cy="0"/>
         </a:xfrm>
       </p:grpSpPr>
-      <p:pic>
-        <p:nvPicPr>
-          <p:cNvPr id="11" name="Picture 10">
+      <p:sp>
+        <p:nvSpPr>
+          <p:cNvPr id="2" name="Title 1">
             <a:extLst>
               <a:ext uri="{FF2B5EF4-FFF2-40B4-BE49-F238E27FC236}">
-                <a16:creationId xmlns:a16="http://schemas.microsoft.com/office/drawing/2014/main" id="{E99155B9-6320-4AB5-A815-8A2754562B94}"/>
-              </a:ext>
-              <a:ext uri="{C183D7F6-B498-43B3-948B-1728B52AA6E4}">
-                <adec:decorative xmlns:adec="http://schemas.microsoft.com/office/drawing/2017/decorative" val="1"/>
+                <a16:creationId xmlns:a16="http://schemas.microsoft.com/office/drawing/2014/main" id="{23CFD05B-B58D-4C93-85F6-AB1499DFC0CC}"/>
               </a:ext>
             </a:extLst>
           </p:cNvPr>
-          <p:cNvPicPr>
-            <a:picLocks noGrp="1" noRot="1" noChangeAspect="1" noMove="1" noResize="1" noEditPoints="1" noAdjustHandles="1" noChangeArrowheads="1" noChangeShapeType="1" noCrop="1"/>
-          </p:cNvPicPr>
-          <p:nvPr>
-            <p:extLst>
-              <p:ext uri="{386F3935-93C4-4BCD-93E2-E3B085C9AB24}">
-                <p16:designElem xmlns:p16="http://schemas.microsoft.com/office/powerpoint/2015/main" val="1"/>
-              </p:ext>
-            </p:extLst>
-          </p:nvPr>
-        </p:nvPicPr>
-        <p:blipFill>
-          <a:blip r:embed="rId3">
-            <a:extLst>
-              <a:ext uri="{28A0092B-C50C-407E-A947-70E740481C1C}">
-                <a14:useLocalDpi xmlns:a14="http://schemas.microsoft.com/office/drawing/2010/main" val="0"/>
-              </a:ext>
-            </a:extLst>
-          </a:blip>
-          <a:stretch>
-            <a:fillRect/>
-          </a:stretch>
-        </p:blipFill>
-        <p:spPr>
-          <a:xfrm>
-            <a:off x="0" y="0"/>
-            <a:ext cx="12188825" cy="6856214"/>
-          </a:xfrm>
-          <a:prstGeom prst="rect">
-            <a:avLst/>
-          </a:prstGeom>
-        </p:spPr>
-      </p:pic>
-      <p:sp>
-        <p:nvSpPr>
-          <p:cNvPr id="2" name="Title 1">
-            <a:extLst>
-              <a:ext uri="{FF2B5EF4-FFF2-40B4-BE49-F238E27FC236}">
-                <a16:creationId xmlns:a16="http://schemas.microsoft.com/office/drawing/2014/main" id="{D59DC9EC-C110-49A3-ADE0-21EFB2B7D242}"/>
-              </a:ext>
-            </a:extLst>
-          </p:cNvPr>
           <p:cNvSpPr>
             <a:spLocks noGrp="1"/>
           </p:cNvSpPr>
@@ -8101,88 +9044,30 @@
         </p:nvSpPr>
         <p:spPr>
           <a:xfrm>
-            <a:off x="685801" y="609600"/>
-            <a:ext cx="5219699" cy="1456267"/>
-          </a:xfrm>
-        </p:spPr>
-        <p:txBody>
-          <a:bodyPr vert="horz" lIns="91440" tIns="45720" rIns="91440" bIns="45720" rtlCol="0" anchor="ctr">
+            <a:off x="5179931" y="1665516"/>
+            <a:ext cx="6164653" cy="1371600"/>
+          </a:xfrm>
+        </p:spPr>
+        <p:txBody>
+          <a:bodyPr>
             <a:normAutofit/>
           </a:bodyPr>
           <a:lstStyle/>
           <a:p>
             <a:r>
-              <a:rPr lang="en-US" sz="4200" dirty="0"/>
-              <a:t>Unit testing</a:t>
-            </a:r>
-          </a:p>
-        </p:txBody>
-      </p:sp>
-      <p:sp>
-        <p:nvSpPr>
-          <p:cNvPr id="4" name="Text Placeholder 3">
+              <a:rPr lang="en-US" sz="4200" dirty="0" err="1"/>
+              <a:t>buttonmanager</a:t>
+            </a:r>
+            <a:endParaRPr lang="en-US" sz="4200" dirty="0"/>
+          </a:p>
+        </p:txBody>
+      </p:sp>
+      <p:pic>
+        <p:nvPicPr>
+          <p:cNvPr id="6" name="Picture Placeholder 5" descr="A picture containing screenshot&#10;&#10;Description automatically generated">
             <a:extLst>
               <a:ext uri="{FF2B5EF4-FFF2-40B4-BE49-F238E27FC236}">
-                <a16:creationId xmlns:a16="http://schemas.microsoft.com/office/drawing/2014/main" id="{3C423849-E06A-4845-BE4A-F1E4571EC9A0}"/>
-              </a:ext>
-            </a:extLst>
-          </p:cNvPr>
-          <p:cNvSpPr>
-            <a:spLocks noGrp="1"/>
-          </p:cNvSpPr>
-          <p:nvPr>
-            <p:ph type="body" sz="half" idx="2"/>
-          </p:nvPr>
-        </p:nvSpPr>
-        <p:spPr>
-          <a:xfrm>
-            <a:off x="685801" y="2142067"/>
-            <a:ext cx="5219699" cy="3649133"/>
-          </a:xfrm>
-        </p:spPr>
-        <p:txBody>
-          <a:bodyPr vert="horz" lIns="91440" tIns="45720" rIns="91440" bIns="45720" rtlCol="0" anchor="ctr">
-            <a:normAutofit/>
-          </a:bodyPr>
-          <a:lstStyle/>
-          <a:p>
-            <a:pPr>
-              <a:buFont typeface="Arial"/>
-              <a:buChar char="•"/>
-            </a:pPr>
-            <a:r>
-              <a:rPr lang="en-US" sz="2200" dirty="0"/>
-              <a:t>Unity Test Runner allows a framework for isolating class functions and calling them with a wide variety of cases</a:t>
-            </a:r>
-          </a:p>
-          <a:p>
-            <a:pPr>
-              <a:buFont typeface="Arial"/>
-              <a:buChar char="•"/>
-            </a:pPr>
-            <a:r>
-              <a:rPr lang="en-US" sz="2200" dirty="0"/>
-              <a:t>Gives an obvious visual cue to what is working and what isn’t</a:t>
-            </a:r>
-          </a:p>
-          <a:p>
-            <a:pPr lvl="1">
-              <a:buFont typeface="Arial"/>
-              <a:buChar char="•"/>
-            </a:pPr>
-            <a:r>
-              <a:rPr lang="en-US" sz="1600" dirty="0"/>
-              <a:t>If a test does not pass, gives an indication of why it is not passing</a:t>
-            </a:r>
-          </a:p>
-        </p:txBody>
-      </p:sp>
-      <p:pic>
-        <p:nvPicPr>
-          <p:cNvPr id="6" name="Picture Placeholder 5" descr="A screenshot of a social media post&#10;&#10;Description automatically generated">
-            <a:extLst>
-              <a:ext uri="{FF2B5EF4-FFF2-40B4-BE49-F238E27FC236}">
-                <a16:creationId xmlns:a16="http://schemas.microsoft.com/office/drawing/2014/main" id="{D62AC079-2B00-4656-AC6B-ECFFA6F4F8E4}"/>
+                <a16:creationId xmlns:a16="http://schemas.microsoft.com/office/drawing/2014/main" id="{C211A270-A3C2-490D-B75D-176EEC9DACF1}"/>
               </a:ext>
             </a:extLst>
           </p:cNvPr>
@@ -8193,53 +9078,104 @@
             <p:ph type="pic" idx="1"/>
           </p:nvPr>
         </p:nvPicPr>
-        <p:blipFill rotWithShape="1">
-          <a:blip r:embed="rId4"/>
-          <a:srcRect r="6111"/>
-          <a:stretch/>
+        <p:blipFill>
+          <a:blip r:embed="rId2"/>
+          <a:srcRect l="10158" r="10158"/>
+          <a:stretch>
+            <a:fillRect/>
+          </a:stretch>
         </p:blipFill>
         <p:spPr>
           <a:xfrm>
-            <a:off x="6094412" y="609600"/>
-            <a:ext cx="5942362" cy="5727836"/>
-          </a:xfrm>
-          <a:prstGeom prst="roundRect">
-            <a:avLst>
-              <a:gd name="adj" fmla="val 4380"/>
-            </a:avLst>
-          </a:prstGeom>
-          <a:ln w="50800" cap="sq" cmpd="dbl">
-            <a:gradFill flip="none" rotWithShape="1">
-              <a:gsLst>
-                <a:gs pos="0">
-                  <a:srgbClr val="FFFFFF"/>
-                </a:gs>
-                <a:gs pos="100000">
-                  <a:schemeClr val="tx1">
-                    <a:alpha val="0"/>
-                  </a:schemeClr>
-                </a:gs>
-              </a:gsLst>
-              <a:path path="circle">
-                <a:fillToRect l="50000" t="50000" r="50000" b="50000"/>
-              </a:path>
-              <a:tileRect/>
-            </a:gradFill>
-            <a:miter lim="800000"/>
-          </a:ln>
-          <a:effectLst>
-            <a:outerShdw blurRad="254000" algn="tl" rotWithShape="0">
-              <a:srgbClr val="000000">
-                <a:alpha val="43000"/>
-              </a:srgbClr>
-            </a:outerShdw>
-          </a:effectLst>
+            <a:off x="1013182" y="1143000"/>
+            <a:ext cx="3279775" cy="4572000"/>
+          </a:xfrm>
         </p:spPr>
       </p:pic>
+      <p:sp>
+        <p:nvSpPr>
+          <p:cNvPr id="4" name="Text Placeholder 3">
+            <a:extLst>
+              <a:ext uri="{FF2B5EF4-FFF2-40B4-BE49-F238E27FC236}">
+                <a16:creationId xmlns:a16="http://schemas.microsoft.com/office/drawing/2014/main" id="{ECB9FC8E-E131-4B4B-BC29-51DAB85B6226}"/>
+              </a:ext>
+            </a:extLst>
+          </p:cNvPr>
+          <p:cNvSpPr>
+            <a:spLocks noGrp="1"/>
+          </p:cNvSpPr>
+          <p:nvPr>
+            <p:ph type="body" sz="half" idx="2"/>
+          </p:nvPr>
+        </p:nvSpPr>
+        <p:spPr>
+          <a:xfrm>
+            <a:off x="5179931" y="3321696"/>
+            <a:ext cx="6164653" cy="1828800"/>
+          </a:xfrm>
+        </p:spPr>
+        <p:txBody>
+          <a:bodyPr>
+            <a:normAutofit/>
+          </a:bodyPr>
+          <a:lstStyle/>
+          <a:p>
+            <a:pPr marL="285750" indent="-285750">
+              <a:buFont typeface="Arial" panose="020B0604020202020204" pitchFamily="34" charset="0"/>
+              <a:buChar char="•"/>
+            </a:pPr>
+            <a:r>
+              <a:rPr lang="en-US" sz="2200" dirty="0"/>
+              <a:t>Controls </a:t>
+            </a:r>
+            <a:r>
+              <a:rPr lang="en-US" sz="2200" dirty="0" err="1"/>
+              <a:t>Pokemawndex</a:t>
+            </a:r>
+            <a:r>
+              <a:rPr lang="en-US" sz="2200" dirty="0"/>
+              <a:t> UI</a:t>
+            </a:r>
+          </a:p>
+          <a:p>
+            <a:pPr marL="285750" indent="-285750">
+              <a:buFont typeface="Arial" panose="020B0604020202020204" pitchFamily="34" charset="0"/>
+              <a:buChar char="•"/>
+            </a:pPr>
+            <a:r>
+              <a:rPr lang="en-US" sz="2200" dirty="0"/>
+              <a:t>Facilitates the </a:t>
+            </a:r>
+            <a:r>
+              <a:rPr lang="en-US" sz="2200" dirty="0" err="1"/>
+              <a:t>DataController</a:t>
+            </a:r>
+            <a:r>
+              <a:rPr lang="en-US" sz="2200" dirty="0"/>
+              <a:t> to create, save, and load new </a:t>
+            </a:r>
+            <a:r>
+              <a:rPr lang="en-US" sz="2200" dirty="0" err="1"/>
+              <a:t>Pokemawn</a:t>
+            </a:r>
+            <a:endParaRPr lang="en-US" sz="2200" dirty="0"/>
+          </a:p>
+          <a:p>
+            <a:pPr marL="285750" indent="-285750">
+              <a:buFont typeface="Arial" panose="020B0604020202020204" pitchFamily="34" charset="0"/>
+              <a:buChar char="•"/>
+            </a:pPr>
+            <a:r>
+              <a:rPr lang="en-US" sz="2200" dirty="0"/>
+              <a:t>Stores the created creatures in an index UI</a:t>
+            </a:r>
+          </a:p>
+        </p:txBody>
+      </p:sp>
     </p:spTree>
     <p:extLst>
       <p:ext uri="{BB962C8B-B14F-4D97-AF65-F5344CB8AC3E}">
-        <p14:creationId xmlns:p14="http://schemas.microsoft.com/office/powerpoint/2010/main" val="798476642"/>
+        <p14:creationId xmlns:p14="http://schemas.microsoft.com/office/powerpoint/2010/main" val="364295835"/>
       </p:ext>
     </p:extLst>
   </p:cSld>

--- a/PokemawnFinalPresentation.pptx
+++ b/PokemawnFinalPresentation.pptx
@@ -13,10 +13,11 @@
     <p:sldId id="260" r:id="rId7"/>
     <p:sldId id="261" r:id="rId8"/>
     <p:sldId id="268" r:id="rId9"/>
-    <p:sldId id="263" r:id="rId10"/>
-    <p:sldId id="264" r:id="rId11"/>
-    <p:sldId id="265" r:id="rId12"/>
-    <p:sldId id="266" r:id="rId13"/>
+    <p:sldId id="269" r:id="rId10"/>
+    <p:sldId id="263" r:id="rId11"/>
+    <p:sldId id="264" r:id="rId12"/>
+    <p:sldId id="265" r:id="rId13"/>
+    <p:sldId id="266" r:id="rId14"/>
   </p:sldIdLst>
   <p:sldSz cx="12192000" cy="6858000"/>
   <p:notesSz cx="6858000" cy="9144000"/>
@@ -6051,6 +6052,182 @@
 <file path=ppt/slides/slide10.xml><?xml version="1.0" encoding="utf-8"?>
 <p:sld xmlns:a="http://schemas.openxmlformats.org/drawingml/2006/main" xmlns:r="http://schemas.openxmlformats.org/officeDocument/2006/relationships" xmlns:p="http://schemas.openxmlformats.org/presentationml/2006/main">
   <p:cSld>
+    <p:spTree>
+      <p:nvGrpSpPr>
+        <p:cNvPr id="1" name=""/>
+        <p:cNvGrpSpPr/>
+        <p:nvPr/>
+      </p:nvGrpSpPr>
+      <p:grpSpPr>
+        <a:xfrm>
+          <a:off x="0" y="0"/>
+          <a:ext cx="0" cy="0"/>
+          <a:chOff x="0" y="0"/>
+          <a:chExt cx="0" cy="0"/>
+        </a:xfrm>
+      </p:grpSpPr>
+      <p:sp>
+        <p:nvSpPr>
+          <p:cNvPr id="2" name="Title 1">
+            <a:extLst>
+              <a:ext uri="{FF2B5EF4-FFF2-40B4-BE49-F238E27FC236}">
+                <a16:creationId xmlns:a16="http://schemas.microsoft.com/office/drawing/2014/main" id="{23CFD05B-B58D-4C93-85F6-AB1499DFC0CC}"/>
+              </a:ext>
+            </a:extLst>
+          </p:cNvPr>
+          <p:cNvSpPr>
+            <a:spLocks noGrp="1"/>
+          </p:cNvSpPr>
+          <p:nvPr>
+            <p:ph type="title"/>
+          </p:nvPr>
+        </p:nvSpPr>
+        <p:spPr>
+          <a:xfrm>
+            <a:off x="5179931" y="1665516"/>
+            <a:ext cx="6164653" cy="1371600"/>
+          </a:xfrm>
+        </p:spPr>
+        <p:txBody>
+          <a:bodyPr>
+            <a:normAutofit/>
+          </a:bodyPr>
+          <a:lstStyle/>
+          <a:p>
+            <a:r>
+              <a:rPr lang="en-US" sz="4200" dirty="0" err="1"/>
+              <a:t>buttonmanager</a:t>
+            </a:r>
+            <a:endParaRPr lang="en-US" sz="4200" dirty="0"/>
+          </a:p>
+        </p:txBody>
+      </p:sp>
+      <p:pic>
+        <p:nvPicPr>
+          <p:cNvPr id="6" name="Picture Placeholder 5" descr="A picture containing screenshot&#10;&#10;Description automatically generated">
+            <a:extLst>
+              <a:ext uri="{FF2B5EF4-FFF2-40B4-BE49-F238E27FC236}">
+                <a16:creationId xmlns:a16="http://schemas.microsoft.com/office/drawing/2014/main" id="{C211A270-A3C2-490D-B75D-176EEC9DACF1}"/>
+              </a:ext>
+            </a:extLst>
+          </p:cNvPr>
+          <p:cNvPicPr>
+            <a:picLocks noGrp="1" noChangeAspect="1"/>
+          </p:cNvPicPr>
+          <p:nvPr>
+            <p:ph type="pic" idx="1"/>
+          </p:nvPr>
+        </p:nvPicPr>
+        <p:blipFill>
+          <a:blip r:embed="rId2"/>
+          <a:srcRect l="10158" r="10158"/>
+          <a:stretch>
+            <a:fillRect/>
+          </a:stretch>
+        </p:blipFill>
+        <p:spPr>
+          <a:xfrm>
+            <a:off x="1013182" y="1143000"/>
+            <a:ext cx="3279775" cy="4572000"/>
+          </a:xfrm>
+        </p:spPr>
+      </p:pic>
+      <p:sp>
+        <p:nvSpPr>
+          <p:cNvPr id="4" name="Text Placeholder 3">
+            <a:extLst>
+              <a:ext uri="{FF2B5EF4-FFF2-40B4-BE49-F238E27FC236}">
+                <a16:creationId xmlns:a16="http://schemas.microsoft.com/office/drawing/2014/main" id="{ECB9FC8E-E131-4B4B-BC29-51DAB85B6226}"/>
+              </a:ext>
+            </a:extLst>
+          </p:cNvPr>
+          <p:cNvSpPr>
+            <a:spLocks noGrp="1"/>
+          </p:cNvSpPr>
+          <p:nvPr>
+            <p:ph type="body" sz="half" idx="2"/>
+          </p:nvPr>
+        </p:nvSpPr>
+        <p:spPr>
+          <a:xfrm>
+            <a:off x="5179931" y="3321696"/>
+            <a:ext cx="6164653" cy="1828800"/>
+          </a:xfrm>
+        </p:spPr>
+        <p:txBody>
+          <a:bodyPr>
+            <a:normAutofit/>
+          </a:bodyPr>
+          <a:lstStyle/>
+          <a:p>
+            <a:pPr marL="285750" indent="-285750">
+              <a:buFont typeface="Arial" panose="020B0604020202020204" pitchFamily="34" charset="0"/>
+              <a:buChar char="•"/>
+            </a:pPr>
+            <a:r>
+              <a:rPr lang="en-US" sz="2200" dirty="0"/>
+              <a:t>Controls </a:t>
+            </a:r>
+            <a:r>
+              <a:rPr lang="en-US" sz="2200" dirty="0" err="1"/>
+              <a:t>Pokemawndex</a:t>
+            </a:r>
+            <a:r>
+              <a:rPr lang="en-US" sz="2200" dirty="0"/>
+              <a:t> UI</a:t>
+            </a:r>
+          </a:p>
+          <a:p>
+            <a:pPr marL="285750" indent="-285750">
+              <a:buFont typeface="Arial" panose="020B0604020202020204" pitchFamily="34" charset="0"/>
+              <a:buChar char="•"/>
+            </a:pPr>
+            <a:r>
+              <a:rPr lang="en-US" sz="2200" dirty="0"/>
+              <a:t>Facilitates the </a:t>
+            </a:r>
+            <a:r>
+              <a:rPr lang="en-US" sz="2200" dirty="0" err="1"/>
+              <a:t>DataController</a:t>
+            </a:r>
+            <a:r>
+              <a:rPr lang="en-US" sz="2200" dirty="0"/>
+              <a:t> to create, save, and load new </a:t>
+            </a:r>
+            <a:r>
+              <a:rPr lang="en-US" sz="2200" dirty="0" err="1"/>
+              <a:t>Pokemawn</a:t>
+            </a:r>
+            <a:endParaRPr lang="en-US" sz="2200" dirty="0"/>
+          </a:p>
+          <a:p>
+            <a:pPr marL="285750" indent="-285750">
+              <a:buFont typeface="Arial" panose="020B0604020202020204" pitchFamily="34" charset="0"/>
+              <a:buChar char="•"/>
+            </a:pPr>
+            <a:r>
+              <a:rPr lang="en-US" sz="2200" dirty="0"/>
+              <a:t>Stores the created creatures in an index UI</a:t>
+            </a:r>
+          </a:p>
+        </p:txBody>
+      </p:sp>
+    </p:spTree>
+    <p:extLst>
+      <p:ext uri="{BB962C8B-B14F-4D97-AF65-F5344CB8AC3E}">
+        <p14:creationId xmlns:p14="http://schemas.microsoft.com/office/powerpoint/2010/main" val="364295835"/>
+      </p:ext>
+    </p:extLst>
+  </p:cSld>
+  <p:clrMapOvr>
+    <a:masterClrMapping/>
+  </p:clrMapOvr>
+</p:sld>
+</file>
+
+<file path=ppt/slides/slide11.xml><?xml version="1.0" encoding="utf-8"?>
+<p:sld xmlns:a="http://schemas.openxmlformats.org/drawingml/2006/main" xmlns:r="http://schemas.openxmlformats.org/officeDocument/2006/relationships" xmlns:p="http://schemas.openxmlformats.org/presentationml/2006/main">
+  <p:cSld>
     <p:bg>
       <p:bgPr>
         <a:blipFill>
@@ -6285,7 +6462,7 @@
 </p:sld>
 </file>
 
-<file path=ppt/slides/slide11.xml><?xml version="1.0" encoding="utf-8"?>
+<file path=ppt/slides/slide12.xml><?xml version="1.0" encoding="utf-8"?>
 <p:sld xmlns:a="http://schemas.openxmlformats.org/drawingml/2006/main" xmlns:r="http://schemas.openxmlformats.org/officeDocument/2006/relationships" xmlns:p="http://schemas.openxmlformats.org/presentationml/2006/main">
   <p:cSld>
     <p:bg>
@@ -6561,7 +6738,7 @@
 </p:sld>
 </file>
 
-<file path=ppt/slides/slide12.xml><?xml version="1.0" encoding="utf-8"?>
+<file path=ppt/slides/slide13.xml><?xml version="1.0" encoding="utf-8"?>
 <p:sld xmlns:a="http://schemas.openxmlformats.org/drawingml/2006/main" xmlns:r="http://schemas.openxmlformats.org/officeDocument/2006/relationships" xmlns:p="http://schemas.openxmlformats.org/presentationml/2006/main">
   <p:cSld>
     <p:bg>
@@ -8826,7 +9003,7 @@
         </p:blipFill>
         <p:spPr>
           <a:xfrm>
-            <a:off x="1222374" y="1548881"/>
+            <a:off x="1174103" y="1631790"/>
             <a:ext cx="3269084" cy="5039598"/>
           </a:xfrm>
         </p:spPr>
@@ -8855,7 +9032,7 @@
         </p:blipFill>
         <p:spPr>
           <a:xfrm>
-            <a:off x="5191943" y="1549719"/>
+            <a:off x="5452188" y="1632628"/>
             <a:ext cx="6161856" cy="5038760"/>
           </a:xfrm>
         </p:spPr>
@@ -9031,7 +9208,7 @@
           <p:cNvPr id="2" name="Title 1">
             <a:extLst>
               <a:ext uri="{FF2B5EF4-FFF2-40B4-BE49-F238E27FC236}">
-                <a16:creationId xmlns:a16="http://schemas.microsoft.com/office/drawing/2014/main" id="{23CFD05B-B58D-4C93-85F6-AB1499DFC0CC}"/>
+                <a16:creationId xmlns:a16="http://schemas.microsoft.com/office/drawing/2014/main" id="{F60A1E79-C3A4-4501-869A-ACFA849555E3}"/>
               </a:ext>
             </a:extLst>
           </p:cNvPr>
@@ -9044,8 +9221,8 @@
         </p:nvSpPr>
         <p:spPr>
           <a:xfrm>
-            <a:off x="5179931" y="1665516"/>
-            <a:ext cx="6164653" cy="1371600"/>
+            <a:off x="583163" y="618757"/>
+            <a:ext cx="3680885" cy="1828800"/>
           </a:xfrm>
         </p:spPr>
         <p:txBody>
@@ -9055,19 +9232,18 @@
           <a:lstStyle/>
           <a:p>
             <a:r>
-              <a:rPr lang="en-US" sz="4200" dirty="0" err="1"/>
-              <a:t>buttonmanager</a:t>
-            </a:r>
-            <a:endParaRPr lang="en-US" sz="4200" dirty="0"/>
+              <a:rPr lang="en-US" sz="4200" dirty="0"/>
+              <a:t>Creature controller</a:t>
+            </a:r>
           </a:p>
         </p:txBody>
       </p:sp>
       <p:pic>
         <p:nvPicPr>
-          <p:cNvPr id="6" name="Picture Placeholder 5" descr="A picture containing screenshot&#10;&#10;Description automatically generated">
+          <p:cNvPr id="6" name="Content Placeholder 5" descr="A screenshot of a cell phone&#10;&#10;Description automatically generated">
             <a:extLst>
               <a:ext uri="{FF2B5EF4-FFF2-40B4-BE49-F238E27FC236}">
-                <a16:creationId xmlns:a16="http://schemas.microsoft.com/office/drawing/2014/main" id="{C211A270-A3C2-490D-B75D-176EEC9DACF1}"/>
+                <a16:creationId xmlns:a16="http://schemas.microsoft.com/office/drawing/2014/main" id="{E21EDEBF-F584-4BD3-B2B0-0063E8257B82}"/>
               </a:ext>
             </a:extLst>
           </p:cNvPr>
@@ -9075,20 +9251,19 @@
             <a:picLocks noGrp="1" noChangeAspect="1"/>
           </p:cNvPicPr>
           <p:nvPr>
-            <p:ph type="pic" idx="1"/>
+            <p:ph idx="1"/>
           </p:nvPr>
         </p:nvPicPr>
         <p:blipFill>
           <a:blip r:embed="rId2"/>
-          <a:srcRect l="10158" r="10158"/>
           <a:stretch>
             <a:fillRect/>
           </a:stretch>
         </p:blipFill>
         <p:spPr>
           <a:xfrm>
-            <a:off x="1013182" y="1143000"/>
-            <a:ext cx="3279775" cy="4572000"/>
+            <a:off x="4581233" y="0"/>
+            <a:ext cx="7591228" cy="6718041"/>
           </a:xfrm>
         </p:spPr>
       </p:pic>
@@ -9097,7 +9272,7 @@
           <p:cNvPr id="4" name="Text Placeholder 3">
             <a:extLst>
               <a:ext uri="{FF2B5EF4-FFF2-40B4-BE49-F238E27FC236}">
-                <a16:creationId xmlns:a16="http://schemas.microsoft.com/office/drawing/2014/main" id="{ECB9FC8E-E131-4B4B-BC29-51DAB85B6226}"/>
+                <a16:creationId xmlns:a16="http://schemas.microsoft.com/office/drawing/2014/main" id="{8B8271B3-6DFB-47CD-B02F-FE3868EAEEBA}"/>
               </a:ext>
             </a:extLst>
           </p:cNvPr>
@@ -9110,64 +9285,63 @@
         </p:nvSpPr>
         <p:spPr>
           <a:xfrm>
-            <a:off x="5179931" y="3321696"/>
-            <a:ext cx="6164653" cy="1828800"/>
+            <a:off x="583162" y="2849034"/>
+            <a:ext cx="3680885" cy="3122819"/>
           </a:xfrm>
         </p:spPr>
         <p:txBody>
           <a:bodyPr>
-            <a:normAutofit/>
+            <a:normAutofit fontScale="85000" lnSpcReduction="20000"/>
           </a:bodyPr>
           <a:lstStyle/>
           <a:p>
-            <a:pPr marL="285750" indent="-285750">
+            <a:pPr marL="342900" indent="-342900">
               <a:buFont typeface="Arial" panose="020B0604020202020204" pitchFamily="34" charset="0"/>
               <a:buChar char="•"/>
             </a:pPr>
             <a:r>
-              <a:rPr lang="en-US" sz="2200" dirty="0"/>
-              <a:t>Controls </a:t>
-            </a:r>
-            <a:r>
-              <a:rPr lang="en-US" sz="2200" dirty="0" err="1"/>
-              <a:t>Pokemawndex</a:t>
-            </a:r>
-            <a:r>
-              <a:rPr lang="en-US" sz="2200" dirty="0"/>
-              <a:t> UI</a:t>
-            </a:r>
-          </a:p>
-          <a:p>
-            <a:pPr marL="285750" indent="-285750">
+              <a:rPr lang="en-US" sz="2400" dirty="0"/>
+              <a:t>Abstract class that all controllers derive from</a:t>
+            </a:r>
+          </a:p>
+          <a:p>
+            <a:pPr marL="800100" lvl="1" indent="-342900">
               <a:buFont typeface="Arial" panose="020B0604020202020204" pitchFamily="34" charset="0"/>
               <a:buChar char="•"/>
             </a:pPr>
             <a:r>
-              <a:rPr lang="en-US" sz="2200" dirty="0"/>
-              <a:t>Facilitates the </a:t>
-            </a:r>
-            <a:r>
-              <a:rPr lang="en-US" sz="2200" dirty="0" err="1"/>
-              <a:t>DataController</a:t>
-            </a:r>
-            <a:r>
-              <a:rPr lang="en-US" sz="2200" dirty="0"/>
-              <a:t> to create, save, and load new </a:t>
-            </a:r>
-            <a:r>
-              <a:rPr lang="en-US" sz="2200" dirty="0" err="1"/>
-              <a:t>Pokemawn</a:t>
-            </a:r>
-            <a:endParaRPr lang="en-US" sz="2200" dirty="0"/>
-          </a:p>
-          <a:p>
-            <a:pPr marL="285750" indent="-285750">
+              <a:rPr lang="en-US" sz="2000" dirty="0"/>
+              <a:t>Cannot be instantiated</a:t>
+            </a:r>
+          </a:p>
+          <a:p>
+            <a:pPr marL="800100" lvl="1" indent="-342900">
               <a:buFont typeface="Arial" panose="020B0604020202020204" pitchFamily="34" charset="0"/>
               <a:buChar char="•"/>
             </a:pPr>
             <a:r>
-              <a:rPr lang="en-US" sz="2200" dirty="0"/>
-              <a:t>Stores the created creatures in an index UI</a:t>
+              <a:rPr lang="en-US" sz="2000" dirty="0"/>
+              <a:t>Sets up the basic framework for which all children have commonalities</a:t>
+            </a:r>
+          </a:p>
+          <a:p>
+            <a:pPr marL="342900" indent="-342900">
+              <a:buFont typeface="Arial" panose="020B0604020202020204" pitchFamily="34" charset="0"/>
+              <a:buChar char="•"/>
+            </a:pPr>
+            <a:r>
+              <a:rPr lang="en-US" sz="2400" dirty="0"/>
+              <a:t>Vehicle example</a:t>
+            </a:r>
+          </a:p>
+          <a:p>
+            <a:pPr marL="800100" lvl="1" indent="-342900">
+              <a:buFont typeface="Arial" panose="020B0604020202020204" pitchFamily="34" charset="0"/>
+              <a:buChar char="•"/>
+            </a:pPr>
+            <a:r>
+              <a:rPr lang="en-US" sz="2000" dirty="0"/>
+              <a:t>We can create a car and we can create a bus. These are types of vehicles but we cannot create a “vehicle”.</a:t>
             </a:r>
           </a:p>
         </p:txBody>
@@ -9175,7 +9349,7 @@
     </p:spTree>
     <p:extLst>
       <p:ext uri="{BB962C8B-B14F-4D97-AF65-F5344CB8AC3E}">
-        <p14:creationId xmlns:p14="http://schemas.microsoft.com/office/powerpoint/2010/main" val="364295835"/>
+        <p14:creationId xmlns:p14="http://schemas.microsoft.com/office/powerpoint/2010/main" val="614710638"/>
       </p:ext>
     </p:extLst>
   </p:cSld>
